--- a/slides/KeyStone Peripherals Usage.pptx
+++ b/slides/KeyStone Peripherals Usage.pptx
@@ -603,7 +603,7 @@
     </p:spTree>
     <p:extLst>
       <p:ext uri="{BB962C8B-B14F-4D97-AF65-F5344CB8AC3E}">
-        <p14:creationId xmlns="" xmlns:p14="http://schemas.microsoft.com/office/powerpoint/2010/main" val="967372434"/>
+        <p14:creationId xmlns:p14="http://schemas.microsoft.com/office/powerpoint/2010/main" xmlns="" val="967372434"/>
       </p:ext>
     </p:extLst>
   </p:cSld>
@@ -1060,7 +1060,7 @@
     </p:spTree>
     <p:extLst>
       <p:ext uri="{BB962C8B-B14F-4D97-AF65-F5344CB8AC3E}">
-        <p14:creationId xmlns="" xmlns:p14="http://schemas.microsoft.com/office/powerpoint/2010/main" val="1932138566"/>
+        <p14:creationId xmlns:p14="http://schemas.microsoft.com/office/powerpoint/2010/main" xmlns="" val="1932138566"/>
       </p:ext>
     </p:extLst>
   </p:cSld>
@@ -1933,7 +1933,7 @@
     </p:spTree>
     <p:extLst>
       <p:ext uri="{BB962C8B-B14F-4D97-AF65-F5344CB8AC3E}">
-        <p14:creationId xmlns="" xmlns:p14="http://schemas.microsoft.com/office/powerpoint/2010/main" val="3856102171"/>
+        <p14:creationId xmlns:p14="http://schemas.microsoft.com/office/powerpoint/2010/main" xmlns="" val="3856102171"/>
       </p:ext>
     </p:extLst>
   </p:cSld>
@@ -1945,6 +1945,7 @@
     <p:sldLayoutId id="2147483664" r:id="rId4"/>
     <p:sldLayoutId id="2147483665" r:id="rId5"/>
   </p:sldLayoutIdLst>
+  <p:hf hdr="0" ftr="0" dt="0"/>
   <p:txStyles>
     <p:titleStyle>
       <a:lvl1pPr algn="ctr" rtl="0" eaLnBrk="0" fontAlgn="base" hangingPunct="0">
@@ -2392,13 +2393,8 @@
           <a:p>
             <a:r>
               <a:rPr lang="en-US" dirty="0" smtClean="0"/>
-              <a:t>Literature Number: </a:t>
-            </a:r>
-            <a:r>
-              <a:rPr lang="en-US" dirty="0" smtClean="0"/>
-              <a:t>SPRPXXX</a:t>
-            </a:r>
-            <a:endParaRPr lang="en-US" dirty="0" smtClean="0"/>
+              <a:t>Literature Number: SPRPXXX</a:t>
+            </a:r>
           </a:p>
         </p:txBody>
       </p:sp>
@@ -2546,6 +2542,30 @@
           </a:p>
         </p:txBody>
       </p:sp>
+      <p:sp>
+        <p:nvSpPr>
+          <p:cNvPr id="4" name="Slide Number Placeholder 3"/>
+          <p:cNvSpPr>
+            <a:spLocks noGrp="1"/>
+          </p:cNvSpPr>
+          <p:nvPr>
+            <p:ph type="sldNum" sz="quarter" idx="4"/>
+          </p:nvPr>
+        </p:nvSpPr>
+        <p:spPr/>
+        <p:txBody>
+          <a:bodyPr/>
+          <a:lstStyle/>
+          <a:p>
+            <a:fld id="{3144B24B-BAB1-431A-82C6-36E096187F50}" type="slidenum">
+              <a:rPr lang="en-US" smtClean="0"/>
+              <a:pPr/>
+              <a:t>10</a:t>
+            </a:fld>
+            <a:endParaRPr lang="en-US"/>
+          </a:p>
+        </p:txBody>
+      </p:sp>
     </p:spTree>
   </p:cSld>
   <p:clrMapOvr>
@@ -2738,6 +2758,30 @@
               <a:defRPr/>
             </a:pPr>
             <a:endParaRPr lang="en-US" sz="2400" dirty="0"/>
+          </a:p>
+        </p:txBody>
+      </p:sp>
+      <p:sp>
+        <p:nvSpPr>
+          <p:cNvPr id="4" name="Slide Number Placeholder 3"/>
+          <p:cNvSpPr>
+            <a:spLocks noGrp="1"/>
+          </p:cNvSpPr>
+          <p:nvPr>
+            <p:ph type="sldNum" sz="quarter" idx="4"/>
+          </p:nvPr>
+        </p:nvSpPr>
+        <p:spPr/>
+        <p:txBody>
+          <a:bodyPr/>
+          <a:lstStyle/>
+          <a:p>
+            <a:fld id="{3144B24B-BAB1-431A-82C6-36E096187F50}" type="slidenum">
+              <a:rPr lang="en-US" smtClean="0"/>
+              <a:pPr/>
+              <a:t>11</a:t>
+            </a:fld>
+            <a:endParaRPr lang="en-US"/>
           </a:p>
         </p:txBody>
       </p:sp>
@@ -4638,6 +4682,30 @@
           </a:p>
         </p:txBody>
       </p:sp>
+      <p:sp>
+        <p:nvSpPr>
+          <p:cNvPr id="46" name="Slide Number Placeholder 45"/>
+          <p:cNvSpPr>
+            <a:spLocks noGrp="1"/>
+          </p:cNvSpPr>
+          <p:nvPr>
+            <p:ph type="sldNum" sz="quarter" idx="4"/>
+          </p:nvPr>
+        </p:nvSpPr>
+        <p:spPr/>
+        <p:txBody>
+          <a:bodyPr/>
+          <a:lstStyle/>
+          <a:p>
+            <a:fld id="{3144B24B-BAB1-431A-82C6-36E096187F50}" type="slidenum">
+              <a:rPr lang="en-US" smtClean="0"/>
+              <a:pPr/>
+              <a:t>12</a:t>
+            </a:fld>
+            <a:endParaRPr lang="en-US"/>
+          </a:p>
+        </p:txBody>
+      </p:sp>
     </p:spTree>
   </p:cSld>
   <p:clrMapOvr>
@@ -4751,6 +4819,30 @@
               <a:rPr lang="en-US" sz="2000" dirty="0" smtClean="0"/>
               <a:t>Not easily portable to new devices</a:t>
             </a:r>
+          </a:p>
+        </p:txBody>
+      </p:sp>
+      <p:sp>
+        <p:nvSpPr>
+          <p:cNvPr id="4" name="Slide Number Placeholder 3"/>
+          <p:cNvSpPr>
+            <a:spLocks noGrp="1"/>
+          </p:cNvSpPr>
+          <p:nvPr>
+            <p:ph type="sldNum" sz="quarter" idx="4"/>
+          </p:nvPr>
+        </p:nvSpPr>
+        <p:spPr/>
+        <p:txBody>
+          <a:bodyPr/>
+          <a:lstStyle/>
+          <a:p>
+            <a:fld id="{3144B24B-BAB1-431A-82C6-36E096187F50}" type="slidenum">
+              <a:rPr lang="en-US" smtClean="0"/>
+              <a:pPr/>
+              <a:t>13</a:t>
+            </a:fld>
+            <a:endParaRPr lang="en-US"/>
           </a:p>
         </p:txBody>
       </p:sp>
@@ -4899,6 +4991,30 @@
           <a:p>
             <a:pPr lvl="1"/>
             <a:endParaRPr lang="en-US" sz="2000" dirty="0" smtClean="0"/>
+          </a:p>
+        </p:txBody>
+      </p:sp>
+      <p:sp>
+        <p:nvSpPr>
+          <p:cNvPr id="4" name="Slide Number Placeholder 3"/>
+          <p:cNvSpPr>
+            <a:spLocks noGrp="1"/>
+          </p:cNvSpPr>
+          <p:nvPr>
+            <p:ph type="sldNum" sz="quarter" idx="4"/>
+          </p:nvPr>
+        </p:nvSpPr>
+        <p:spPr/>
+        <p:txBody>
+          <a:bodyPr/>
+          <a:lstStyle/>
+          <a:p>
+            <a:fld id="{3144B24B-BAB1-431A-82C6-36E096187F50}" type="slidenum">
+              <a:rPr lang="en-US" smtClean="0"/>
+              <a:pPr/>
+              <a:t>14</a:t>
+            </a:fld>
+            <a:endParaRPr lang="en-US"/>
           </a:p>
         </p:txBody>
       </p:sp>
@@ -5066,6 +5182,30 @@
           </a:p>
         </p:txBody>
       </p:sp>
+      <p:sp>
+        <p:nvSpPr>
+          <p:cNvPr id="4" name="Slide Number Placeholder 3"/>
+          <p:cNvSpPr>
+            <a:spLocks noGrp="1"/>
+          </p:cNvSpPr>
+          <p:nvPr>
+            <p:ph type="sldNum" sz="quarter" idx="4"/>
+          </p:nvPr>
+        </p:nvSpPr>
+        <p:spPr/>
+        <p:txBody>
+          <a:bodyPr/>
+          <a:lstStyle/>
+          <a:p>
+            <a:fld id="{3144B24B-BAB1-431A-82C6-36E096187F50}" type="slidenum">
+              <a:rPr lang="en-US" smtClean="0"/>
+              <a:pPr/>
+              <a:t>15</a:t>
+            </a:fld>
+            <a:endParaRPr lang="en-US"/>
+          </a:p>
+        </p:txBody>
+      </p:sp>
     </p:spTree>
   </p:cSld>
   <p:clrMapOvr>
@@ -5226,6 +5366,30 @@
           </a:p>
           <a:p>
             <a:endParaRPr lang="en-US" dirty="0" smtClean="0"/>
+          </a:p>
+        </p:txBody>
+      </p:sp>
+      <p:sp>
+        <p:nvSpPr>
+          <p:cNvPr id="4" name="Slide Number Placeholder 3"/>
+          <p:cNvSpPr>
+            <a:spLocks noGrp="1"/>
+          </p:cNvSpPr>
+          <p:nvPr>
+            <p:ph type="sldNum" sz="quarter" idx="4"/>
+          </p:nvPr>
+        </p:nvSpPr>
+        <p:spPr/>
+        <p:txBody>
+          <a:bodyPr/>
+          <a:lstStyle/>
+          <a:p>
+            <a:fld id="{3144B24B-BAB1-431A-82C6-36E096187F50}" type="slidenum">
+              <a:rPr lang="en-US" smtClean="0"/>
+              <a:pPr/>
+              <a:t>16</a:t>
+            </a:fld>
+            <a:endParaRPr lang="en-US"/>
           </a:p>
         </p:txBody>
       </p:sp>
@@ -9056,6 +9220,30 @@
               </a:rPr>
               <a:t> DSP Transport</a:t>
             </a:r>
+          </a:p>
+        </p:txBody>
+      </p:sp>
+      <p:sp>
+        <p:nvSpPr>
+          <p:cNvPr id="96" name="Slide Number Placeholder 95"/>
+          <p:cNvSpPr>
+            <a:spLocks noGrp="1"/>
+          </p:cNvSpPr>
+          <p:nvPr>
+            <p:ph type="sldNum" sz="quarter" idx="4"/>
+          </p:nvPr>
+        </p:nvSpPr>
+        <p:spPr/>
+        <p:txBody>
+          <a:bodyPr/>
+          <a:lstStyle/>
+          <a:p>
+            <a:fld id="{3144B24B-BAB1-431A-82C6-36E096187F50}" type="slidenum">
+              <a:rPr lang="en-US" smtClean="0"/>
+              <a:pPr/>
+              <a:t>17</a:t>
+            </a:fld>
+            <a:endParaRPr lang="en-US"/>
           </a:p>
         </p:txBody>
       </p:sp>
@@ -9544,6 +9732,30 @@
           </a:graphicData>
         </a:graphic>
       </p:graphicFrame>
+      <p:sp>
+        <p:nvSpPr>
+          <p:cNvPr id="4" name="Slide Number Placeholder 3"/>
+          <p:cNvSpPr>
+            <a:spLocks noGrp="1"/>
+          </p:cNvSpPr>
+          <p:nvPr>
+            <p:ph type="sldNum" sz="quarter" idx="4"/>
+          </p:nvPr>
+        </p:nvSpPr>
+        <p:spPr/>
+        <p:txBody>
+          <a:bodyPr/>
+          <a:lstStyle/>
+          <a:p>
+            <a:fld id="{3144B24B-BAB1-431A-82C6-36E096187F50}" type="slidenum">
+              <a:rPr lang="en-US" smtClean="0"/>
+              <a:pPr/>
+              <a:t>18</a:t>
+            </a:fld>
+            <a:endParaRPr lang="en-US"/>
+          </a:p>
+        </p:txBody>
+      </p:sp>
     </p:spTree>
   </p:cSld>
   <p:clrMapOvr>
@@ -10851,6 +11063,30 @@
           </p:txBody>
         </p:sp>
       </p:grpSp>
+      <p:sp>
+        <p:nvSpPr>
+          <p:cNvPr id="36" name="Slide Number Placeholder 35"/>
+          <p:cNvSpPr>
+            <a:spLocks noGrp="1"/>
+          </p:cNvSpPr>
+          <p:nvPr>
+            <p:ph type="sldNum" sz="quarter" idx="4"/>
+          </p:nvPr>
+        </p:nvSpPr>
+        <p:spPr/>
+        <p:txBody>
+          <a:bodyPr/>
+          <a:lstStyle/>
+          <a:p>
+            <a:fld id="{3144B24B-BAB1-431A-82C6-36E096187F50}" type="slidenum">
+              <a:rPr lang="en-US" smtClean="0"/>
+              <a:pPr/>
+              <a:t>19</a:t>
+            </a:fld>
+            <a:endParaRPr lang="en-US"/>
+          </a:p>
+        </p:txBody>
+      </p:sp>
     </p:spTree>
   </p:cSld>
   <p:clrMapOvr>
@@ -10992,6 +11228,11 @@
               <a:rPr lang="en-US" dirty="0" smtClean="0"/>
               <a:t>NWAL</a:t>
             </a:r>
+            <a:fld id="{2C19787A-D5D8-498D-9AF3-8D6C3D533C6E}" type="slidenum">
+              <a:rPr lang="en-US" smtClean="0"/>
+              <a:t>2</a:t>
+            </a:fld>
+            <a:endParaRPr lang="en-US" dirty="0" smtClean="0"/>
           </a:p>
           <a:p>
             <a:pPr lvl="0"/>
@@ -11023,6 +11264,30 @@
                 </a:schemeClr>
               </a:solidFill>
             </a:endParaRPr>
+          </a:p>
+        </p:txBody>
+      </p:sp>
+      <p:sp>
+        <p:nvSpPr>
+          <p:cNvPr id="4" name="Slide Number Placeholder 3"/>
+          <p:cNvSpPr>
+            <a:spLocks noGrp="1"/>
+          </p:cNvSpPr>
+          <p:nvPr>
+            <p:ph type="sldNum" sz="quarter" idx="4"/>
+          </p:nvPr>
+        </p:nvSpPr>
+        <p:spPr/>
+        <p:txBody>
+          <a:bodyPr/>
+          <a:lstStyle/>
+          <a:p>
+            <a:fld id="{3144B24B-BAB1-431A-82C6-36E096187F50}" type="slidenum">
+              <a:rPr lang="en-US" smtClean="0"/>
+              <a:pPr/>
+              <a:t>2</a:t>
+            </a:fld>
+            <a:endParaRPr lang="en-US"/>
           </a:p>
         </p:txBody>
       </p:sp>
@@ -11149,6 +11414,30 @@
               <a:rPr lang="en-US" sz="2400" dirty="0" smtClean="0"/>
               <a:t>Blocking service requests return ID to system</a:t>
             </a:r>
+          </a:p>
+        </p:txBody>
+      </p:sp>
+      <p:sp>
+        <p:nvSpPr>
+          <p:cNvPr id="4" name="Slide Number Placeholder 3"/>
+          <p:cNvSpPr>
+            <a:spLocks noGrp="1"/>
+          </p:cNvSpPr>
+          <p:nvPr>
+            <p:ph type="sldNum" sz="quarter" idx="4"/>
+          </p:nvPr>
+        </p:nvSpPr>
+        <p:spPr/>
+        <p:txBody>
+          <a:bodyPr/>
+          <a:lstStyle/>
+          <a:p>
+            <a:fld id="{3144B24B-BAB1-431A-82C6-36E096187F50}" type="slidenum">
+              <a:rPr lang="en-US" smtClean="0"/>
+              <a:pPr/>
+              <a:t>20</a:t>
+            </a:fld>
+            <a:endParaRPr lang="en-US"/>
           </a:p>
         </p:txBody>
       </p:sp>
@@ -11296,6 +11585,30 @@
               <a:rPr lang="en-US" sz="2000" dirty="0" smtClean="0"/>
               <a:t>Permissions not specified in GRL - In the polices</a:t>
             </a:r>
+          </a:p>
+        </p:txBody>
+      </p:sp>
+      <p:sp>
+        <p:nvSpPr>
+          <p:cNvPr id="4" name="Slide Number Placeholder 3"/>
+          <p:cNvSpPr>
+            <a:spLocks noGrp="1"/>
+          </p:cNvSpPr>
+          <p:nvPr>
+            <p:ph type="sldNum" sz="quarter" idx="4"/>
+          </p:nvPr>
+        </p:nvSpPr>
+        <p:spPr/>
+        <p:txBody>
+          <a:bodyPr/>
+          <a:lstStyle/>
+          <a:p>
+            <a:fld id="{3144B24B-BAB1-431A-82C6-36E096187F50}" type="slidenum">
+              <a:rPr lang="en-US" smtClean="0"/>
+              <a:pPr/>
+              <a:t>21</a:t>
+            </a:fld>
+            <a:endParaRPr lang="en-US"/>
           </a:p>
         </p:txBody>
       </p:sp>
@@ -11730,6 +12043,30 @@
           </a:p>
         </p:txBody>
       </p:sp>
+      <p:sp>
+        <p:nvSpPr>
+          <p:cNvPr id="5" name="Slide Number Placeholder 4"/>
+          <p:cNvSpPr>
+            <a:spLocks noGrp="1"/>
+          </p:cNvSpPr>
+          <p:nvPr>
+            <p:ph type="sldNum" sz="quarter" idx="4"/>
+          </p:nvPr>
+        </p:nvSpPr>
+        <p:spPr/>
+        <p:txBody>
+          <a:bodyPr/>
+          <a:lstStyle/>
+          <a:p>
+            <a:fld id="{3144B24B-BAB1-431A-82C6-36E096187F50}" type="slidenum">
+              <a:rPr lang="en-US" smtClean="0"/>
+              <a:pPr/>
+              <a:t>22</a:t>
+            </a:fld>
+            <a:endParaRPr lang="en-US"/>
+          </a:p>
+        </p:txBody>
+      </p:sp>
     </p:spTree>
   </p:cSld>
   <p:clrMapOvr>
@@ -12079,6 +12416,30 @@
           </a:graphicData>
         </a:graphic>
       </p:graphicFrame>
+      <p:sp>
+        <p:nvSpPr>
+          <p:cNvPr id="5" name="Slide Number Placeholder 4"/>
+          <p:cNvSpPr>
+            <a:spLocks noGrp="1"/>
+          </p:cNvSpPr>
+          <p:nvPr>
+            <p:ph type="sldNum" sz="quarter" idx="4"/>
+          </p:nvPr>
+        </p:nvSpPr>
+        <p:spPr/>
+        <p:txBody>
+          <a:bodyPr/>
+          <a:lstStyle/>
+          <a:p>
+            <a:fld id="{3144B24B-BAB1-431A-82C6-36E096187F50}" type="slidenum">
+              <a:rPr lang="en-US" smtClean="0"/>
+              <a:pPr/>
+              <a:t>24</a:t>
+            </a:fld>
+            <a:endParaRPr lang="en-US"/>
+          </a:p>
+        </p:txBody>
+      </p:sp>
     </p:spTree>
   </p:cSld>
   <p:clrMapOvr>
@@ -12218,6 +12579,30 @@
           <a:p>
             <a:pPr lvl="1"/>
             <a:endParaRPr lang="en-US" sz="2000" dirty="0"/>
+          </a:p>
+        </p:txBody>
+      </p:sp>
+      <p:sp>
+        <p:nvSpPr>
+          <p:cNvPr id="4" name="Slide Number Placeholder 3"/>
+          <p:cNvSpPr>
+            <a:spLocks noGrp="1"/>
+          </p:cNvSpPr>
+          <p:nvPr>
+            <p:ph type="sldNum" sz="quarter" idx="4"/>
+          </p:nvPr>
+        </p:nvSpPr>
+        <p:spPr/>
+        <p:txBody>
+          <a:bodyPr/>
+          <a:lstStyle/>
+          <a:p>
+            <a:fld id="{3144B24B-BAB1-431A-82C6-36E096187F50}" type="slidenum">
+              <a:rPr lang="en-US" smtClean="0"/>
+              <a:pPr/>
+              <a:t>25</a:t>
+            </a:fld>
+            <a:endParaRPr lang="en-US"/>
           </a:p>
         </p:txBody>
       </p:sp>
@@ -12399,6 +12784,30 @@
           </a:p>
         </p:txBody>
       </p:sp>
+      <p:sp>
+        <p:nvSpPr>
+          <p:cNvPr id="5" name="Slide Number Placeholder 4"/>
+          <p:cNvSpPr>
+            <a:spLocks noGrp="1"/>
+          </p:cNvSpPr>
+          <p:nvPr>
+            <p:ph type="sldNum" sz="quarter" idx="4"/>
+          </p:nvPr>
+        </p:nvSpPr>
+        <p:spPr/>
+        <p:txBody>
+          <a:bodyPr/>
+          <a:lstStyle/>
+          <a:p>
+            <a:fld id="{3144B24B-BAB1-431A-82C6-36E096187F50}" type="slidenum">
+              <a:rPr lang="en-US" smtClean="0"/>
+              <a:pPr/>
+              <a:t>26</a:t>
+            </a:fld>
+            <a:endParaRPr lang="en-US"/>
+          </a:p>
+        </p:txBody>
+      </p:sp>
     </p:spTree>
   </p:cSld>
   <p:clrMapOvr>
@@ -12518,6 +12927,30 @@
               <a:t>	This include file defines all the semaphore register values and structures. The following slide shows part of the cslr_sem.h file</a:t>
             </a:r>
             <a:endParaRPr lang="en-US" sz="2800" dirty="0"/>
+          </a:p>
+        </p:txBody>
+      </p:sp>
+      <p:sp>
+        <p:nvSpPr>
+          <p:cNvPr id="4" name="Slide Number Placeholder 3"/>
+          <p:cNvSpPr>
+            <a:spLocks noGrp="1"/>
+          </p:cNvSpPr>
+          <p:nvPr>
+            <p:ph type="sldNum" sz="quarter" idx="4"/>
+          </p:nvPr>
+        </p:nvSpPr>
+        <p:spPr/>
+        <p:txBody>
+          <a:bodyPr/>
+          <a:lstStyle/>
+          <a:p>
+            <a:fld id="{3144B24B-BAB1-431A-82C6-36E096187F50}" type="slidenum">
+              <a:rPr lang="en-US" smtClean="0"/>
+              <a:pPr/>
+              <a:t>27</a:t>
+            </a:fld>
+            <a:endParaRPr lang="en-US"/>
           </a:p>
         </p:txBody>
       </p:sp>
@@ -12774,6 +13207,30 @@
               <a:ea typeface="+mj-ea"/>
               <a:cs typeface="+mj-cs"/>
             </a:endParaRPr>
+          </a:p>
+        </p:txBody>
+      </p:sp>
+      <p:sp>
+        <p:nvSpPr>
+          <p:cNvPr id="5" name="Slide Number Placeholder 4"/>
+          <p:cNvSpPr>
+            <a:spLocks noGrp="1"/>
+          </p:cNvSpPr>
+          <p:nvPr>
+            <p:ph type="sldNum" sz="quarter" idx="4"/>
+          </p:nvPr>
+        </p:nvSpPr>
+        <p:spPr/>
+        <p:txBody>
+          <a:bodyPr/>
+          <a:lstStyle/>
+          <a:p>
+            <a:fld id="{3144B24B-BAB1-431A-82C6-36E096187F50}" type="slidenum">
+              <a:rPr lang="en-US" smtClean="0"/>
+              <a:pPr/>
+              <a:t>28</a:t>
+            </a:fld>
+            <a:endParaRPr lang="en-US"/>
           </a:p>
         </p:txBody>
       </p:sp>
@@ -12903,6 +13360,30 @@
           </a:p>
         </p:txBody>
       </p:sp>
+      <p:sp>
+        <p:nvSpPr>
+          <p:cNvPr id="4" name="Slide Number Placeholder 3"/>
+          <p:cNvSpPr>
+            <a:spLocks noGrp="1"/>
+          </p:cNvSpPr>
+          <p:nvPr>
+            <p:ph type="sldNum" sz="quarter" idx="4"/>
+          </p:nvPr>
+        </p:nvSpPr>
+        <p:spPr/>
+        <p:txBody>
+          <a:bodyPr/>
+          <a:lstStyle/>
+          <a:p>
+            <a:fld id="{3144B24B-BAB1-431A-82C6-36E096187F50}" type="slidenum">
+              <a:rPr lang="en-US" smtClean="0"/>
+              <a:pPr/>
+              <a:t>29</a:t>
+            </a:fld>
+            <a:endParaRPr lang="en-US"/>
+          </a:p>
+        </p:txBody>
+      </p:sp>
     </p:spTree>
   </p:cSld>
   <p:clrMapOvr>
@@ -12946,26 +13427,14 @@
             <a:pPr lvl="0"/>
             <a:r>
               <a:rPr lang="en-US" dirty="0" smtClean="0"/>
-              <a:t>KeyStone </a:t>
-            </a:r>
-            <a:r>
-              <a:rPr lang="en-US" dirty="0" smtClean="0"/>
-              <a:t>II</a:t>
+              <a:t>KeyStone II</a:t>
             </a:r>
             <a:br>
               <a:rPr lang="en-US" dirty="0" smtClean="0"/>
             </a:br>
             <a:r>
               <a:rPr lang="en-US" dirty="0" smtClean="0"/>
-              <a:t>Peripherals </a:t>
-            </a:r>
-            <a:r>
-              <a:rPr lang="en-US" dirty="0" smtClean="0"/>
-              <a:t>and </a:t>
-            </a:r>
-            <a:r>
-              <a:rPr lang="en-US" dirty="0" smtClean="0"/>
-              <a:t>Coprocessors</a:t>
+              <a:t>Peripherals and Coprocessors</a:t>
             </a:r>
             <a:endParaRPr lang="en-US" dirty="0"/>
           </a:p>
@@ -13161,6 +13630,30 @@
           </a:p>
         </p:txBody>
       </p:sp>
+      <p:sp>
+        <p:nvSpPr>
+          <p:cNvPr id="6" name="Slide Number Placeholder 5"/>
+          <p:cNvSpPr>
+            <a:spLocks noGrp="1"/>
+          </p:cNvSpPr>
+          <p:nvPr>
+            <p:ph type="sldNum" sz="quarter" idx="4"/>
+          </p:nvPr>
+        </p:nvSpPr>
+        <p:spPr/>
+        <p:txBody>
+          <a:bodyPr/>
+          <a:lstStyle/>
+          <a:p>
+            <a:fld id="{3144B24B-BAB1-431A-82C6-36E096187F50}" type="slidenum">
+              <a:rPr lang="en-US" smtClean="0"/>
+              <a:pPr/>
+              <a:t>30</a:t>
+            </a:fld>
+            <a:endParaRPr lang="en-US"/>
+          </a:p>
+        </p:txBody>
+      </p:sp>
     </p:spTree>
   </p:cSld>
   <p:clrMapOvr>
@@ -13381,6 +13874,30 @@
               <a:t>}</a:t>
             </a:r>
             <a:endParaRPr lang="en-US" dirty="0"/>
+          </a:p>
+        </p:txBody>
+      </p:sp>
+      <p:sp>
+        <p:nvSpPr>
+          <p:cNvPr id="5" name="Slide Number Placeholder 4"/>
+          <p:cNvSpPr>
+            <a:spLocks noGrp="1"/>
+          </p:cNvSpPr>
+          <p:nvPr>
+            <p:ph type="sldNum" sz="quarter" idx="4"/>
+          </p:nvPr>
+        </p:nvSpPr>
+        <p:spPr/>
+        <p:txBody>
+          <a:bodyPr/>
+          <a:lstStyle/>
+          <a:p>
+            <a:fld id="{3144B24B-BAB1-431A-82C6-36E096187F50}" type="slidenum">
+              <a:rPr lang="en-US" smtClean="0"/>
+              <a:pPr/>
+              <a:t>31</a:t>
+            </a:fld>
+            <a:endParaRPr lang="en-US"/>
           </a:p>
         </p:txBody>
       </p:sp>
@@ -13492,6 +14009,30 @@
           </a:p>
           <a:p>
             <a:endParaRPr lang="en-US" dirty="0"/>
+          </a:p>
+        </p:txBody>
+      </p:sp>
+      <p:sp>
+        <p:nvSpPr>
+          <p:cNvPr id="4" name="Slide Number Placeholder 3"/>
+          <p:cNvSpPr>
+            <a:spLocks noGrp="1"/>
+          </p:cNvSpPr>
+          <p:nvPr>
+            <p:ph type="sldNum" sz="quarter" idx="4"/>
+          </p:nvPr>
+        </p:nvSpPr>
+        <p:spPr/>
+        <p:txBody>
+          <a:bodyPr/>
+          <a:lstStyle/>
+          <a:p>
+            <a:fld id="{3144B24B-BAB1-431A-82C6-36E096187F50}" type="slidenum">
+              <a:rPr lang="en-US" smtClean="0"/>
+              <a:pPr/>
+              <a:t>32</a:t>
+            </a:fld>
+            <a:endParaRPr lang="en-US"/>
           </a:p>
         </p:txBody>
       </p:sp>
@@ -13654,6 +14195,30 @@
           </a:p>
         </p:txBody>
       </p:sp>
+      <p:sp>
+        <p:nvSpPr>
+          <p:cNvPr id="5" name="Slide Number Placeholder 4"/>
+          <p:cNvSpPr>
+            <a:spLocks noGrp="1"/>
+          </p:cNvSpPr>
+          <p:nvPr>
+            <p:ph type="sldNum" sz="quarter" idx="4"/>
+          </p:nvPr>
+        </p:nvSpPr>
+        <p:spPr/>
+        <p:txBody>
+          <a:bodyPr/>
+          <a:lstStyle/>
+          <a:p>
+            <a:fld id="{3144B24B-BAB1-431A-82C6-36E096187F50}" type="slidenum">
+              <a:rPr lang="en-US" smtClean="0"/>
+              <a:pPr/>
+              <a:t>33</a:t>
+            </a:fld>
+            <a:endParaRPr lang="en-US"/>
+          </a:p>
+        </p:txBody>
+      </p:sp>
     </p:spTree>
   </p:cSld>
   <p:clrMapOvr>
@@ -13697,13 +14262,8 @@
             <a:pPr lvl="0"/>
             <a:r>
               <a:rPr lang="en-US" dirty="0" smtClean="0"/>
-              <a:t>DSP CorePac LLD Layer: </a:t>
-            </a:r>
-            <a:r>
-              <a:rPr lang="en-US" dirty="0" smtClean="0"/>
-              <a:t>Functions</a:t>
-            </a:r>
-            <a:endParaRPr lang="en-US" dirty="0" smtClean="0"/>
+              <a:t>DSP CorePac LLD Layer: Functions</a:t>
+            </a:r>
           </a:p>
         </p:txBody>
       </p:sp>
@@ -13959,6 +14519,30 @@
           </a:graphicData>
         </a:graphic>
       </p:graphicFrame>
+      <p:sp>
+        <p:nvSpPr>
+          <p:cNvPr id="5" name="Slide Number Placeholder 4"/>
+          <p:cNvSpPr>
+            <a:spLocks noGrp="1"/>
+          </p:cNvSpPr>
+          <p:nvPr>
+            <p:ph type="sldNum" sz="quarter" idx="4"/>
+          </p:nvPr>
+        </p:nvSpPr>
+        <p:spPr/>
+        <p:txBody>
+          <a:bodyPr/>
+          <a:lstStyle/>
+          <a:p>
+            <a:fld id="{3144B24B-BAB1-431A-82C6-36E096187F50}" type="slidenum">
+              <a:rPr lang="en-US" smtClean="0"/>
+              <a:pPr/>
+              <a:t>35</a:t>
+            </a:fld>
+            <a:endParaRPr lang="en-US"/>
+          </a:p>
+        </p:txBody>
+      </p:sp>
     </p:spTree>
   </p:cSld>
   <p:clrMapOvr>
@@ -14034,6 +14618,30 @@
           </a:graphicData>
         </a:graphic>
       </p:graphicFrame>
+      <p:sp>
+        <p:nvSpPr>
+          <p:cNvPr id="4" name="Slide Number Placeholder 3"/>
+          <p:cNvSpPr>
+            <a:spLocks noGrp="1"/>
+          </p:cNvSpPr>
+          <p:nvPr>
+            <p:ph type="sldNum" sz="quarter" idx="4"/>
+          </p:nvPr>
+        </p:nvSpPr>
+        <p:spPr/>
+        <p:txBody>
+          <a:bodyPr/>
+          <a:lstStyle/>
+          <a:p>
+            <a:fld id="{3144B24B-BAB1-431A-82C6-36E096187F50}" type="slidenum">
+              <a:rPr lang="en-US" smtClean="0"/>
+              <a:pPr/>
+              <a:t>36</a:t>
+            </a:fld>
+            <a:endParaRPr lang="en-US"/>
+          </a:p>
+        </p:txBody>
+      </p:sp>
     </p:spTree>
   </p:cSld>
   <p:clrMapOvr>
@@ -14165,6 +14773,30 @@
           </a:p>
         </p:txBody>
       </p:sp>
+      <p:sp>
+        <p:nvSpPr>
+          <p:cNvPr id="4" name="Slide Number Placeholder 3"/>
+          <p:cNvSpPr>
+            <a:spLocks noGrp="1"/>
+          </p:cNvSpPr>
+          <p:nvPr>
+            <p:ph type="sldNum" sz="quarter" idx="4"/>
+          </p:nvPr>
+        </p:nvSpPr>
+        <p:spPr/>
+        <p:txBody>
+          <a:bodyPr/>
+          <a:lstStyle/>
+          <a:p>
+            <a:fld id="{3144B24B-BAB1-431A-82C6-36E096187F50}" type="slidenum">
+              <a:rPr lang="en-US" smtClean="0"/>
+              <a:pPr/>
+              <a:t>37</a:t>
+            </a:fld>
+            <a:endParaRPr lang="en-US"/>
+          </a:p>
+        </p:txBody>
+      </p:sp>
     </p:spTree>
   </p:cSld>
   <p:clrMapOvr>
@@ -14208,11 +14840,7 @@
             <a:pPr lvl="0"/>
             <a:r>
               <a:rPr lang="en-US" dirty="0" smtClean="0"/>
-              <a:t>DSP CorePac LLD </a:t>
-            </a:r>
-            <a:r>
-              <a:rPr lang="en-US" dirty="0" smtClean="0"/>
-              <a:t>Layer:</a:t>
+              <a:t>DSP CorePac LLD Layer:</a:t>
             </a:r>
             <a:br>
               <a:rPr lang="en-US" dirty="0" smtClean="0"/>
@@ -14221,7 +14849,6 @@
               <a:rPr lang="en-US" dirty="0" smtClean="0"/>
               <a:t>MCSDK 3.x Support</a:t>
             </a:r>
-            <a:endParaRPr lang="en-US" dirty="0" smtClean="0"/>
           </a:p>
         </p:txBody>
       </p:sp>
@@ -14387,6 +15014,30 @@
               <a:ea typeface="+mj-ea"/>
               <a:cs typeface="+mj-cs"/>
             </a:endParaRPr>
+          </a:p>
+        </p:txBody>
+      </p:sp>
+      <p:sp>
+        <p:nvSpPr>
+          <p:cNvPr id="4" name="Slide Number Placeholder 3"/>
+          <p:cNvSpPr>
+            <a:spLocks noGrp="1"/>
+          </p:cNvSpPr>
+          <p:nvPr>
+            <p:ph type="sldNum" sz="quarter" idx="4"/>
+          </p:nvPr>
+        </p:nvSpPr>
+        <p:spPr/>
+        <p:txBody>
+          <a:bodyPr/>
+          <a:lstStyle/>
+          <a:p>
+            <a:fld id="{3144B24B-BAB1-431A-82C6-36E096187F50}" type="slidenum">
+              <a:rPr lang="en-US" smtClean="0"/>
+              <a:pPr/>
+              <a:t>39</a:t>
+            </a:fld>
+            <a:endParaRPr lang="en-US"/>
           </a:p>
         </p:txBody>
       </p:sp>
@@ -34172,6 +34823,30 @@
           </p:txBody>
         </p:sp>
       </p:grpSp>
+      <p:sp>
+        <p:nvSpPr>
+          <p:cNvPr id="314" name="Slide Number Placeholder 313"/>
+          <p:cNvSpPr>
+            <a:spLocks noGrp="1"/>
+          </p:cNvSpPr>
+          <p:nvPr>
+            <p:ph type="sldNum" sz="quarter" idx="4"/>
+          </p:nvPr>
+        </p:nvSpPr>
+        <p:spPr/>
+        <p:txBody>
+          <a:bodyPr/>
+          <a:lstStyle/>
+          <a:p>
+            <a:fld id="{3144B24B-BAB1-431A-82C6-36E096187F50}" type="slidenum">
+              <a:rPr lang="en-US" smtClean="0"/>
+              <a:pPr/>
+              <a:t>4</a:t>
+            </a:fld>
+            <a:endParaRPr lang="en-US"/>
+          </a:p>
+        </p:txBody>
+      </p:sp>
     </p:spTree>
     <p:custDataLst>
       <p:tags r:id="rId1"/>
@@ -34407,6 +35082,30 @@
           </a:ln>
         </p:spPr>
       </p:pic>
+      <p:sp>
+        <p:nvSpPr>
+          <p:cNvPr id="4" name="Slide Number Placeholder 3"/>
+          <p:cNvSpPr>
+            <a:spLocks noGrp="1"/>
+          </p:cNvSpPr>
+          <p:nvPr>
+            <p:ph type="sldNum" sz="quarter" idx="4"/>
+          </p:nvPr>
+        </p:nvSpPr>
+        <p:spPr/>
+        <p:txBody>
+          <a:bodyPr/>
+          <a:lstStyle/>
+          <a:p>
+            <a:fld id="{3144B24B-BAB1-431A-82C6-36E096187F50}" type="slidenum">
+              <a:rPr lang="en-US" smtClean="0"/>
+              <a:pPr/>
+              <a:t>40</a:t>
+            </a:fld>
+            <a:endParaRPr lang="en-US"/>
+          </a:p>
+        </p:txBody>
+      </p:sp>
     </p:spTree>
   </p:cSld>
   <p:clrMapOvr>
@@ -34549,6 +35248,30 @@
           </a:p>
           <a:p>
             <a:endParaRPr lang="en-US" sz="2400" dirty="0"/>
+          </a:p>
+        </p:txBody>
+      </p:sp>
+      <p:sp>
+        <p:nvSpPr>
+          <p:cNvPr id="4" name="Slide Number Placeholder 3"/>
+          <p:cNvSpPr>
+            <a:spLocks noGrp="1"/>
+          </p:cNvSpPr>
+          <p:nvPr>
+            <p:ph type="sldNum" sz="quarter" idx="4"/>
+          </p:nvPr>
+        </p:nvSpPr>
+        <p:spPr/>
+        <p:txBody>
+          <a:bodyPr/>
+          <a:lstStyle/>
+          <a:p>
+            <a:fld id="{3144B24B-BAB1-431A-82C6-36E096187F50}" type="slidenum">
+              <a:rPr lang="en-US" smtClean="0"/>
+              <a:pPr/>
+              <a:t>41</a:t>
+            </a:fld>
+            <a:endParaRPr lang="en-US"/>
           </a:p>
         </p:txBody>
       </p:sp>
@@ -34669,6 +35392,30 @@
           </a:p>
         </p:txBody>
       </p:sp>
+      <p:sp>
+        <p:nvSpPr>
+          <p:cNvPr id="4" name="Slide Number Placeholder 3"/>
+          <p:cNvSpPr>
+            <a:spLocks noGrp="1"/>
+          </p:cNvSpPr>
+          <p:nvPr>
+            <p:ph type="sldNum" sz="quarter" idx="4"/>
+          </p:nvPr>
+        </p:nvSpPr>
+        <p:spPr/>
+        <p:txBody>
+          <a:bodyPr/>
+          <a:lstStyle/>
+          <a:p>
+            <a:fld id="{3144B24B-BAB1-431A-82C6-36E096187F50}" type="slidenum">
+              <a:rPr lang="en-US" smtClean="0"/>
+              <a:pPr/>
+              <a:t>42</a:t>
+            </a:fld>
+            <a:endParaRPr lang="en-US"/>
+          </a:p>
+        </p:txBody>
+      </p:sp>
     </p:spTree>
   </p:cSld>
   <p:clrMapOvr>
@@ -34827,6 +35574,30 @@
               <a:buNone/>
             </a:pPr>
             <a:endParaRPr lang="en-US" sz="2400" dirty="0" smtClean="0"/>
+          </a:p>
+        </p:txBody>
+      </p:sp>
+      <p:sp>
+        <p:nvSpPr>
+          <p:cNvPr id="4" name="Slide Number Placeholder 3"/>
+          <p:cNvSpPr>
+            <a:spLocks noGrp="1"/>
+          </p:cNvSpPr>
+          <p:nvPr>
+            <p:ph type="sldNum" sz="quarter" idx="4"/>
+          </p:nvPr>
+        </p:nvSpPr>
+        <p:spPr/>
+        <p:txBody>
+          <a:bodyPr/>
+          <a:lstStyle/>
+          <a:p>
+            <a:fld id="{3144B24B-BAB1-431A-82C6-36E096187F50}" type="slidenum">
+              <a:rPr lang="en-US" smtClean="0"/>
+              <a:pPr/>
+              <a:t>43</a:t>
+            </a:fld>
+            <a:endParaRPr lang="en-US"/>
           </a:p>
         </p:txBody>
       </p:sp>
@@ -34916,6 +35687,30 @@
           </a:ln>
         </p:spPr>
       </p:pic>
+      <p:sp>
+        <p:nvSpPr>
+          <p:cNvPr id="4" name="Slide Number Placeholder 3"/>
+          <p:cNvSpPr>
+            <a:spLocks noGrp="1"/>
+          </p:cNvSpPr>
+          <p:nvPr>
+            <p:ph type="sldNum" sz="quarter" idx="4"/>
+          </p:nvPr>
+        </p:nvSpPr>
+        <p:spPr/>
+        <p:txBody>
+          <a:bodyPr/>
+          <a:lstStyle/>
+          <a:p>
+            <a:fld id="{3144B24B-BAB1-431A-82C6-36E096187F50}" type="slidenum">
+              <a:rPr lang="en-US" smtClean="0"/>
+              <a:pPr/>
+              <a:t>44</a:t>
+            </a:fld>
+            <a:endParaRPr lang="en-US"/>
+          </a:p>
+        </p:txBody>
+      </p:sp>
     </p:spTree>
   </p:cSld>
   <p:clrMapOvr>
@@ -35003,6 +35798,30 @@
           </a:ln>
         </p:spPr>
       </p:pic>
+      <p:sp>
+        <p:nvSpPr>
+          <p:cNvPr id="5" name="Slide Number Placeholder 4"/>
+          <p:cNvSpPr>
+            <a:spLocks noGrp="1"/>
+          </p:cNvSpPr>
+          <p:nvPr>
+            <p:ph type="sldNum" sz="quarter" idx="4"/>
+          </p:nvPr>
+        </p:nvSpPr>
+        <p:spPr/>
+        <p:txBody>
+          <a:bodyPr/>
+          <a:lstStyle/>
+          <a:p>
+            <a:fld id="{3144B24B-BAB1-431A-82C6-36E096187F50}" type="slidenum">
+              <a:rPr lang="en-US" smtClean="0"/>
+              <a:pPr/>
+              <a:t>45</a:t>
+            </a:fld>
+            <a:endParaRPr lang="en-US"/>
+          </a:p>
+        </p:txBody>
+      </p:sp>
     </p:spTree>
   </p:cSld>
   <p:clrMapOvr>
@@ -35090,6 +35909,30 @@
           </a:ln>
         </p:spPr>
       </p:pic>
+      <p:sp>
+        <p:nvSpPr>
+          <p:cNvPr id="4" name="Slide Number Placeholder 3"/>
+          <p:cNvSpPr>
+            <a:spLocks noGrp="1"/>
+          </p:cNvSpPr>
+          <p:nvPr>
+            <p:ph type="sldNum" sz="quarter" idx="4"/>
+          </p:nvPr>
+        </p:nvSpPr>
+        <p:spPr/>
+        <p:txBody>
+          <a:bodyPr/>
+          <a:lstStyle/>
+          <a:p>
+            <a:fld id="{3144B24B-BAB1-431A-82C6-36E096187F50}" type="slidenum">
+              <a:rPr lang="en-US" smtClean="0"/>
+              <a:pPr/>
+              <a:t>46</a:t>
+            </a:fld>
+            <a:endParaRPr lang="en-US"/>
+          </a:p>
+        </p:txBody>
+      </p:sp>
     </p:spTree>
   </p:cSld>
   <p:clrMapOvr>
@@ -35177,6 +36020,30 @@
           </a:ln>
         </p:spPr>
       </p:pic>
+      <p:sp>
+        <p:nvSpPr>
+          <p:cNvPr id="4" name="Slide Number Placeholder 3"/>
+          <p:cNvSpPr>
+            <a:spLocks noGrp="1"/>
+          </p:cNvSpPr>
+          <p:nvPr>
+            <p:ph type="sldNum" sz="quarter" idx="4"/>
+          </p:nvPr>
+        </p:nvSpPr>
+        <p:spPr/>
+        <p:txBody>
+          <a:bodyPr/>
+          <a:lstStyle/>
+          <a:p>
+            <a:fld id="{3144B24B-BAB1-431A-82C6-36E096187F50}" type="slidenum">
+              <a:rPr lang="en-US" smtClean="0"/>
+              <a:pPr/>
+              <a:t>47</a:t>
+            </a:fld>
+            <a:endParaRPr lang="en-US"/>
+          </a:p>
+        </p:txBody>
+      </p:sp>
     </p:spTree>
   </p:cSld>
   <p:clrMapOvr>
@@ -35220,13 +36087,8 @@
             <a:pPr lvl="0"/>
             <a:r>
               <a:rPr lang="en-US" dirty="0" smtClean="0"/>
-              <a:t>DSP CorePac LLD </a:t>
-            </a:r>
-            <a:r>
-              <a:rPr lang="en-US" dirty="0" smtClean="0"/>
-              <a:t>Layer: LLD Usage</a:t>
-            </a:r>
-            <a:endParaRPr lang="en-US" dirty="0" smtClean="0"/>
+              <a:t>DSP CorePac LLD Layer: LLD Usage</a:t>
+            </a:r>
           </a:p>
         </p:txBody>
       </p:sp>
@@ -35375,6 +36237,30 @@
           </a:p>
         </p:txBody>
       </p:sp>
+      <p:sp>
+        <p:nvSpPr>
+          <p:cNvPr id="4" name="Slide Number Placeholder 3"/>
+          <p:cNvSpPr>
+            <a:spLocks noGrp="1"/>
+          </p:cNvSpPr>
+          <p:nvPr>
+            <p:ph type="sldNum" sz="quarter" idx="4"/>
+          </p:nvPr>
+        </p:nvSpPr>
+        <p:spPr/>
+        <p:txBody>
+          <a:bodyPr/>
+          <a:lstStyle/>
+          <a:p>
+            <a:fld id="{3144B24B-BAB1-431A-82C6-36E096187F50}" type="slidenum">
+              <a:rPr lang="en-US" smtClean="0"/>
+              <a:pPr/>
+              <a:t>49</a:t>
+            </a:fld>
+            <a:endParaRPr lang="en-US"/>
+          </a:p>
+        </p:txBody>
+      </p:sp>
     </p:spTree>
   </p:cSld>
   <p:clrMapOvr>
@@ -35511,6 +36397,30 @@
           <a:p>
             <a:pPr lvl="1"/>
             <a:endParaRPr lang="en-US" dirty="0"/>
+          </a:p>
+        </p:txBody>
+      </p:sp>
+      <p:sp>
+        <p:nvSpPr>
+          <p:cNvPr id="4" name="Slide Number Placeholder 3"/>
+          <p:cNvSpPr>
+            <a:spLocks noGrp="1"/>
+          </p:cNvSpPr>
+          <p:nvPr>
+            <p:ph type="sldNum" sz="quarter" idx="4"/>
+          </p:nvPr>
+        </p:nvSpPr>
+        <p:spPr/>
+        <p:txBody>
+          <a:bodyPr/>
+          <a:lstStyle/>
+          <a:p>
+            <a:fld id="{3144B24B-BAB1-431A-82C6-36E096187F50}" type="slidenum">
+              <a:rPr lang="en-US" smtClean="0"/>
+              <a:pPr/>
+              <a:t>5</a:t>
+            </a:fld>
+            <a:endParaRPr lang="en-US"/>
           </a:p>
         </p:txBody>
       </p:sp>
@@ -35777,6 +36687,30 @@
           </a:p>
         </p:txBody>
       </p:sp>
+      <p:sp>
+        <p:nvSpPr>
+          <p:cNvPr id="5" name="Slide Number Placeholder 4"/>
+          <p:cNvSpPr>
+            <a:spLocks noGrp="1"/>
+          </p:cNvSpPr>
+          <p:nvPr>
+            <p:ph type="sldNum" sz="quarter" idx="4"/>
+          </p:nvPr>
+        </p:nvSpPr>
+        <p:spPr/>
+        <p:txBody>
+          <a:bodyPr/>
+          <a:lstStyle/>
+          <a:p>
+            <a:fld id="{3144B24B-BAB1-431A-82C6-36E096187F50}" type="slidenum">
+              <a:rPr lang="en-US" smtClean="0"/>
+              <a:pPr/>
+              <a:t>50</a:t>
+            </a:fld>
+            <a:endParaRPr lang="en-US"/>
+          </a:p>
+        </p:txBody>
+      </p:sp>
     </p:spTree>
   </p:cSld>
   <p:clrMapOvr>
@@ -36009,6 +36943,30 @@
               <a:t>    result = Qmss_insertMemoryRegion (&amp;memRegInfo); </a:t>
             </a:r>
             <a:endParaRPr lang="en-US" sz="1200" b="1" dirty="0"/>
+          </a:p>
+        </p:txBody>
+      </p:sp>
+      <p:sp>
+        <p:nvSpPr>
+          <p:cNvPr id="4" name="Slide Number Placeholder 3"/>
+          <p:cNvSpPr>
+            <a:spLocks noGrp="1"/>
+          </p:cNvSpPr>
+          <p:nvPr>
+            <p:ph type="sldNum" sz="quarter" idx="4"/>
+          </p:nvPr>
+        </p:nvSpPr>
+        <p:spPr/>
+        <p:txBody>
+          <a:bodyPr/>
+          <a:lstStyle/>
+          <a:p>
+            <a:fld id="{3144B24B-BAB1-431A-82C6-36E096187F50}" type="slidenum">
+              <a:rPr lang="en-US" smtClean="0"/>
+              <a:pPr/>
+              <a:t>51</a:t>
+            </a:fld>
+            <a:endParaRPr lang="en-US"/>
           </a:p>
         </p:txBody>
       </p:sp>
@@ -36107,6 +37065,30 @@
           </a:ln>
         </p:spPr>
       </p:pic>
+      <p:sp>
+        <p:nvSpPr>
+          <p:cNvPr id="5" name="Slide Number Placeholder 4"/>
+          <p:cNvSpPr>
+            <a:spLocks noGrp="1"/>
+          </p:cNvSpPr>
+          <p:nvPr>
+            <p:ph type="sldNum" sz="quarter" idx="4"/>
+          </p:nvPr>
+        </p:nvSpPr>
+        <p:spPr/>
+        <p:txBody>
+          <a:bodyPr/>
+          <a:lstStyle/>
+          <a:p>
+            <a:fld id="{3144B24B-BAB1-431A-82C6-36E096187F50}" type="slidenum">
+              <a:rPr lang="en-US" smtClean="0"/>
+              <a:pPr/>
+              <a:t>52</a:t>
+            </a:fld>
+            <a:endParaRPr lang="en-US"/>
+          </a:p>
+        </p:txBody>
+      </p:sp>
     </p:spTree>
   </p:cSld>
   <p:clrMapOvr>
@@ -36270,6 +37252,30 @@
           </a:p>
         </p:txBody>
       </p:sp>
+      <p:sp>
+        <p:nvSpPr>
+          <p:cNvPr id="6" name="Slide Number Placeholder 5"/>
+          <p:cNvSpPr>
+            <a:spLocks noGrp="1"/>
+          </p:cNvSpPr>
+          <p:nvPr>
+            <p:ph type="sldNum" sz="quarter" idx="4"/>
+          </p:nvPr>
+        </p:nvSpPr>
+        <p:spPr/>
+        <p:txBody>
+          <a:bodyPr/>
+          <a:lstStyle/>
+          <a:p>
+            <a:fld id="{3144B24B-BAB1-431A-82C6-36E096187F50}" type="slidenum">
+              <a:rPr lang="en-US" smtClean="0"/>
+              <a:pPr/>
+              <a:t>53</a:t>
+            </a:fld>
+            <a:endParaRPr lang="en-US"/>
+          </a:p>
+        </p:txBody>
+      </p:sp>
     </p:spTree>
   </p:cSld>
   <p:clrMapOvr>
@@ -36430,6 +37436,30 @@
               <a:t>    /* Wait until the state transition process is completed. */</a:t>
             </a:r>
             <a:endParaRPr lang="en-US" dirty="0"/>
+          </a:p>
+        </p:txBody>
+      </p:sp>
+      <p:sp>
+        <p:nvSpPr>
+          <p:cNvPr id="6" name="Slide Number Placeholder 5"/>
+          <p:cNvSpPr>
+            <a:spLocks noGrp="1"/>
+          </p:cNvSpPr>
+          <p:nvPr>
+            <p:ph type="sldNum" sz="quarter" idx="4"/>
+          </p:nvPr>
+        </p:nvSpPr>
+        <p:spPr/>
+        <p:txBody>
+          <a:bodyPr/>
+          <a:lstStyle/>
+          <a:p>
+            <a:fld id="{3144B24B-BAB1-431A-82C6-36E096187F50}" type="slidenum">
+              <a:rPr lang="en-US" smtClean="0"/>
+              <a:pPr/>
+              <a:t>54</a:t>
+            </a:fld>
+            <a:endParaRPr lang="en-US"/>
           </a:p>
         </p:txBody>
       </p:sp>
@@ -36557,6 +37587,30 @@
           </a:ln>
         </p:spPr>
       </p:pic>
+      <p:sp>
+        <p:nvSpPr>
+          <p:cNvPr id="5" name="Slide Number Placeholder 4"/>
+          <p:cNvSpPr>
+            <a:spLocks noGrp="1"/>
+          </p:cNvSpPr>
+          <p:nvPr>
+            <p:ph type="sldNum" sz="quarter" idx="4"/>
+          </p:nvPr>
+        </p:nvSpPr>
+        <p:spPr/>
+        <p:txBody>
+          <a:bodyPr/>
+          <a:lstStyle/>
+          <a:p>
+            <a:fld id="{3144B24B-BAB1-431A-82C6-36E096187F50}" type="slidenum">
+              <a:rPr lang="en-US" smtClean="0"/>
+              <a:pPr/>
+              <a:t>55</a:t>
+            </a:fld>
+            <a:endParaRPr lang="en-US"/>
+          </a:p>
+        </p:txBody>
+      </p:sp>
     </p:spTree>
   </p:cSld>
   <p:clrMapOvr>
@@ -36600,15 +37654,7 @@
             <a:pPr lvl="0"/>
             <a:r>
               <a:rPr lang="en-US" dirty="0" smtClean="0"/>
-              <a:t>DSP CorePac LLD </a:t>
-            </a:r>
-            <a:r>
-              <a:rPr lang="en-US" dirty="0" smtClean="0"/>
-              <a:t>Layer:</a:t>
-            </a:r>
-            <a:r>
-              <a:rPr lang="en-US" dirty="0" smtClean="0"/>
-              <a:t/>
+              <a:t>DSP CorePac LLD Layer:</a:t>
             </a:r>
             <a:br>
               <a:rPr lang="en-US" dirty="0" smtClean="0"/>
@@ -36731,6 +37777,30 @@
               <a:t>NETAPI is a user’s space library that supports networking.</a:t>
             </a:r>
             <a:endParaRPr lang="en-US" dirty="0"/>
+          </a:p>
+        </p:txBody>
+      </p:sp>
+      <p:sp>
+        <p:nvSpPr>
+          <p:cNvPr id="4" name="Slide Number Placeholder 3"/>
+          <p:cNvSpPr>
+            <a:spLocks noGrp="1"/>
+          </p:cNvSpPr>
+          <p:nvPr>
+            <p:ph type="sldNum" sz="quarter" idx="4"/>
+          </p:nvPr>
+        </p:nvSpPr>
+        <p:spPr/>
+        <p:txBody>
+          <a:bodyPr/>
+          <a:lstStyle/>
+          <a:p>
+            <a:fld id="{3144B24B-BAB1-431A-82C6-36E096187F50}" type="slidenum">
+              <a:rPr lang="en-US" smtClean="0"/>
+              <a:pPr/>
+              <a:t>57</a:t>
+            </a:fld>
+            <a:endParaRPr lang="en-US"/>
           </a:p>
         </p:txBody>
       </p:sp>
@@ -36853,6 +37923,30 @@
           </a:p>
         </p:txBody>
       </p:sp>
+      <p:sp>
+        <p:nvSpPr>
+          <p:cNvPr id="4" name="Slide Number Placeholder 3"/>
+          <p:cNvSpPr>
+            <a:spLocks noGrp="1"/>
+          </p:cNvSpPr>
+          <p:nvPr>
+            <p:ph type="sldNum" sz="quarter" idx="4"/>
+          </p:nvPr>
+        </p:nvSpPr>
+        <p:spPr/>
+        <p:txBody>
+          <a:bodyPr/>
+          <a:lstStyle/>
+          <a:p>
+            <a:fld id="{3144B24B-BAB1-431A-82C6-36E096187F50}" type="slidenum">
+              <a:rPr lang="en-US" smtClean="0"/>
+              <a:pPr/>
+              <a:t>58</a:t>
+            </a:fld>
+            <a:endParaRPr lang="en-US"/>
+          </a:p>
+        </p:txBody>
+      </p:sp>
     </p:spTree>
   </p:cSld>
   <p:clrMapOvr>
@@ -36948,6 +38042,30 @@
           </a:p>
           <a:p>
             <a:endParaRPr lang="en-US" dirty="0"/>
+          </a:p>
+        </p:txBody>
+      </p:sp>
+      <p:sp>
+        <p:nvSpPr>
+          <p:cNvPr id="4" name="Slide Number Placeholder 3"/>
+          <p:cNvSpPr>
+            <a:spLocks noGrp="1"/>
+          </p:cNvSpPr>
+          <p:nvPr>
+            <p:ph type="sldNum" sz="quarter" idx="4"/>
+          </p:nvPr>
+        </p:nvSpPr>
+        <p:spPr/>
+        <p:txBody>
+          <a:bodyPr/>
+          <a:lstStyle/>
+          <a:p>
+            <a:fld id="{3144B24B-BAB1-431A-82C6-36E096187F50}" type="slidenum">
+              <a:rPr lang="en-US" smtClean="0"/>
+              <a:pPr/>
+              <a:t>59</a:t>
+            </a:fld>
+            <a:endParaRPr lang="en-US"/>
           </a:p>
         </p:txBody>
       </p:sp>
@@ -37101,6 +38219,30 @@
           </a:p>
         </p:txBody>
       </p:sp>
+      <p:sp>
+        <p:nvSpPr>
+          <p:cNvPr id="4" name="Slide Number Placeholder 3"/>
+          <p:cNvSpPr>
+            <a:spLocks noGrp="1"/>
+          </p:cNvSpPr>
+          <p:nvPr>
+            <p:ph type="sldNum" sz="quarter" idx="4"/>
+          </p:nvPr>
+        </p:nvSpPr>
+        <p:spPr/>
+        <p:txBody>
+          <a:bodyPr/>
+          <a:lstStyle/>
+          <a:p>
+            <a:fld id="{3144B24B-BAB1-431A-82C6-36E096187F50}" type="slidenum">
+              <a:rPr lang="en-US" smtClean="0"/>
+              <a:pPr/>
+              <a:t>6</a:t>
+            </a:fld>
+            <a:endParaRPr lang="en-US"/>
+          </a:p>
+        </p:txBody>
+      </p:sp>
     </p:spTree>
   </p:cSld>
   <p:clrMapOvr>
@@ -37186,6 +38328,30 @@
           </a:p>
           <a:p>
             <a:endParaRPr lang="en-US" dirty="0"/>
+          </a:p>
+        </p:txBody>
+      </p:sp>
+      <p:sp>
+        <p:nvSpPr>
+          <p:cNvPr id="4" name="Slide Number Placeholder 3"/>
+          <p:cNvSpPr>
+            <a:spLocks noGrp="1"/>
+          </p:cNvSpPr>
+          <p:nvPr>
+            <p:ph type="sldNum" sz="quarter" idx="4"/>
+          </p:nvPr>
+        </p:nvSpPr>
+        <p:spPr/>
+        <p:txBody>
+          <a:bodyPr/>
+          <a:lstStyle/>
+          <a:p>
+            <a:fld id="{3144B24B-BAB1-431A-82C6-36E096187F50}" type="slidenum">
+              <a:rPr lang="en-US" smtClean="0"/>
+              <a:pPr/>
+              <a:t>60</a:t>
+            </a:fld>
+            <a:endParaRPr lang="en-US"/>
           </a:p>
         </p:txBody>
       </p:sp>
@@ -37238,11 +38404,7 @@
           <a:p>
             <a:r>
               <a:rPr lang="en-US" sz="3600" dirty="0" smtClean="0"/>
-              <a:t>NWAL </a:t>
-            </a:r>
-            <a:r>
-              <a:rPr lang="en-US" sz="3600" dirty="0" smtClean="0"/>
-              <a:t>Documentation </a:t>
+              <a:t>NWAL Documentation </a:t>
             </a:r>
             <a:r>
               <a:rPr lang="en-US" sz="2000" dirty="0" smtClean="0"/>
@@ -37284,6 +38446,30 @@
           </a:ln>
         </p:spPr>
       </p:pic>
+      <p:sp>
+        <p:nvSpPr>
+          <p:cNvPr id="4" name="Slide Number Placeholder 3"/>
+          <p:cNvSpPr>
+            <a:spLocks noGrp="1"/>
+          </p:cNvSpPr>
+          <p:nvPr>
+            <p:ph type="sldNum" sz="quarter" idx="4"/>
+          </p:nvPr>
+        </p:nvSpPr>
+        <p:spPr/>
+        <p:txBody>
+          <a:bodyPr/>
+          <a:lstStyle/>
+          <a:p>
+            <a:fld id="{3144B24B-BAB1-431A-82C6-36E096187F50}" type="slidenum">
+              <a:rPr lang="en-US" smtClean="0"/>
+              <a:pPr/>
+              <a:t>61</a:t>
+            </a:fld>
+            <a:endParaRPr lang="en-US"/>
+          </a:p>
+        </p:txBody>
+      </p:sp>
     </p:spTree>
   </p:cSld>
   <p:clrMapOvr>
@@ -37371,6 +38557,30 @@
           </a:ln>
         </p:spPr>
       </p:pic>
+      <p:sp>
+        <p:nvSpPr>
+          <p:cNvPr id="5" name="Slide Number Placeholder 4"/>
+          <p:cNvSpPr>
+            <a:spLocks noGrp="1"/>
+          </p:cNvSpPr>
+          <p:nvPr>
+            <p:ph type="sldNum" sz="quarter" idx="4"/>
+          </p:nvPr>
+        </p:nvSpPr>
+        <p:spPr/>
+        <p:txBody>
+          <a:bodyPr/>
+          <a:lstStyle/>
+          <a:p>
+            <a:fld id="{3144B24B-BAB1-431A-82C6-36E096187F50}" type="slidenum">
+              <a:rPr lang="en-US" smtClean="0"/>
+              <a:pPr/>
+              <a:t>62</a:t>
+            </a:fld>
+            <a:endParaRPr lang="en-US"/>
+          </a:p>
+        </p:txBody>
+      </p:sp>
     </p:spTree>
   </p:cSld>
   <p:clrMapOvr>
@@ -37550,6 +38760,30 @@
           </a:p>
         </p:txBody>
       </p:sp>
+      <p:sp>
+        <p:nvSpPr>
+          <p:cNvPr id="5" name="Slide Number Placeholder 4"/>
+          <p:cNvSpPr>
+            <a:spLocks noGrp="1"/>
+          </p:cNvSpPr>
+          <p:nvPr>
+            <p:ph type="sldNum" sz="quarter" idx="4"/>
+          </p:nvPr>
+        </p:nvSpPr>
+        <p:spPr/>
+        <p:txBody>
+          <a:bodyPr/>
+          <a:lstStyle/>
+          <a:p>
+            <a:fld id="{3144B24B-BAB1-431A-82C6-36E096187F50}" type="slidenum">
+              <a:rPr lang="en-US" smtClean="0"/>
+              <a:pPr/>
+              <a:t>64</a:t>
+            </a:fld>
+            <a:endParaRPr lang="en-US"/>
+          </a:p>
+        </p:txBody>
+      </p:sp>
     </p:spTree>
   </p:cSld>
   <p:clrMapOvr>
@@ -37658,6 +38892,30 @@
           </a:p>
           <a:p>
             <a:endParaRPr lang="en-US" dirty="0" smtClean="0"/>
+          </a:p>
+        </p:txBody>
+      </p:sp>
+      <p:sp>
+        <p:nvSpPr>
+          <p:cNvPr id="4" name="Slide Number Placeholder 3"/>
+          <p:cNvSpPr>
+            <a:spLocks noGrp="1"/>
+          </p:cNvSpPr>
+          <p:nvPr>
+            <p:ph type="sldNum" sz="quarter" idx="4"/>
+          </p:nvPr>
+        </p:nvSpPr>
+        <p:spPr/>
+        <p:txBody>
+          <a:bodyPr/>
+          <a:lstStyle/>
+          <a:p>
+            <a:fld id="{3144B24B-BAB1-431A-82C6-36E096187F50}" type="slidenum">
+              <a:rPr lang="en-US" smtClean="0"/>
+              <a:pPr/>
+              <a:t>65</a:t>
+            </a:fld>
+            <a:endParaRPr lang="en-US"/>
           </a:p>
         </p:txBody>
       </p:sp>
@@ -37822,6 +39080,30 @@
           </a:graphicData>
         </a:graphic>
       </p:graphicFrame>
+      <p:sp>
+        <p:nvSpPr>
+          <p:cNvPr id="6" name="Slide Number Placeholder 5"/>
+          <p:cNvSpPr>
+            <a:spLocks noGrp="1"/>
+          </p:cNvSpPr>
+          <p:nvPr>
+            <p:ph type="sldNum" sz="quarter" idx="4"/>
+          </p:nvPr>
+        </p:nvSpPr>
+        <p:spPr/>
+        <p:txBody>
+          <a:bodyPr/>
+          <a:lstStyle/>
+          <a:p>
+            <a:fld id="{3144B24B-BAB1-431A-82C6-36E096187F50}" type="slidenum">
+              <a:rPr lang="en-US" smtClean="0"/>
+              <a:pPr/>
+              <a:t>66</a:t>
+            </a:fld>
+            <a:endParaRPr lang="en-US"/>
+          </a:p>
+        </p:txBody>
+      </p:sp>
     </p:spTree>
   </p:cSld>
   <p:clrMapOvr>
@@ -37904,6 +39186,30 @@
           </a:graphicData>
         </a:graphic>
       </p:graphicFrame>
+      <p:sp>
+        <p:nvSpPr>
+          <p:cNvPr id="4" name="Slide Number Placeholder 3"/>
+          <p:cNvSpPr>
+            <a:spLocks noGrp="1"/>
+          </p:cNvSpPr>
+          <p:nvPr>
+            <p:ph type="sldNum" sz="quarter" idx="4"/>
+          </p:nvPr>
+        </p:nvSpPr>
+        <p:spPr/>
+        <p:txBody>
+          <a:bodyPr/>
+          <a:lstStyle/>
+          <a:p>
+            <a:fld id="{3144B24B-BAB1-431A-82C6-36E096187F50}" type="slidenum">
+              <a:rPr lang="en-US" smtClean="0"/>
+              <a:pPr/>
+              <a:t>67</a:t>
+            </a:fld>
+            <a:endParaRPr lang="en-US"/>
+          </a:p>
+        </p:txBody>
+      </p:sp>
     </p:spTree>
   </p:cSld>
   <p:clrMapOvr>
@@ -38238,6 +39544,30 @@
               <a:t>Backup – PktLib Utility Libraries</a:t>
             </a:r>
             <a:endParaRPr lang="en-US" sz="3600" dirty="0"/>
+          </a:p>
+        </p:txBody>
+      </p:sp>
+      <p:sp>
+        <p:nvSpPr>
+          <p:cNvPr id="3" name="Slide Number Placeholder 2"/>
+          <p:cNvSpPr>
+            <a:spLocks noGrp="1"/>
+          </p:cNvSpPr>
+          <p:nvPr>
+            <p:ph type="sldNum" sz="quarter" idx="4"/>
+          </p:nvPr>
+        </p:nvSpPr>
+        <p:spPr/>
+        <p:txBody>
+          <a:bodyPr/>
+          <a:lstStyle/>
+          <a:p>
+            <a:fld id="{3144B24B-BAB1-431A-82C6-36E096187F50}" type="slidenum">
+              <a:rPr lang="en-US" smtClean="0"/>
+              <a:pPr/>
+              <a:t>69</a:t>
+            </a:fld>
+            <a:endParaRPr lang="en-US"/>
           </a:p>
         </p:txBody>
       </p:sp>
@@ -38365,6 +39695,30 @@
           </a:p>
         </p:txBody>
       </p:sp>
+      <p:sp>
+        <p:nvSpPr>
+          <p:cNvPr id="4" name="Slide Number Placeholder 3"/>
+          <p:cNvSpPr>
+            <a:spLocks noGrp="1"/>
+          </p:cNvSpPr>
+          <p:nvPr>
+            <p:ph type="sldNum" sz="quarter" idx="4"/>
+          </p:nvPr>
+        </p:nvSpPr>
+        <p:spPr/>
+        <p:txBody>
+          <a:bodyPr/>
+          <a:lstStyle/>
+          <a:p>
+            <a:fld id="{3144B24B-BAB1-431A-82C6-36E096187F50}" type="slidenum">
+              <a:rPr lang="en-US" smtClean="0"/>
+              <a:pPr/>
+              <a:t>7</a:t>
+            </a:fld>
+            <a:endParaRPr lang="en-US"/>
+          </a:p>
+        </p:txBody>
+      </p:sp>
     </p:spTree>
   </p:cSld>
   <p:clrMapOvr>
@@ -38467,6 +39821,30 @@
           </a:p>
           <a:p>
             <a:endParaRPr lang="en-US" dirty="0"/>
+          </a:p>
+        </p:txBody>
+      </p:sp>
+      <p:sp>
+        <p:nvSpPr>
+          <p:cNvPr id="4" name="Slide Number Placeholder 3"/>
+          <p:cNvSpPr>
+            <a:spLocks noGrp="1"/>
+          </p:cNvSpPr>
+          <p:nvPr>
+            <p:ph type="sldNum" sz="quarter" idx="4"/>
+          </p:nvPr>
+        </p:nvSpPr>
+        <p:spPr/>
+        <p:txBody>
+          <a:bodyPr/>
+          <a:lstStyle/>
+          <a:p>
+            <a:fld id="{3144B24B-BAB1-431A-82C6-36E096187F50}" type="slidenum">
+              <a:rPr lang="en-US" smtClean="0"/>
+              <a:pPr/>
+              <a:t>70</a:t>
+            </a:fld>
+            <a:endParaRPr lang="en-US"/>
           </a:p>
         </p:txBody>
       </p:sp>
@@ -38609,6 +39987,30 @@
           </a:p>
         </p:txBody>
       </p:sp>
+      <p:sp>
+        <p:nvSpPr>
+          <p:cNvPr id="4" name="Slide Number Placeholder 3"/>
+          <p:cNvSpPr>
+            <a:spLocks noGrp="1"/>
+          </p:cNvSpPr>
+          <p:nvPr>
+            <p:ph type="sldNum" sz="quarter" idx="4"/>
+          </p:nvPr>
+        </p:nvSpPr>
+        <p:spPr/>
+        <p:txBody>
+          <a:bodyPr/>
+          <a:lstStyle/>
+          <a:p>
+            <a:fld id="{3144B24B-BAB1-431A-82C6-36E096187F50}" type="slidenum">
+              <a:rPr lang="en-US" smtClean="0"/>
+              <a:pPr/>
+              <a:t>71</a:t>
+            </a:fld>
+            <a:endParaRPr lang="en-US"/>
+          </a:p>
+        </p:txBody>
+      </p:sp>
     </p:spTree>
   </p:cSld>
   <p:clrMapOvr>
@@ -38742,6 +40144,30 @@
           </a:p>
           <a:p>
             <a:endParaRPr lang="en-US" dirty="0"/>
+          </a:p>
+        </p:txBody>
+      </p:sp>
+      <p:sp>
+        <p:nvSpPr>
+          <p:cNvPr id="4" name="Slide Number Placeholder 3"/>
+          <p:cNvSpPr>
+            <a:spLocks noGrp="1"/>
+          </p:cNvSpPr>
+          <p:nvPr>
+            <p:ph type="sldNum" sz="quarter" idx="4"/>
+          </p:nvPr>
+        </p:nvSpPr>
+        <p:spPr/>
+        <p:txBody>
+          <a:bodyPr/>
+          <a:lstStyle/>
+          <a:p>
+            <a:fld id="{3144B24B-BAB1-431A-82C6-36E096187F50}" type="slidenum">
+              <a:rPr lang="en-US" smtClean="0"/>
+              <a:pPr/>
+              <a:t>72</a:t>
+            </a:fld>
+            <a:endParaRPr lang="en-US"/>
           </a:p>
         </p:txBody>
       </p:sp>
@@ -38857,6 +40283,30 @@
           </a:p>
         </p:txBody>
       </p:sp>
+      <p:sp>
+        <p:nvSpPr>
+          <p:cNvPr id="4" name="Slide Number Placeholder 3"/>
+          <p:cNvSpPr>
+            <a:spLocks noGrp="1"/>
+          </p:cNvSpPr>
+          <p:nvPr>
+            <p:ph type="sldNum" sz="quarter" idx="4"/>
+          </p:nvPr>
+        </p:nvSpPr>
+        <p:spPr/>
+        <p:txBody>
+          <a:bodyPr/>
+          <a:lstStyle/>
+          <a:p>
+            <a:fld id="{3144B24B-BAB1-431A-82C6-36E096187F50}" type="slidenum">
+              <a:rPr lang="en-US" smtClean="0"/>
+              <a:pPr/>
+              <a:t>73</a:t>
+            </a:fld>
+            <a:endParaRPr lang="en-US"/>
+          </a:p>
+        </p:txBody>
+      </p:sp>
     </p:spTree>
   </p:cSld>
   <p:clrMapOvr>
@@ -38923,15 +40373,7 @@
           <a:p>
             <a:r>
               <a:rPr lang="en-US" dirty="0" smtClean="0"/>
-              <a:t>Software downloads and device-specific Data Manuals for the </a:t>
-            </a:r>
-            <a:r>
-              <a:rPr lang="en-US" dirty="0" smtClean="0"/>
-              <a:t>KeyStone </a:t>
-            </a:r>
-            <a:r>
-              <a:rPr lang="en-US" dirty="0" smtClean="0"/>
-              <a:t>SoCs can be found at </a:t>
+              <a:t>Software downloads and device-specific Data Manuals for the KeyStone SoCs can be found at </a:t>
             </a:r>
             <a:r>
               <a:rPr lang="en-US" dirty="0" smtClean="0">
@@ -38978,13 +40420,37 @@
               <a:rPr lang="en-US" dirty="0" smtClean="0"/>
               <a:t> website.</a:t>
             </a:r>
+          </a:p>
+        </p:txBody>
+      </p:sp>
+      <p:sp>
+        <p:nvSpPr>
+          <p:cNvPr id="4" name="Slide Number Placeholder 3"/>
+          <p:cNvSpPr>
+            <a:spLocks noGrp="1"/>
+          </p:cNvSpPr>
+          <p:nvPr>
+            <p:ph type="sldNum" sz="quarter" idx="4"/>
+          </p:nvPr>
+        </p:nvSpPr>
+        <p:spPr/>
+        <p:txBody>
+          <a:bodyPr/>
+          <a:lstStyle/>
+          <a:p>
+            <a:fld id="{3144B24B-BAB1-431A-82C6-36E096187F50}" type="slidenum">
+              <a:rPr lang="en-US" smtClean="0"/>
+              <a:pPr/>
+              <a:t>74</a:t>
+            </a:fld>
+            <a:endParaRPr lang="en-US"/>
           </a:p>
         </p:txBody>
       </p:sp>
     </p:spTree>
     <p:extLst>
       <p:ext uri="{BB962C8B-B14F-4D97-AF65-F5344CB8AC3E}">
-        <p14:creationId xmlns="" xmlns:p14="http://schemas.microsoft.com/office/powerpoint/2010/main" val="1759977180"/>
+        <p14:creationId xmlns:p14="http://schemas.microsoft.com/office/powerpoint/2010/main" xmlns="" val="1759977180"/>
       </p:ext>
     </p:extLst>
   </p:cSld>
@@ -39119,6 +40585,30 @@
               </a:rPr>
               <a:t>Solution: Chip Support Library (CSL) and Low Level Drivers (LLD) on DSP, LINUX drivers on the ARM</a:t>
             </a:r>
+          </a:p>
+        </p:txBody>
+      </p:sp>
+      <p:sp>
+        <p:nvSpPr>
+          <p:cNvPr id="4" name="Slide Number Placeholder 3"/>
+          <p:cNvSpPr>
+            <a:spLocks noGrp="1"/>
+          </p:cNvSpPr>
+          <p:nvPr>
+            <p:ph type="sldNum" sz="quarter" idx="4"/>
+          </p:nvPr>
+        </p:nvSpPr>
+        <p:spPr/>
+        <p:txBody>
+          <a:bodyPr/>
+          <a:lstStyle/>
+          <a:p>
+            <a:fld id="{3144B24B-BAB1-431A-82C6-36E096187F50}" type="slidenum">
+              <a:rPr lang="en-US" smtClean="0"/>
+              <a:pPr/>
+              <a:t>8</a:t>
+            </a:fld>
+            <a:endParaRPr lang="en-US"/>
           </a:p>
         </p:txBody>
       </p:sp>

--- a/slides/KeyStone Peripherals Usage.pptx
+++ b/slides/KeyStone Peripherals Usage.pptx
@@ -5,10 +5,10 @@
     <p:sldMasterId id="2147483660" r:id="rId1"/>
   </p:sldMasterIdLst>
   <p:notesMasterIdLst>
-    <p:notesMasterId r:id="rId76"/>
+    <p:notesMasterId r:id="rId64"/>
   </p:notesMasterIdLst>
   <p:handoutMasterIdLst>
-    <p:handoutMasterId r:id="rId77"/>
+    <p:handoutMasterId r:id="rId65"/>
   </p:handoutMasterIdLst>
   <p:sldIdLst>
     <p:sldId id="393" r:id="rId2"/>
@@ -28,68 +28,56 @@
     <p:sldId id="315" r:id="rId16"/>
     <p:sldId id="316" r:id="rId17"/>
     <p:sldId id="317" r:id="rId18"/>
-    <p:sldId id="318" r:id="rId19"/>
-    <p:sldId id="319" r:id="rId20"/>
-    <p:sldId id="320" r:id="rId21"/>
-    <p:sldId id="321" r:id="rId22"/>
-    <p:sldId id="322" r:id="rId23"/>
-    <p:sldId id="396" r:id="rId24"/>
-    <p:sldId id="324" r:id="rId25"/>
-    <p:sldId id="325" r:id="rId26"/>
-    <p:sldId id="326" r:id="rId27"/>
-    <p:sldId id="327" r:id="rId28"/>
-    <p:sldId id="328" r:id="rId29"/>
-    <p:sldId id="329" r:id="rId30"/>
-    <p:sldId id="330" r:id="rId31"/>
-    <p:sldId id="331" r:id="rId32"/>
-    <p:sldId id="332" r:id="rId33"/>
-    <p:sldId id="333" r:id="rId34"/>
-    <p:sldId id="397" r:id="rId35"/>
-    <p:sldId id="335" r:id="rId36"/>
-    <p:sldId id="336" r:id="rId37"/>
-    <p:sldId id="337" r:id="rId38"/>
-    <p:sldId id="398" r:id="rId39"/>
-    <p:sldId id="339" r:id="rId40"/>
-    <p:sldId id="340" r:id="rId41"/>
-    <p:sldId id="341" r:id="rId42"/>
-    <p:sldId id="342" r:id="rId43"/>
-    <p:sldId id="343" r:id="rId44"/>
-    <p:sldId id="344" r:id="rId45"/>
-    <p:sldId id="345" r:id="rId46"/>
-    <p:sldId id="346" r:id="rId47"/>
-    <p:sldId id="347" r:id="rId48"/>
-    <p:sldId id="399" r:id="rId49"/>
-    <p:sldId id="348" r:id="rId50"/>
-    <p:sldId id="349" r:id="rId51"/>
-    <p:sldId id="350" r:id="rId52"/>
-    <p:sldId id="351" r:id="rId53"/>
-    <p:sldId id="352" r:id="rId54"/>
-    <p:sldId id="353" r:id="rId55"/>
-    <p:sldId id="354" r:id="rId56"/>
-    <p:sldId id="400" r:id="rId57"/>
-    <p:sldId id="356" r:id="rId58"/>
-    <p:sldId id="357" r:id="rId59"/>
-    <p:sldId id="358" r:id="rId60"/>
-    <p:sldId id="359" r:id="rId61"/>
-    <p:sldId id="360" r:id="rId62"/>
-    <p:sldId id="361" r:id="rId63"/>
-    <p:sldId id="401" r:id="rId64"/>
-    <p:sldId id="363" r:id="rId65"/>
-    <p:sldId id="364" r:id="rId66"/>
-    <p:sldId id="365" r:id="rId67"/>
-    <p:sldId id="366" r:id="rId68"/>
-    <p:sldId id="367" r:id="rId69"/>
-    <p:sldId id="386" r:id="rId70"/>
-    <p:sldId id="387" r:id="rId71"/>
-    <p:sldId id="388" r:id="rId72"/>
-    <p:sldId id="389" r:id="rId73"/>
-    <p:sldId id="390" r:id="rId74"/>
-    <p:sldId id="300" r:id="rId75"/>
+    <p:sldId id="319" r:id="rId19"/>
+    <p:sldId id="320" r:id="rId20"/>
+    <p:sldId id="321" r:id="rId21"/>
+    <p:sldId id="322" r:id="rId22"/>
+    <p:sldId id="396" r:id="rId23"/>
+    <p:sldId id="324" r:id="rId24"/>
+    <p:sldId id="325" r:id="rId25"/>
+    <p:sldId id="326" r:id="rId26"/>
+    <p:sldId id="327" r:id="rId27"/>
+    <p:sldId id="328" r:id="rId28"/>
+    <p:sldId id="329" r:id="rId29"/>
+    <p:sldId id="330" r:id="rId30"/>
+    <p:sldId id="331" r:id="rId31"/>
+    <p:sldId id="332" r:id="rId32"/>
+    <p:sldId id="333" r:id="rId33"/>
+    <p:sldId id="397" r:id="rId34"/>
+    <p:sldId id="335" r:id="rId35"/>
+    <p:sldId id="336" r:id="rId36"/>
+    <p:sldId id="337" r:id="rId37"/>
+    <p:sldId id="398" r:id="rId38"/>
+    <p:sldId id="339" r:id="rId39"/>
+    <p:sldId id="340" r:id="rId40"/>
+    <p:sldId id="341" r:id="rId41"/>
+    <p:sldId id="342" r:id="rId42"/>
+    <p:sldId id="343" r:id="rId43"/>
+    <p:sldId id="344" r:id="rId44"/>
+    <p:sldId id="345" r:id="rId45"/>
+    <p:sldId id="346" r:id="rId46"/>
+    <p:sldId id="347" r:id="rId47"/>
+    <p:sldId id="399" r:id="rId48"/>
+    <p:sldId id="348" r:id="rId49"/>
+    <p:sldId id="349" r:id="rId50"/>
+    <p:sldId id="350" r:id="rId51"/>
+    <p:sldId id="351" r:id="rId52"/>
+    <p:sldId id="352" r:id="rId53"/>
+    <p:sldId id="353" r:id="rId54"/>
+    <p:sldId id="354" r:id="rId55"/>
+    <p:sldId id="400" r:id="rId56"/>
+    <p:sldId id="356" r:id="rId57"/>
+    <p:sldId id="357" r:id="rId58"/>
+    <p:sldId id="358" r:id="rId59"/>
+    <p:sldId id="359" r:id="rId60"/>
+    <p:sldId id="360" r:id="rId61"/>
+    <p:sldId id="361" r:id="rId62"/>
+    <p:sldId id="300" r:id="rId63"/>
   </p:sldIdLst>
   <p:sldSz cx="9144000" cy="6858000" type="screen4x3"/>
   <p:notesSz cx="7315200" cy="9601200"/>
   <p:custDataLst>
-    <p:tags r:id="rId78"/>
+    <p:tags r:id="rId66"/>
   </p:custDataLst>
   <p:defaultTextStyle>
     <a:defPPr>
@@ -272,7 +260,7 @@
             <a:fld id="{792E6ECC-D4E1-4AE4-A1EA-2A7A85AB2673}" type="datetimeFigureOut">
               <a:rPr lang="en-US" smtClean="0"/>
               <a:pPr/>
-              <a:t>9/27/2013</a:t>
+              <a:t>1/29/2014</a:t>
             </a:fld>
             <a:endParaRPr lang="en-US"/>
           </a:p>
@@ -434,7 +422,7 @@
             <a:fld id="{C676C751-4C04-614B-9B76-AAC11CF48BFD}" type="datetimeFigureOut">
               <a:rPr lang="en-US" smtClean="0"/>
               <a:pPr/>
-              <a:t>9/27/2013</a:t>
+              <a:t>1/29/2014</a:t>
             </a:fld>
             <a:endParaRPr lang="en-US" dirty="0"/>
           </a:p>
@@ -603,7 +591,7 @@
     </p:spTree>
     <p:extLst>
       <p:ext uri="{BB962C8B-B14F-4D97-AF65-F5344CB8AC3E}">
-        <p14:creationId xmlns:p14="http://schemas.microsoft.com/office/powerpoint/2010/main" xmlns="" val="967372434"/>
+        <p14:creationId xmlns="" xmlns:p14="http://schemas.microsoft.com/office/powerpoint/2010/main" val="967372434"/>
       </p:ext>
     </p:extLst>
   </p:cSld>
@@ -1060,7 +1048,7 @@
     </p:spTree>
     <p:extLst>
       <p:ext uri="{BB962C8B-B14F-4D97-AF65-F5344CB8AC3E}">
-        <p14:creationId xmlns:p14="http://schemas.microsoft.com/office/powerpoint/2010/main" xmlns="" val="1932138566"/>
+        <p14:creationId xmlns="" xmlns:p14="http://schemas.microsoft.com/office/powerpoint/2010/main" val="1932138566"/>
       </p:ext>
     </p:extLst>
   </p:cSld>
@@ -1933,7 +1921,7 @@
     </p:spTree>
     <p:extLst>
       <p:ext uri="{BB962C8B-B14F-4D97-AF65-F5344CB8AC3E}">
-        <p14:creationId xmlns:p14="http://schemas.microsoft.com/office/powerpoint/2010/main" xmlns="" val="3856102171"/>
+        <p14:creationId xmlns="" xmlns:p14="http://schemas.microsoft.com/office/powerpoint/2010/main" val="3856102171"/>
       </p:ext>
     </p:extLst>
   </p:cSld>
@@ -2358,7 +2346,18 @@
           <a:p>
             <a:r>
               <a:rPr lang="en-US" dirty="0" smtClean="0"/>
-              <a:t>KeyStone Peripherals Usage</a:t>
+              <a:t>KeyStone Peripherals </a:t>
+            </a:r>
+            <a:r>
+              <a:rPr lang="en-US" dirty="0" smtClean="0"/>
+              <a:t>Usage</a:t>
+            </a:r>
+            <a:br>
+              <a:rPr lang="en-US" dirty="0" smtClean="0"/>
+            </a:br>
+            <a:r>
+              <a:rPr lang="en-US" dirty="0" smtClean="0"/>
+              <a:t>DSP View</a:t>
             </a:r>
             <a:endParaRPr lang="en-US" dirty="0"/>
           </a:p>
@@ -9256,515 +9255,6 @@
 </file>
 
 <file path=ppt/slides/slide18.xml><?xml version="1.0" encoding="utf-8"?>
-<p:sld xmlns:a="http://schemas.openxmlformats.org/drawingml/2006/main" xmlns:r="http://schemas.openxmlformats.org/officeDocument/2006/relationships" xmlns:p="http://schemas.openxmlformats.org/presentationml/2006/main">
-  <p:cSld>
-    <p:spTree>
-      <p:nvGrpSpPr>
-        <p:cNvPr id="1" name=""/>
-        <p:cNvGrpSpPr/>
-        <p:nvPr/>
-      </p:nvGrpSpPr>
-      <p:grpSpPr>
-        <a:xfrm>
-          <a:off x="0" y="0"/>
-          <a:ext cx="0" cy="0"/>
-          <a:chOff x="0" y="0"/>
-          <a:chExt cx="0" cy="0"/>
-        </a:xfrm>
-      </p:grpSpPr>
-      <p:sp>
-        <p:nvSpPr>
-          <p:cNvPr id="13314" name="Title 1"/>
-          <p:cNvSpPr>
-            <a:spLocks noGrp="1"/>
-          </p:cNvSpPr>
-          <p:nvPr>
-            <p:ph type="title"/>
-          </p:nvPr>
-        </p:nvSpPr>
-        <p:spPr>
-          <a:xfrm>
-            <a:off x="371475" y="161925"/>
-            <a:ext cx="8458200" cy="771525"/>
-          </a:xfrm>
-        </p:spPr>
-        <p:txBody>
-          <a:bodyPr/>
-          <a:lstStyle/>
-          <a:p>
-            <a:r>
-              <a:rPr lang="en-US" b="1" dirty="0" smtClean="0"/>
-              <a:t>Keystone II RM: Instances</a:t>
-            </a:r>
-          </a:p>
-        </p:txBody>
-      </p:sp>
-      <p:graphicFrame>
-        <p:nvGraphicFramePr>
-          <p:cNvPr id="2" name="Table 1"/>
-          <p:cNvGraphicFramePr>
-            <a:graphicFrameLocks noGrp="1"/>
-          </p:cNvGraphicFramePr>
-          <p:nvPr/>
-        </p:nvGraphicFramePr>
-        <p:xfrm>
-          <a:off x="201878" y="968375"/>
-          <a:ext cx="8687172" cy="5088041"/>
-        </p:xfrm>
-        <a:graphic>
-          <a:graphicData uri="http://schemas.openxmlformats.org/drawingml/2006/table">
-            <a:tbl>
-              <a:tblPr firstRow="1" bandRow="1">
-                <a:tableStyleId>{5C22544A-7EE6-4342-B048-85BDC9FD1C3A}</a:tableStyleId>
-              </a:tblPr>
-              <a:tblGrid>
-                <a:gridCol w="2895724"/>
-                <a:gridCol w="3030066"/>
-                <a:gridCol w="2761382"/>
-              </a:tblGrid>
-              <a:tr h="394162">
-                <a:tc>
-                  <a:txBody>
-                    <a:bodyPr/>
-                    <a:lstStyle/>
-                    <a:p>
-                      <a:pPr algn="ctr"/>
-                      <a:r>
-                        <a:rPr lang="en-US" sz="1800" dirty="0" smtClean="0"/>
-                        <a:t>Server</a:t>
-                      </a:r>
-                      <a:endParaRPr lang="en-US" sz="1800" dirty="0"/>
-                    </a:p>
-                  </a:txBody>
-                  <a:tcPr/>
-                </a:tc>
-                <a:tc>
-                  <a:txBody>
-                    <a:bodyPr/>
-                    <a:lstStyle/>
-                    <a:p>
-                      <a:pPr algn="ctr"/>
-                      <a:r>
-                        <a:rPr lang="en-US" sz="1800" dirty="0" smtClean="0"/>
-                        <a:t>Client Delegate (CD)</a:t>
-                      </a:r>
-                      <a:endParaRPr lang="en-US" sz="1800" dirty="0"/>
-                    </a:p>
-                  </a:txBody>
-                  <a:tcPr/>
-                </a:tc>
-                <a:tc>
-                  <a:txBody>
-                    <a:bodyPr/>
-                    <a:lstStyle/>
-                    <a:p>
-                      <a:pPr algn="ctr"/>
-                      <a:r>
-                        <a:rPr lang="en-US" sz="1800" dirty="0" smtClean="0"/>
-                        <a:t>Client</a:t>
-                      </a:r>
-                      <a:endParaRPr lang="en-US" sz="1800" dirty="0"/>
-                    </a:p>
-                  </a:txBody>
-                  <a:tcPr/>
-                </a:tc>
-              </a:tr>
-              <a:tr h="4693879">
-                <a:tc>
-                  <a:txBody>
-                    <a:bodyPr/>
-                    <a:lstStyle/>
-                    <a:p>
-                      <a:pPr marL="285750" marR="0" indent="-285750" algn="l" defTabSz="914400" rtl="0" eaLnBrk="1" fontAlgn="auto" latinLnBrk="0" hangingPunct="1">
-                        <a:lnSpc>
-                          <a:spcPct val="100000"/>
-                        </a:lnSpc>
-                        <a:spcBef>
-                          <a:spcPts val="0"/>
-                        </a:spcBef>
-                        <a:spcAft>
-                          <a:spcPts val="0"/>
-                        </a:spcAft>
-                        <a:buClrTx/>
-                        <a:buSzTx/>
-                        <a:buFont typeface="Arial" pitchFamily="34" charset="0"/>
-                        <a:buChar char="•"/>
-                        <a:tabLst/>
-                        <a:defRPr/>
-                      </a:pPr>
-                      <a:r>
-                        <a:rPr lang="en-US" sz="1500" baseline="0" dirty="0" smtClean="0"/>
-                        <a:t>Assigned resource permissions in policy based on instance name given at instance instantiation</a:t>
-                      </a:r>
-                    </a:p>
-                    <a:p>
-                      <a:pPr marL="285750" marR="0" indent="-285750" algn="l" defTabSz="914400" rtl="0" eaLnBrk="1" fontAlgn="auto" latinLnBrk="0" hangingPunct="1">
-                        <a:lnSpc>
-                          <a:spcPct val="100000"/>
-                        </a:lnSpc>
-                        <a:spcBef>
-                          <a:spcPts val="0"/>
-                        </a:spcBef>
-                        <a:spcAft>
-                          <a:spcPts val="0"/>
-                        </a:spcAft>
-                        <a:buClrTx/>
-                        <a:buSzTx/>
-                        <a:buFont typeface="Arial" pitchFamily="34" charset="0"/>
-                        <a:buChar char="•"/>
-                        <a:tabLst/>
-                        <a:defRPr/>
-                      </a:pPr>
-                      <a:r>
-                        <a:rPr lang="en-US" sz="1500" baseline="0" dirty="0" smtClean="0"/>
-                        <a:t>Can satisfy standard service requests via service API</a:t>
-                      </a:r>
-                    </a:p>
-                    <a:p>
-                      <a:pPr marL="285750" marR="0" indent="-285750" algn="l" defTabSz="914400" rtl="0" eaLnBrk="1" fontAlgn="auto" latinLnBrk="0" hangingPunct="1">
-                        <a:lnSpc>
-                          <a:spcPct val="100000"/>
-                        </a:lnSpc>
-                        <a:spcBef>
-                          <a:spcPts val="0"/>
-                        </a:spcBef>
-                        <a:spcAft>
-                          <a:spcPts val="0"/>
-                        </a:spcAft>
-                        <a:buClrTx/>
-                        <a:buSzTx/>
-                        <a:buFont typeface="Arial" pitchFamily="34" charset="0"/>
-                        <a:buChar char="•"/>
-                        <a:tabLst/>
-                        <a:defRPr/>
-                      </a:pPr>
-                      <a:r>
-                        <a:rPr lang="en-US" sz="1500" baseline="0" dirty="0" smtClean="0"/>
-                        <a:t>Can satisfy pre-main service requests</a:t>
-                      </a:r>
-                      <a:endParaRPr lang="en-US" sz="1500" dirty="0" smtClean="0"/>
-                    </a:p>
-                    <a:p>
-                      <a:pPr marL="285750" indent="-285750">
-                        <a:buFont typeface="Arial" pitchFamily="34" charset="0"/>
-                        <a:buChar char="•"/>
-                      </a:pPr>
-                      <a:r>
-                        <a:rPr lang="en-US" sz="1500" dirty="0" smtClean="0"/>
-                        <a:t>Manages all system resources</a:t>
-                      </a:r>
-                    </a:p>
-                    <a:p>
-                      <a:pPr marL="285750" indent="-285750">
-                        <a:buFont typeface="Arial" pitchFamily="34" charset="0"/>
-                        <a:buChar char="•"/>
-                      </a:pPr>
-                      <a:r>
-                        <a:rPr lang="en-US" sz="1500" dirty="0" smtClean="0"/>
-                        <a:t>Multiple</a:t>
-                      </a:r>
-                      <a:r>
-                        <a:rPr lang="en-US" sz="1500" baseline="0" dirty="0" smtClean="0"/>
-                        <a:t> Servers within system must manage mutually exclusive sets of resources</a:t>
-                      </a:r>
-                      <a:endParaRPr lang="en-US" sz="1500" dirty="0" smtClean="0"/>
-                    </a:p>
-                    <a:p>
-                      <a:pPr marL="285750" indent="-285750">
-                        <a:buFont typeface="Arial" pitchFamily="34" charset="0"/>
-                        <a:buChar char="•"/>
-                      </a:pPr>
-                      <a:r>
-                        <a:rPr lang="en-US" sz="1500" baseline="0" dirty="0" smtClean="0"/>
-                        <a:t>Manages all system policies</a:t>
-                      </a:r>
-                    </a:p>
-                    <a:p>
-                      <a:pPr marL="285750" indent="-285750">
-                        <a:buFont typeface="Arial" pitchFamily="34" charset="0"/>
-                        <a:buChar char="•"/>
-                      </a:pPr>
-                      <a:r>
-                        <a:rPr lang="en-US" sz="1500" baseline="0" dirty="0" smtClean="0"/>
-                        <a:t>Maintains NameServer</a:t>
-                      </a:r>
-                    </a:p>
-                    <a:p>
-                      <a:pPr marL="285750" marR="0" indent="-285750" algn="l" defTabSz="914400" rtl="0" eaLnBrk="1" fontAlgn="auto" latinLnBrk="0" hangingPunct="1">
-                        <a:lnSpc>
-                          <a:spcPct val="100000"/>
-                        </a:lnSpc>
-                        <a:spcBef>
-                          <a:spcPts val="0"/>
-                        </a:spcBef>
-                        <a:spcAft>
-                          <a:spcPts val="0"/>
-                        </a:spcAft>
-                        <a:buClrTx/>
-                        <a:buSzTx/>
-                        <a:buFont typeface="Arial" pitchFamily="34" charset="0"/>
-                        <a:buChar char="•"/>
-                        <a:tabLst/>
-                        <a:defRPr/>
-                      </a:pPr>
-                      <a:r>
-                        <a:rPr lang="en-US" sz="1500" baseline="0" dirty="0" smtClean="0"/>
-                        <a:t>Manages resource recovery in case of fault in CD or Client instance (Planned)</a:t>
-                      </a:r>
-                      <a:endParaRPr lang="en-US" sz="1500" dirty="0" smtClean="0"/>
-                    </a:p>
-                    <a:p>
-                      <a:pPr marL="285750" indent="-285750">
-                        <a:buFont typeface="Arial" pitchFamily="34" charset="0"/>
-                        <a:buChar char="•"/>
-                      </a:pPr>
-                      <a:r>
-                        <a:rPr lang="en-US" sz="1500" baseline="0" dirty="0" smtClean="0"/>
-                        <a:t>Can register with any number of CDs and Clients</a:t>
-                      </a:r>
-                    </a:p>
-                  </a:txBody>
-                  <a:tcPr/>
-                </a:tc>
-                <a:tc>
-                  <a:txBody>
-                    <a:bodyPr/>
-                    <a:lstStyle/>
-                    <a:p>
-                      <a:pPr marL="285750" marR="0" indent="-285750" algn="l" defTabSz="914400" rtl="0" eaLnBrk="1" fontAlgn="auto" latinLnBrk="0" hangingPunct="1">
-                        <a:lnSpc>
-                          <a:spcPct val="100000"/>
-                        </a:lnSpc>
-                        <a:spcBef>
-                          <a:spcPts val="0"/>
-                        </a:spcBef>
-                        <a:spcAft>
-                          <a:spcPts val="0"/>
-                        </a:spcAft>
-                        <a:buClrTx/>
-                        <a:buSzTx/>
-                        <a:buFont typeface="Arial" pitchFamily="34" charset="0"/>
-                        <a:buChar char="•"/>
-                        <a:tabLst/>
-                        <a:defRPr/>
-                      </a:pPr>
-                      <a:r>
-                        <a:rPr lang="en-US" sz="1500" baseline="0" dirty="0" smtClean="0"/>
-                        <a:t>Assigned resource permissions in policy based on instance name given at instance instantiation</a:t>
-                      </a:r>
-                    </a:p>
-                    <a:p>
-                      <a:pPr marL="285750" marR="0" indent="-285750" algn="l" defTabSz="914400" rtl="0" eaLnBrk="1" fontAlgn="auto" latinLnBrk="0" hangingPunct="1">
-                        <a:lnSpc>
-                          <a:spcPct val="100000"/>
-                        </a:lnSpc>
-                        <a:spcBef>
-                          <a:spcPts val="0"/>
-                        </a:spcBef>
-                        <a:spcAft>
-                          <a:spcPts val="0"/>
-                        </a:spcAft>
-                        <a:buClrTx/>
-                        <a:buSzTx/>
-                        <a:buFont typeface="Arial" pitchFamily="34" charset="0"/>
-                        <a:buChar char="•"/>
-                        <a:tabLst/>
-                        <a:defRPr/>
-                      </a:pPr>
-                      <a:r>
-                        <a:rPr lang="en-US" sz="1500" baseline="0" dirty="0" smtClean="0"/>
-                        <a:t>Can satisfy standard service requests via service API</a:t>
-                      </a:r>
-                    </a:p>
-                    <a:p>
-                      <a:pPr marL="285750" marR="0" indent="-285750" algn="l" defTabSz="914400" rtl="0" eaLnBrk="1" fontAlgn="auto" latinLnBrk="0" hangingPunct="1">
-                        <a:lnSpc>
-                          <a:spcPct val="100000"/>
-                        </a:lnSpc>
-                        <a:spcBef>
-                          <a:spcPts val="0"/>
-                        </a:spcBef>
-                        <a:spcAft>
-                          <a:spcPts val="0"/>
-                        </a:spcAft>
-                        <a:buClrTx/>
-                        <a:buSzTx/>
-                        <a:buFont typeface="Arial" pitchFamily="34" charset="0"/>
-                        <a:buChar char="•"/>
-                        <a:tabLst/>
-                        <a:defRPr/>
-                      </a:pPr>
-                      <a:r>
-                        <a:rPr lang="en-US" sz="1500" baseline="0" dirty="0" smtClean="0"/>
-                        <a:t>Can satisfy pre-main service requests</a:t>
-                      </a:r>
-                      <a:endParaRPr lang="en-US" sz="1500" dirty="0" smtClean="0"/>
-                    </a:p>
-                    <a:p>
-                      <a:pPr marL="285750" indent="-285750">
-                        <a:buFont typeface="Arial" pitchFamily="34" charset="0"/>
-                        <a:buChar char="•"/>
-                      </a:pPr>
-                      <a:r>
-                        <a:rPr lang="en-US" sz="1500" dirty="0" smtClean="0"/>
-                        <a:t>Manages</a:t>
-                      </a:r>
-                      <a:r>
-                        <a:rPr lang="en-US" sz="1500" baseline="0" dirty="0" smtClean="0"/>
-                        <a:t> subset of system resources provided by Server (Planned)</a:t>
-                      </a:r>
-                    </a:p>
-                    <a:p>
-                      <a:pPr marL="285750" indent="-285750">
-                        <a:buFont typeface="Arial" pitchFamily="34" charset="0"/>
-                        <a:buChar char="•"/>
-                      </a:pPr>
-                      <a:r>
-                        <a:rPr lang="en-US" sz="1500" baseline="0" dirty="0" smtClean="0"/>
-                        <a:t>Provided a sub-policy that is sync’d with Server level policy (Planned)</a:t>
-                      </a:r>
-                    </a:p>
-                    <a:p>
-                      <a:pPr marL="285750" indent="-285750">
-                        <a:buFont typeface="Arial" pitchFamily="34" charset="0"/>
-                        <a:buChar char="•"/>
-                      </a:pPr>
-                      <a:r>
-                        <a:rPr lang="en-US" sz="1500" baseline="0" dirty="0" smtClean="0"/>
-                        <a:t>Can register with any number of Clients</a:t>
-                      </a:r>
-                    </a:p>
-                    <a:p>
-                      <a:pPr marL="285750" indent="-285750">
-                        <a:buFont typeface="Arial" pitchFamily="34" charset="0"/>
-                        <a:buChar char="•"/>
-                      </a:pPr>
-                      <a:r>
-                        <a:rPr lang="en-US" sz="1500" baseline="0" dirty="0" smtClean="0"/>
-                        <a:t>Can register with at most one Server</a:t>
-                      </a:r>
-                    </a:p>
-                  </a:txBody>
-                  <a:tcPr/>
-                </a:tc>
-                <a:tc>
-                  <a:txBody>
-                    <a:bodyPr/>
-                    <a:lstStyle/>
-                    <a:p>
-                      <a:pPr marL="285750" marR="0" indent="-285750" algn="l" defTabSz="914400" rtl="0" eaLnBrk="1" fontAlgn="auto" latinLnBrk="0" hangingPunct="1">
-                        <a:lnSpc>
-                          <a:spcPct val="100000"/>
-                        </a:lnSpc>
-                        <a:spcBef>
-                          <a:spcPts val="0"/>
-                        </a:spcBef>
-                        <a:spcAft>
-                          <a:spcPts val="0"/>
-                        </a:spcAft>
-                        <a:buClrTx/>
-                        <a:buSzTx/>
-                        <a:buFont typeface="Arial" pitchFamily="34" charset="0"/>
-                        <a:buChar char="•"/>
-                        <a:tabLst/>
-                        <a:defRPr/>
-                      </a:pPr>
-                      <a:r>
-                        <a:rPr lang="en-US" sz="1500" baseline="0" dirty="0" smtClean="0"/>
-                        <a:t>Assigned resource permissions in policy based on instance name given at instance instantiation</a:t>
-                      </a:r>
-                    </a:p>
-                    <a:p>
-                      <a:pPr marL="285750" marR="0" indent="-285750" algn="l" defTabSz="914400" rtl="0" eaLnBrk="1" fontAlgn="auto" latinLnBrk="0" hangingPunct="1">
-                        <a:lnSpc>
-                          <a:spcPct val="100000"/>
-                        </a:lnSpc>
-                        <a:spcBef>
-                          <a:spcPts val="0"/>
-                        </a:spcBef>
-                        <a:spcAft>
-                          <a:spcPts val="0"/>
-                        </a:spcAft>
-                        <a:buClrTx/>
-                        <a:buSzTx/>
-                        <a:buFont typeface="Arial" pitchFamily="34" charset="0"/>
-                        <a:buChar char="•"/>
-                        <a:tabLst/>
-                        <a:defRPr/>
-                      </a:pPr>
-                      <a:r>
-                        <a:rPr lang="en-US" sz="1500" baseline="0" dirty="0" smtClean="0"/>
-                        <a:t>Can satisfy standard service requests via service API</a:t>
-                      </a:r>
-                    </a:p>
-                    <a:p>
-                      <a:pPr marL="285750" marR="0" indent="-285750" algn="l" defTabSz="914400" rtl="0" eaLnBrk="1" fontAlgn="auto" latinLnBrk="0" hangingPunct="1">
-                        <a:lnSpc>
-                          <a:spcPct val="100000"/>
-                        </a:lnSpc>
-                        <a:spcBef>
-                          <a:spcPts val="0"/>
-                        </a:spcBef>
-                        <a:spcAft>
-                          <a:spcPts val="0"/>
-                        </a:spcAft>
-                        <a:buClrTx/>
-                        <a:buSzTx/>
-                        <a:buFont typeface="Arial" pitchFamily="34" charset="0"/>
-                        <a:buChar char="•"/>
-                        <a:tabLst/>
-                        <a:defRPr/>
-                      </a:pPr>
-                      <a:r>
-                        <a:rPr lang="en-US" sz="1500" baseline="0" dirty="0" smtClean="0"/>
-                        <a:t>Can register with at most one CD or Server</a:t>
-                      </a:r>
-                      <a:endParaRPr lang="en-US" sz="1500" dirty="0" smtClean="0"/>
-                    </a:p>
-                    <a:p>
-                      <a:endParaRPr lang="en-US" sz="1500" dirty="0"/>
-                    </a:p>
-                  </a:txBody>
-                  <a:tcPr/>
-                </a:tc>
-              </a:tr>
-            </a:tbl>
-          </a:graphicData>
-        </a:graphic>
-      </p:graphicFrame>
-      <p:sp>
-        <p:nvSpPr>
-          <p:cNvPr id="4" name="Slide Number Placeholder 3"/>
-          <p:cNvSpPr>
-            <a:spLocks noGrp="1"/>
-          </p:cNvSpPr>
-          <p:nvPr>
-            <p:ph type="sldNum" sz="quarter" idx="4"/>
-          </p:nvPr>
-        </p:nvSpPr>
-        <p:spPr/>
-        <p:txBody>
-          <a:bodyPr/>
-          <a:lstStyle/>
-          <a:p>
-            <a:fld id="{3144B24B-BAB1-431A-82C6-36E096187F50}" type="slidenum">
-              <a:rPr lang="en-US" smtClean="0"/>
-              <a:pPr/>
-              <a:t>18</a:t>
-            </a:fld>
-            <a:endParaRPr lang="en-US"/>
-          </a:p>
-        </p:txBody>
-      </p:sp>
-    </p:spTree>
-  </p:cSld>
-  <p:clrMapOvr>
-    <a:masterClrMapping/>
-  </p:clrMapOvr>
-</p:sld>
-</file>
-
-<file path=ppt/slides/slide19.xml><?xml version="1.0" encoding="utf-8"?>
 <p:sld xmlns:a="http://schemas.openxmlformats.org/drawingml/2006/main" xmlns:r="http://schemas.openxmlformats.org/officeDocument/2006/relationships" xmlns:p="http://schemas.openxmlformats.org/presentationml/2006/main">
   <p:cSld>
     <p:spTree>
@@ -11081,6 +10571,156 @@
             <a:fld id="{3144B24B-BAB1-431A-82C6-36E096187F50}" type="slidenum">
               <a:rPr lang="en-US" smtClean="0"/>
               <a:pPr/>
+              <a:t>18</a:t>
+            </a:fld>
+            <a:endParaRPr lang="en-US"/>
+          </a:p>
+        </p:txBody>
+      </p:sp>
+    </p:spTree>
+  </p:cSld>
+  <p:clrMapOvr>
+    <a:masterClrMapping/>
+  </p:clrMapOvr>
+</p:sld>
+</file>
+
+<file path=ppt/slides/slide19.xml><?xml version="1.0" encoding="utf-8"?>
+<p:sld xmlns:a="http://schemas.openxmlformats.org/drawingml/2006/main" xmlns:r="http://schemas.openxmlformats.org/officeDocument/2006/relationships" xmlns:p="http://schemas.openxmlformats.org/presentationml/2006/main">
+  <p:cSld>
+    <p:spTree>
+      <p:nvGrpSpPr>
+        <p:cNvPr id="1" name=""/>
+        <p:cNvGrpSpPr/>
+        <p:nvPr/>
+      </p:nvGrpSpPr>
+      <p:grpSpPr>
+        <a:xfrm>
+          <a:off x="0" y="0"/>
+          <a:ext cx="0" cy="0"/>
+          <a:chOff x="0" y="0"/>
+          <a:chExt cx="0" cy="0"/>
+        </a:xfrm>
+      </p:grpSpPr>
+      <p:sp>
+        <p:nvSpPr>
+          <p:cNvPr id="16386" name="Title 1"/>
+          <p:cNvSpPr>
+            <a:spLocks noGrp="1"/>
+          </p:cNvSpPr>
+          <p:nvPr>
+            <p:ph type="title"/>
+          </p:nvPr>
+        </p:nvSpPr>
+        <p:spPr>
+          <a:xfrm>
+            <a:off x="342900" y="0"/>
+            <a:ext cx="8458200" cy="923925"/>
+          </a:xfrm>
+        </p:spPr>
+        <p:txBody>
+          <a:bodyPr/>
+          <a:lstStyle/>
+          <a:p>
+            <a:r>
+              <a:rPr lang="en-US" b="1" dirty="0" smtClean="0"/>
+              <a:t>Keystone II RM - Services</a:t>
+            </a:r>
+          </a:p>
+        </p:txBody>
+      </p:sp>
+      <p:sp>
+        <p:nvSpPr>
+          <p:cNvPr id="16387" name="Content Placeholder 2"/>
+          <p:cNvSpPr>
+            <a:spLocks noGrp="1"/>
+          </p:cNvSpPr>
+          <p:nvPr>
+            <p:ph idx="1"/>
+          </p:nvPr>
+        </p:nvSpPr>
+        <p:spPr>
+          <a:xfrm>
+            <a:off x="295275" y="838200"/>
+            <a:ext cx="8467725" cy="4953000"/>
+          </a:xfrm>
+        </p:spPr>
+        <p:txBody>
+          <a:bodyPr/>
+          <a:lstStyle/>
+          <a:p>
+            <a:r>
+              <a:rPr lang="en-US" sz="2400" dirty="0" smtClean="0"/>
+              <a:t>RM  Services:</a:t>
+            </a:r>
+          </a:p>
+          <a:p>
+            <a:pPr lvl="1"/>
+            <a:r>
+              <a:rPr lang="en-US" sz="2400" dirty="0" smtClean="0"/>
+              <a:t>Allocate (initialization, usage)</a:t>
+            </a:r>
+          </a:p>
+          <a:p>
+            <a:pPr lvl="1"/>
+            <a:r>
+              <a:rPr lang="en-US" sz="2400" dirty="0" smtClean="0"/>
+              <a:t>Free</a:t>
+            </a:r>
+          </a:p>
+          <a:p>
+            <a:pPr lvl="1"/>
+            <a:r>
+              <a:rPr lang="en-US" sz="2400" dirty="0" smtClean="0"/>
+              <a:t>Map resource(s) to NameServer name</a:t>
+            </a:r>
+          </a:p>
+          <a:p>
+            <a:pPr lvl="1"/>
+            <a:r>
+              <a:rPr lang="en-US" sz="2400" dirty="0" smtClean="0"/>
+              <a:t>Get resource(s) tied to existing NameServer name</a:t>
+            </a:r>
+          </a:p>
+          <a:p>
+            <a:pPr lvl="1"/>
+            <a:r>
+              <a:rPr lang="en-US" sz="2400" dirty="0" smtClean="0"/>
+              <a:t>Unmap resource(s) from existing NameServer name</a:t>
+            </a:r>
+          </a:p>
+          <a:p>
+            <a:r>
+              <a:rPr lang="en-US" sz="2400" dirty="0" smtClean="0"/>
+              <a:t>Non-blocking service requests directly return result</a:t>
+            </a:r>
+          </a:p>
+          <a:p>
+            <a:r>
+              <a:rPr lang="en-US" sz="2400" dirty="0" smtClean="0"/>
+              <a:t>Blocking service requests return ID to system</a:t>
+            </a:r>
+          </a:p>
+        </p:txBody>
+      </p:sp>
+      <p:sp>
+        <p:nvSpPr>
+          <p:cNvPr id="4" name="Slide Number Placeholder 3"/>
+          <p:cNvSpPr>
+            <a:spLocks noGrp="1"/>
+          </p:cNvSpPr>
+          <p:nvPr>
+            <p:ph type="sldNum" sz="quarter" idx="4"/>
+          </p:nvPr>
+        </p:nvSpPr>
+        <p:spPr/>
+        <p:txBody>
+          <a:bodyPr/>
+          <a:lstStyle/>
+          <a:p>
+            <a:fld id="{3144B24B-BAB1-431A-82C6-36E096187F50}" type="slidenum">
+              <a:rPr lang="en-US" smtClean="0"/>
+              <a:pPr/>
               <a:t>19</a:t>
             </a:fld>
             <a:endParaRPr lang="en-US"/>
@@ -11230,40 +10870,10 @@
             </a:r>
             <a:fld id="{2C19787A-D5D8-498D-9AF3-8D6C3D533C6E}" type="slidenum">
               <a:rPr lang="en-US" smtClean="0"/>
+              <a:pPr lvl="1"/>
               <a:t>2</a:t>
             </a:fld>
             <a:endParaRPr lang="en-US" dirty="0" smtClean="0"/>
-          </a:p>
-          <a:p>
-            <a:pPr lvl="0"/>
-            <a:r>
-              <a:rPr lang="en-US" sz="2800" dirty="0" smtClean="0"/>
-              <a:t>ARM Kernel Drivers</a:t>
-            </a:r>
-            <a:r>
-              <a:rPr lang="en-US" sz="2800" dirty="0"/>
-              <a:t> </a:t>
-            </a:r>
-          </a:p>
-          <a:p>
-            <a:pPr lvl="0"/>
-            <a:r>
-              <a:rPr lang="en-US" sz="2800" dirty="0" smtClean="0">
-                <a:solidFill>
-                  <a:schemeClr val="bg1">
-                    <a:lumMod val="50000"/>
-                  </a:schemeClr>
-                </a:solidFill>
-              </a:rPr>
-              <a:t>ARM-DSP Inter-Processor Communications</a:t>
-            </a:r>
-            <a:endParaRPr lang="en-US" sz="2800" dirty="0">
-              <a:solidFill>
-                <a:schemeClr val="bg1">
-                  <a:lumMod val="50000"/>
-                </a:schemeClr>
-              </a:solidFill>
-            </a:endParaRPr>
           </a:p>
         </p:txBody>
       </p:sp>
@@ -11300,156 +10910,6 @@
 </file>
 
 <file path=ppt/slides/slide20.xml><?xml version="1.0" encoding="utf-8"?>
-<p:sld xmlns:a="http://schemas.openxmlformats.org/drawingml/2006/main" xmlns:r="http://schemas.openxmlformats.org/officeDocument/2006/relationships" xmlns:p="http://schemas.openxmlformats.org/presentationml/2006/main">
-  <p:cSld>
-    <p:spTree>
-      <p:nvGrpSpPr>
-        <p:cNvPr id="1" name=""/>
-        <p:cNvGrpSpPr/>
-        <p:nvPr/>
-      </p:nvGrpSpPr>
-      <p:grpSpPr>
-        <a:xfrm>
-          <a:off x="0" y="0"/>
-          <a:ext cx="0" cy="0"/>
-          <a:chOff x="0" y="0"/>
-          <a:chExt cx="0" cy="0"/>
-        </a:xfrm>
-      </p:grpSpPr>
-      <p:sp>
-        <p:nvSpPr>
-          <p:cNvPr id="16386" name="Title 1"/>
-          <p:cNvSpPr>
-            <a:spLocks noGrp="1"/>
-          </p:cNvSpPr>
-          <p:nvPr>
-            <p:ph type="title"/>
-          </p:nvPr>
-        </p:nvSpPr>
-        <p:spPr>
-          <a:xfrm>
-            <a:off x="342900" y="0"/>
-            <a:ext cx="8458200" cy="923925"/>
-          </a:xfrm>
-        </p:spPr>
-        <p:txBody>
-          <a:bodyPr/>
-          <a:lstStyle/>
-          <a:p>
-            <a:r>
-              <a:rPr lang="en-US" b="1" dirty="0" smtClean="0"/>
-              <a:t>Keystone II RM - Services</a:t>
-            </a:r>
-          </a:p>
-        </p:txBody>
-      </p:sp>
-      <p:sp>
-        <p:nvSpPr>
-          <p:cNvPr id="16387" name="Content Placeholder 2"/>
-          <p:cNvSpPr>
-            <a:spLocks noGrp="1"/>
-          </p:cNvSpPr>
-          <p:nvPr>
-            <p:ph idx="1"/>
-          </p:nvPr>
-        </p:nvSpPr>
-        <p:spPr>
-          <a:xfrm>
-            <a:off x="295275" y="838200"/>
-            <a:ext cx="8467725" cy="4953000"/>
-          </a:xfrm>
-        </p:spPr>
-        <p:txBody>
-          <a:bodyPr/>
-          <a:lstStyle/>
-          <a:p>
-            <a:r>
-              <a:rPr lang="en-US" sz="2400" dirty="0" smtClean="0"/>
-              <a:t>RM  Services:</a:t>
-            </a:r>
-          </a:p>
-          <a:p>
-            <a:pPr lvl="1"/>
-            <a:r>
-              <a:rPr lang="en-US" sz="2400" dirty="0" smtClean="0"/>
-              <a:t>Allocate (initialization, usage)</a:t>
-            </a:r>
-          </a:p>
-          <a:p>
-            <a:pPr lvl="1"/>
-            <a:r>
-              <a:rPr lang="en-US" sz="2400" dirty="0" smtClean="0"/>
-              <a:t>Free</a:t>
-            </a:r>
-          </a:p>
-          <a:p>
-            <a:pPr lvl="1"/>
-            <a:r>
-              <a:rPr lang="en-US" sz="2400" dirty="0" smtClean="0"/>
-              <a:t>Map resource(s) to NameServer name</a:t>
-            </a:r>
-          </a:p>
-          <a:p>
-            <a:pPr lvl="1"/>
-            <a:r>
-              <a:rPr lang="en-US" sz="2400" dirty="0" smtClean="0"/>
-              <a:t>Get resource(s) tied to existing NameServer name</a:t>
-            </a:r>
-          </a:p>
-          <a:p>
-            <a:pPr lvl="1"/>
-            <a:r>
-              <a:rPr lang="en-US" sz="2400" dirty="0" smtClean="0"/>
-              <a:t>Unmap resource(s) from existing NameServer name</a:t>
-            </a:r>
-          </a:p>
-          <a:p>
-            <a:r>
-              <a:rPr lang="en-US" sz="2400" dirty="0" smtClean="0"/>
-              <a:t>Non-blocking service requests directly return result</a:t>
-            </a:r>
-          </a:p>
-          <a:p>
-            <a:r>
-              <a:rPr lang="en-US" sz="2400" dirty="0" smtClean="0"/>
-              <a:t>Blocking service requests return ID to system</a:t>
-            </a:r>
-          </a:p>
-        </p:txBody>
-      </p:sp>
-      <p:sp>
-        <p:nvSpPr>
-          <p:cNvPr id="4" name="Slide Number Placeholder 3"/>
-          <p:cNvSpPr>
-            <a:spLocks noGrp="1"/>
-          </p:cNvSpPr>
-          <p:nvPr>
-            <p:ph type="sldNum" sz="quarter" idx="4"/>
-          </p:nvPr>
-        </p:nvSpPr>
-        <p:spPr/>
-        <p:txBody>
-          <a:bodyPr/>
-          <a:lstStyle/>
-          <a:p>
-            <a:fld id="{3144B24B-BAB1-431A-82C6-36E096187F50}" type="slidenum">
-              <a:rPr lang="en-US" smtClean="0"/>
-              <a:pPr/>
-              <a:t>20</a:t>
-            </a:fld>
-            <a:endParaRPr lang="en-US"/>
-          </a:p>
-        </p:txBody>
-      </p:sp>
-    </p:spTree>
-  </p:cSld>
-  <p:clrMapOvr>
-    <a:masterClrMapping/>
-  </p:clrMapOvr>
-</p:sld>
-</file>
-
-<file path=ppt/slides/slide21.xml><?xml version="1.0" encoding="utf-8"?>
 <p:sld xmlns:a="http://schemas.openxmlformats.org/drawingml/2006/main" xmlns:r="http://schemas.openxmlformats.org/officeDocument/2006/relationships" xmlns:p="http://schemas.openxmlformats.org/presentationml/2006/main">
   <p:cSld>
     <p:spTree>
@@ -11606,7 +11066,7 @@
             <a:fld id="{3144B24B-BAB1-431A-82C6-36E096187F50}" type="slidenum">
               <a:rPr lang="en-US" smtClean="0"/>
               <a:pPr/>
-              <a:t>21</a:t>
+              <a:t>20</a:t>
             </a:fld>
             <a:endParaRPr lang="en-US"/>
           </a:p>
@@ -11620,7 +11080,7 @@
 </p:sld>
 </file>
 
-<file path=ppt/slides/slide22.xml><?xml version="1.0" encoding="utf-8"?>
+<file path=ppt/slides/slide21.xml><?xml version="1.0" encoding="utf-8"?>
 <p:sld xmlns:a="http://schemas.openxmlformats.org/drawingml/2006/main" xmlns:r="http://schemas.openxmlformats.org/officeDocument/2006/relationships" xmlns:p="http://schemas.openxmlformats.org/presentationml/2006/main">
   <p:cSld>
     <p:spTree>
@@ -12061,9 +11521,80 @@
             <a:fld id="{3144B24B-BAB1-431A-82C6-36E096187F50}" type="slidenum">
               <a:rPr lang="en-US" smtClean="0"/>
               <a:pPr/>
-              <a:t>22</a:t>
+              <a:t>21</a:t>
             </a:fld>
             <a:endParaRPr lang="en-US"/>
+          </a:p>
+        </p:txBody>
+      </p:sp>
+    </p:spTree>
+  </p:cSld>
+  <p:clrMapOvr>
+    <a:masterClrMapping/>
+  </p:clrMapOvr>
+</p:sld>
+</file>
+
+<file path=ppt/slides/slide22.xml><?xml version="1.0" encoding="utf-8"?>
+<p:sld xmlns:a="http://schemas.openxmlformats.org/drawingml/2006/main" xmlns:r="http://schemas.openxmlformats.org/officeDocument/2006/relationships" xmlns:p="http://schemas.openxmlformats.org/presentationml/2006/main">
+  <p:cSld>
+    <p:spTree>
+      <p:nvGrpSpPr>
+        <p:cNvPr id="1" name=""/>
+        <p:cNvGrpSpPr/>
+        <p:nvPr/>
+      </p:nvGrpSpPr>
+      <p:grpSpPr>
+        <a:xfrm>
+          <a:off x="0" y="0"/>
+          <a:ext cx="0" cy="0"/>
+          <a:chOff x="0" y="0"/>
+          <a:chExt cx="0" cy="0"/>
+        </a:xfrm>
+      </p:grpSpPr>
+      <p:sp>
+        <p:nvSpPr>
+          <p:cNvPr id="2" name="Title 1"/>
+          <p:cNvSpPr>
+            <a:spLocks noGrp="1"/>
+          </p:cNvSpPr>
+          <p:nvPr>
+            <p:ph type="ctrTitle"/>
+          </p:nvPr>
+        </p:nvSpPr>
+        <p:spPr/>
+        <p:txBody>
+          <a:bodyPr/>
+          <a:lstStyle/>
+          <a:p>
+            <a:pPr lvl="0"/>
+            <a:r>
+              <a:rPr lang="en-US" dirty="0" smtClean="0"/>
+              <a:t>DSP CorePac CSL Layer</a:t>
+            </a:r>
+          </a:p>
+        </p:txBody>
+      </p:sp>
+      <p:sp>
+        <p:nvSpPr>
+          <p:cNvPr id="3" name="Subtitle 2"/>
+          <p:cNvSpPr>
+            <a:spLocks noGrp="1"/>
+          </p:cNvSpPr>
+          <p:nvPr>
+            <p:ph type="subTitle" idx="1"/>
+          </p:nvPr>
+        </p:nvSpPr>
+        <p:spPr/>
+        <p:txBody>
+          <a:bodyPr/>
+          <a:lstStyle/>
+          <a:p>
+            <a:r>
+              <a:rPr lang="en-US" dirty="0" smtClean="0"/>
+              <a:t>KeyStone Peripherals Usage</a:t>
+            </a:r>
+            <a:endParaRPr lang="en-US" dirty="0"/>
           </a:p>
         </p:txBody>
       </p:sp>
@@ -12099,7 +11630,260 @@
             <a:spLocks noGrp="1"/>
           </p:cNvSpPr>
           <p:nvPr>
-            <p:ph type="ctrTitle"/>
+            <p:ph type="title"/>
+          </p:nvPr>
+        </p:nvSpPr>
+        <p:spPr>
+          <a:xfrm>
+            <a:off x="457200" y="274638"/>
+            <a:ext cx="8229600" cy="639762"/>
+          </a:xfrm>
+        </p:spPr>
+        <p:txBody>
+          <a:bodyPr>
+            <a:noAutofit/>
+          </a:bodyPr>
+          <a:lstStyle/>
+          <a:p>
+            <a:r>
+              <a:rPr lang="en-US" sz="4000" b="1" dirty="0" smtClean="0"/>
+              <a:t>CSL Overview</a:t>
+            </a:r>
+            <a:endParaRPr lang="en-US" sz="4000" b="1" dirty="0"/>
+          </a:p>
+        </p:txBody>
+      </p:sp>
+      <p:sp>
+        <p:nvSpPr>
+          <p:cNvPr id="6" name="Content Placeholder 2"/>
+          <p:cNvSpPr txBox="1">
+            <a:spLocks/>
+          </p:cNvSpPr>
+          <p:nvPr/>
+        </p:nvSpPr>
+        <p:spPr>
+          <a:xfrm>
+            <a:off x="4358243" y="1142999"/>
+            <a:ext cx="4631377" cy="5305301"/>
+          </a:xfrm>
+          <a:prstGeom prst="rect">
+            <a:avLst/>
+          </a:prstGeom>
+        </p:spPr>
+        <p:txBody>
+          <a:bodyPr vert="horz" lIns="91440" tIns="45720" rIns="91440" bIns="45720" rtlCol="0">
+            <a:normAutofit fontScale="92500" lnSpcReduction="20000"/>
+          </a:bodyPr>
+          <a:lstStyle/>
+          <a:p>
+            <a:pPr marL="285750" indent="-285750">
+              <a:spcBef>
+                <a:spcPct val="20000"/>
+              </a:spcBef>
+              <a:buFont typeface="Arial" pitchFamily="34" charset="0"/>
+              <a:buChar char="•"/>
+            </a:pPr>
+            <a:r>
+              <a:rPr kumimoji="0" lang="en-US" sz="2800" b="0" i="0" u="none" strike="noStrike" kern="1200" cap="none" spc="0" normalizeH="0" baseline="0" noProof="0" dirty="0" smtClean="0">
+                <a:ln>
+                  <a:noFill/>
+                </a:ln>
+                <a:solidFill>
+                  <a:schemeClr val="tx1"/>
+                </a:solidFill>
+                <a:effectLst/>
+                <a:uLnTx/>
+                <a:uFillTx/>
+                <a:latin typeface="+mn-lt"/>
+                <a:ea typeface="+mn-ea"/>
+                <a:cs typeface="+mn-cs"/>
+              </a:rPr>
+              <a:t>(Almost)</a:t>
+            </a:r>
+            <a:r>
+              <a:rPr kumimoji="0" lang="en-US" sz="2800" b="0" i="0" u="none" strike="noStrike" kern="1200" cap="none" spc="0" normalizeH="0" noProof="0" dirty="0" smtClean="0">
+                <a:ln>
+                  <a:noFill/>
+                </a:ln>
+                <a:solidFill>
+                  <a:schemeClr val="tx1"/>
+                </a:solidFill>
+                <a:effectLst/>
+                <a:uLnTx/>
+                <a:uFillTx/>
+                <a:latin typeface="+mn-lt"/>
+                <a:ea typeface="+mn-ea"/>
+                <a:cs typeface="+mn-cs"/>
+              </a:rPr>
+              <a:t> All peripherals are controlled by Memory </a:t>
+            </a:r>
+            <a:r>
+              <a:rPr lang="en-US" sz="2800" dirty="0" smtClean="0"/>
+              <a:t>M</a:t>
+            </a:r>
+            <a:r>
+              <a:rPr kumimoji="0" lang="en-US" sz="2800" b="0" i="0" u="none" strike="noStrike" kern="1200" cap="none" spc="0" normalizeH="0" noProof="0" dirty="0" err="1" smtClean="0">
+                <a:ln>
+                  <a:noFill/>
+                </a:ln>
+                <a:solidFill>
+                  <a:schemeClr val="tx1"/>
+                </a:solidFill>
+                <a:effectLst/>
+                <a:uLnTx/>
+                <a:uFillTx/>
+                <a:latin typeface="+mn-lt"/>
+                <a:ea typeface="+mn-ea"/>
+                <a:cs typeface="+mn-cs"/>
+              </a:rPr>
+              <a:t>apped</a:t>
+            </a:r>
+            <a:r>
+              <a:rPr kumimoji="0" lang="en-US" sz="2800" b="0" i="0" u="none" strike="noStrike" kern="1200" cap="none" spc="0" normalizeH="0" noProof="0" dirty="0" smtClean="0">
+                <a:ln>
+                  <a:noFill/>
+                </a:ln>
+                <a:solidFill>
+                  <a:schemeClr val="tx1"/>
+                </a:solidFill>
+                <a:effectLst/>
+                <a:uLnTx/>
+                <a:uFillTx/>
+                <a:latin typeface="+mn-lt"/>
+                <a:ea typeface="+mn-ea"/>
+                <a:cs typeface="+mn-cs"/>
+              </a:rPr>
+              <a:t> Registers (MMR).</a:t>
+            </a:r>
+          </a:p>
+          <a:p>
+            <a:pPr marL="285750" indent="-285750">
+              <a:spcBef>
+                <a:spcPct val="20000"/>
+              </a:spcBef>
+              <a:buFont typeface="Arial" pitchFamily="34" charset="0"/>
+              <a:buChar char="•"/>
+            </a:pPr>
+            <a:r>
+              <a:rPr lang="en-US" sz="2800" noProof="0" dirty="0" smtClean="0"/>
+              <a:t>MMR may have different address in different (future) devices.</a:t>
+            </a:r>
+          </a:p>
+          <a:p>
+            <a:pPr marL="285750" indent="-285750">
+              <a:spcBef>
+                <a:spcPct val="20000"/>
+              </a:spcBef>
+              <a:buFont typeface="Arial" pitchFamily="34" charset="0"/>
+              <a:buChar char="•"/>
+            </a:pPr>
+            <a:r>
+              <a:rPr lang="en-US" sz="2800" dirty="0" smtClean="0"/>
+              <a:t>CSL has two layers:</a:t>
+            </a:r>
+          </a:p>
+          <a:p>
+            <a:pPr marL="742950" lvl="1" indent="-285750">
+              <a:spcBef>
+                <a:spcPct val="20000"/>
+              </a:spcBef>
+              <a:buFont typeface="Arial" pitchFamily="34" charset="0"/>
+              <a:buChar char="•"/>
+            </a:pPr>
+            <a:r>
+              <a:rPr lang="en-US" sz="2800" dirty="0" smtClean="0"/>
+              <a:t>The first layer assigns a standard name to MMR.</a:t>
+            </a:r>
+          </a:p>
+          <a:p>
+            <a:pPr marL="742950" lvl="1" indent="-285750">
+              <a:spcBef>
+                <a:spcPct val="20000"/>
+              </a:spcBef>
+              <a:buFont typeface="Arial" pitchFamily="34" charset="0"/>
+              <a:buChar char="•"/>
+            </a:pPr>
+            <a:r>
+              <a:rPr lang="en-US" sz="2800" dirty="0" smtClean="0"/>
+              <a:t>The second layer is a set of functions to manipulate these registers.</a:t>
+            </a:r>
+          </a:p>
+          <a:p>
+            <a:pPr marL="285750" indent="-285750">
+              <a:spcBef>
+                <a:spcPct val="20000"/>
+              </a:spcBef>
+              <a:buFont typeface="Arial" pitchFamily="34" charset="0"/>
+              <a:buChar char="•"/>
+            </a:pPr>
+            <a:r>
+              <a:rPr lang="en-US" sz="2800" noProof="0" dirty="0" smtClean="0"/>
+              <a:t>Application needs only to know the API of the CSL functions.</a:t>
+            </a:r>
+          </a:p>
+          <a:p>
+            <a:pPr marL="285750" indent="-285750">
+              <a:spcBef>
+                <a:spcPct val="20000"/>
+              </a:spcBef>
+              <a:buFont typeface="Arial" pitchFamily="34" charset="0"/>
+              <a:buChar char="–"/>
+            </a:pPr>
+            <a:endParaRPr lang="en-US" sz="2800" noProof="0" dirty="0" smtClean="0"/>
+          </a:p>
+          <a:p>
+            <a:pPr marL="285750" indent="-285750">
+              <a:spcBef>
+                <a:spcPct val="20000"/>
+              </a:spcBef>
+              <a:buFont typeface="Arial" pitchFamily="34" charset="0"/>
+              <a:buChar char="–"/>
+            </a:pPr>
+            <a:endParaRPr kumimoji="0" lang="en-US" sz="2800" b="0" i="0" u="none" strike="noStrike" kern="1200" cap="none" spc="0" normalizeH="0" baseline="0" noProof="0" dirty="0">
+              <a:ln>
+                <a:noFill/>
+              </a:ln>
+              <a:solidFill>
+                <a:schemeClr val="tx1"/>
+              </a:solidFill>
+              <a:effectLst/>
+              <a:uLnTx/>
+              <a:uFillTx/>
+              <a:latin typeface="+mn-lt"/>
+              <a:ea typeface="+mn-ea"/>
+              <a:cs typeface="+mn-cs"/>
+            </a:endParaRPr>
+          </a:p>
+        </p:txBody>
+      </p:sp>
+      <p:graphicFrame>
+        <p:nvGraphicFramePr>
+          <p:cNvPr id="7" name="Object 6"/>
+          <p:cNvGraphicFramePr>
+            <a:graphicFrameLocks noChangeAspect="1"/>
+          </p:cNvGraphicFramePr>
+          <p:nvPr/>
+        </p:nvGraphicFramePr>
+        <p:xfrm>
+          <a:off x="228600" y="1143000"/>
+          <a:ext cx="3927166" cy="5119687"/>
+        </p:xfrm>
+        <a:graphic>
+          <a:graphicData uri="http://schemas.openxmlformats.org/presentationml/2006/ole">
+            <p:oleObj spid="_x0000_s1026" name="Visio" r:id="rId3" imgW="4511040" imgH="5882420" progId="Visio.Drawing.11">
+              <p:embed/>
+            </p:oleObj>
+          </a:graphicData>
+        </a:graphic>
+      </p:graphicFrame>
+      <p:sp>
+        <p:nvSpPr>
+          <p:cNvPr id="5" name="Slide Number Placeholder 4"/>
+          <p:cNvSpPr>
+            <a:spLocks noGrp="1"/>
+          </p:cNvSpPr>
+          <p:nvPr>
+            <p:ph type="sldNum" sz="quarter" idx="4"/>
           </p:nvPr>
         </p:nvSpPr>
         <p:spPr/>
@@ -12107,34 +11891,12 @@
           <a:bodyPr/>
           <a:lstStyle/>
           <a:p>
-            <a:pPr lvl="0"/>
-            <a:r>
-              <a:rPr lang="en-US" dirty="0" smtClean="0"/>
-              <a:t>DSP CorePac CSL Layer</a:t>
-            </a:r>
-          </a:p>
-        </p:txBody>
-      </p:sp>
-      <p:sp>
-        <p:nvSpPr>
-          <p:cNvPr id="3" name="Subtitle 2"/>
-          <p:cNvSpPr>
-            <a:spLocks noGrp="1"/>
-          </p:cNvSpPr>
-          <p:nvPr>
-            <p:ph type="subTitle" idx="1"/>
-          </p:nvPr>
-        </p:nvSpPr>
-        <p:spPr/>
-        <p:txBody>
-          <a:bodyPr/>
-          <a:lstStyle/>
-          <a:p>
-            <a:r>
-              <a:rPr lang="en-US" dirty="0" smtClean="0"/>
-              <a:t>KeyStone Peripherals Usage</a:t>
-            </a:r>
-            <a:endParaRPr lang="en-US" dirty="0"/>
+            <a:fld id="{3144B24B-BAB1-431A-82C6-36E096187F50}" type="slidenum">
+              <a:rPr lang="en-US" smtClean="0"/>
+              <a:pPr/>
+              <a:t>23</a:t>
+            </a:fld>
+            <a:endParaRPr lang="en-US"/>
           </a:p>
         </p:txBody>
       </p:sp>
@@ -12186,239 +11948,103 @@
           <a:lstStyle/>
           <a:p>
             <a:r>
-              <a:rPr lang="en-US" sz="4000" b="1" dirty="0" smtClean="0"/>
-              <a:t>CSL Overview</a:t>
-            </a:r>
-            <a:endParaRPr lang="en-US" sz="4000" b="1" dirty="0"/>
+              <a:rPr lang="en-US" sz="4000" dirty="0" smtClean="0"/>
+              <a:t>CSL Registers #define</a:t>
+            </a:r>
+            <a:endParaRPr lang="en-US" sz="4000" dirty="0"/>
           </a:p>
         </p:txBody>
       </p:sp>
       <p:sp>
         <p:nvSpPr>
-          <p:cNvPr id="6" name="Content Placeholder 2"/>
-          <p:cNvSpPr txBox="1">
-            <a:spLocks/>
+          <p:cNvPr id="3" name="Content Placeholder 2"/>
+          <p:cNvSpPr>
+            <a:spLocks noGrp="1"/>
           </p:cNvSpPr>
-          <p:nvPr/>
+          <p:nvPr>
+            <p:ph idx="1"/>
+          </p:nvPr>
         </p:nvSpPr>
         <p:spPr>
           <a:xfrm>
-            <a:off x="4358243" y="1142999"/>
-            <a:ext cx="4631377" cy="5305301"/>
+            <a:off x="381000" y="1143000"/>
+            <a:ext cx="8229600" cy="5181600"/>
           </a:xfrm>
-          <a:prstGeom prst="rect">
-            <a:avLst/>
-          </a:prstGeom>
         </p:spPr>
         <p:txBody>
-          <a:bodyPr vert="horz" lIns="91440" tIns="45720" rIns="91440" bIns="45720" rtlCol="0">
-            <a:normAutofit fontScale="92500" lnSpcReduction="20000"/>
+          <a:bodyPr>
+            <a:normAutofit lnSpcReduction="10000"/>
           </a:bodyPr>
           <a:lstStyle/>
           <a:p>
-            <a:pPr marL="285750" indent="-285750">
-              <a:spcBef>
-                <a:spcPct val="20000"/>
-              </a:spcBef>
-              <a:buFont typeface="Arial" pitchFamily="34" charset="0"/>
-              <a:buChar char="•"/>
+            <a:r>
+              <a:rPr lang="en-US" dirty="0" smtClean="0"/>
+              <a:t>MMR address depends on the device family. Currently there are two families.</a:t>
+            </a:r>
+          </a:p>
+          <a:p>
+            <a:r>
+              <a:rPr lang="en-US" dirty="0" smtClean="0"/>
+              <a:t>The include file and device-specific CSL files are located here:</a:t>
+            </a:r>
+          </a:p>
+          <a:p>
+            <a:pPr lvl="1"/>
+            <a:r>
+              <a:rPr lang="en-US" sz="2000" dirty="0" smtClean="0"/>
+              <a:t>pdk_keystone2_X_XX_XX_XX\packages\ti\csl\device\k2H</a:t>
+            </a:r>
+          </a:p>
+          <a:p>
+            <a:pPr lvl="1"/>
+            <a:r>
+              <a:rPr lang="en-US" sz="2000" dirty="0" smtClean="0"/>
+              <a:t>pdk_keystone2_X_XX_XX_XX\packages\ti\csl\device\k2E</a:t>
+            </a:r>
+          </a:p>
+          <a:p>
+            <a:r>
+              <a:rPr lang="en-US" sz="2400" dirty="0" smtClean="0"/>
+              <a:t>The include file cslr_device.h contains the address definitions of the MMR**</a:t>
+            </a:r>
+          </a:p>
+          <a:p>
+            <a:endParaRPr lang="en-US" sz="2400" dirty="0" smtClean="0"/>
+          </a:p>
+          <a:p>
+            <a:endParaRPr lang="en-US" sz="2400" dirty="0" smtClean="0"/>
+          </a:p>
+          <a:p>
+            <a:pPr>
+              <a:buNone/>
             </a:pPr>
             <a:r>
-              <a:rPr kumimoji="0" lang="en-US" sz="2800" b="0" i="0" u="none" strike="noStrike" kern="1200" cap="none" spc="0" normalizeH="0" baseline="0" noProof="0" dirty="0" smtClean="0">
-                <a:ln>
-                  <a:noFill/>
-                </a:ln>
-                <a:solidFill>
-                  <a:schemeClr val="tx1"/>
-                </a:solidFill>
-                <a:effectLst/>
-                <a:uLnTx/>
-                <a:uFillTx/>
-                <a:latin typeface="+mn-lt"/>
-                <a:ea typeface="+mn-ea"/>
-                <a:cs typeface="+mn-cs"/>
-              </a:rPr>
-              <a:t>(Almost)</a:t>
-            </a:r>
-            <a:r>
-              <a:rPr kumimoji="0" lang="en-US" sz="2800" b="0" i="0" u="none" strike="noStrike" kern="1200" cap="none" spc="0" normalizeH="0" noProof="0" dirty="0" smtClean="0">
-                <a:ln>
-                  <a:noFill/>
-                </a:ln>
-                <a:solidFill>
-                  <a:schemeClr val="tx1"/>
-                </a:solidFill>
-                <a:effectLst/>
-                <a:uLnTx/>
-                <a:uFillTx/>
-                <a:latin typeface="+mn-lt"/>
-                <a:ea typeface="+mn-ea"/>
-                <a:cs typeface="+mn-cs"/>
-              </a:rPr>
-              <a:t> All peripherals are controlled by Memory </a:t>
-            </a:r>
-            <a:r>
-              <a:rPr lang="en-US" sz="2800" dirty="0" smtClean="0"/>
-              <a:t>M</a:t>
-            </a:r>
-            <a:r>
-              <a:rPr kumimoji="0" lang="en-US" sz="2800" b="0" i="0" u="none" strike="noStrike" kern="1200" cap="none" spc="0" normalizeH="0" noProof="0" dirty="0" err="1" smtClean="0">
-                <a:ln>
-                  <a:noFill/>
-                </a:ln>
-                <a:solidFill>
-                  <a:schemeClr val="tx1"/>
-                </a:solidFill>
-                <a:effectLst/>
-                <a:uLnTx/>
-                <a:uFillTx/>
-                <a:latin typeface="+mn-lt"/>
-                <a:ea typeface="+mn-ea"/>
-                <a:cs typeface="+mn-cs"/>
-              </a:rPr>
-              <a:t>apped</a:t>
-            </a:r>
-            <a:r>
-              <a:rPr kumimoji="0" lang="en-US" sz="2800" b="0" i="0" u="none" strike="noStrike" kern="1200" cap="none" spc="0" normalizeH="0" noProof="0" dirty="0" smtClean="0">
-                <a:ln>
-                  <a:noFill/>
-                </a:ln>
-                <a:solidFill>
-                  <a:schemeClr val="tx1"/>
-                </a:solidFill>
-                <a:effectLst/>
-                <a:uLnTx/>
-                <a:uFillTx/>
-                <a:latin typeface="+mn-lt"/>
-                <a:ea typeface="+mn-ea"/>
-                <a:cs typeface="+mn-cs"/>
-              </a:rPr>
-              <a:t> Registers (MMR).</a:t>
-            </a:r>
-          </a:p>
-          <a:p>
-            <a:pPr marL="285750" indent="-285750">
-              <a:spcBef>
-                <a:spcPct val="20000"/>
-              </a:spcBef>
-              <a:buFont typeface="Arial" pitchFamily="34" charset="0"/>
-              <a:buChar char="•"/>
-            </a:pPr>
-            <a:r>
-              <a:rPr lang="en-US" sz="2800" noProof="0" dirty="0" smtClean="0"/>
-              <a:t>MMR may have different address in different (future) devices.</a:t>
-            </a:r>
-          </a:p>
-          <a:p>
-            <a:pPr marL="285750" indent="-285750">
-              <a:spcBef>
-                <a:spcPct val="20000"/>
-              </a:spcBef>
-              <a:buFont typeface="Arial" pitchFamily="34" charset="0"/>
-              <a:buChar char="•"/>
-            </a:pPr>
-            <a:r>
-              <a:rPr lang="en-US" sz="2800" dirty="0" smtClean="0"/>
-              <a:t>CSL has two layers:</a:t>
-            </a:r>
-          </a:p>
-          <a:p>
-            <a:pPr marL="742950" lvl="1" indent="-285750">
-              <a:spcBef>
-                <a:spcPct val="20000"/>
-              </a:spcBef>
-              <a:buFont typeface="Arial" pitchFamily="34" charset="0"/>
-              <a:buChar char="•"/>
-            </a:pPr>
-            <a:r>
-              <a:rPr lang="en-US" sz="2800" dirty="0" smtClean="0"/>
-              <a:t>The first layer assigns a standard name to MMR.</a:t>
-            </a:r>
-          </a:p>
-          <a:p>
-            <a:pPr marL="742950" lvl="1" indent="-285750">
-              <a:spcBef>
-                <a:spcPct val="20000"/>
-              </a:spcBef>
-              <a:buFont typeface="Arial" pitchFamily="34" charset="0"/>
-              <a:buChar char="•"/>
-            </a:pPr>
-            <a:r>
-              <a:rPr lang="en-US" sz="2800" dirty="0" smtClean="0"/>
-              <a:t>The second layer is a set of functions to manipulate these registers.</a:t>
-            </a:r>
-          </a:p>
-          <a:p>
-            <a:pPr marL="285750" indent="-285750">
-              <a:spcBef>
-                <a:spcPct val="20000"/>
-              </a:spcBef>
-              <a:buFont typeface="Arial" pitchFamily="34" charset="0"/>
-              <a:buChar char="•"/>
-            </a:pPr>
-            <a:r>
-              <a:rPr lang="en-US" sz="2800" noProof="0" dirty="0" smtClean="0"/>
-              <a:t>Application needs only to know the API of the CSL functions.</a:t>
-            </a:r>
-          </a:p>
-          <a:p>
-            <a:pPr marL="285750" indent="-285750">
-              <a:spcBef>
-                <a:spcPct val="20000"/>
-              </a:spcBef>
-              <a:buFont typeface="Arial" pitchFamily="34" charset="0"/>
-              <a:buChar char="–"/>
-            </a:pPr>
-            <a:endParaRPr lang="en-US" sz="2800" noProof="0" dirty="0" smtClean="0"/>
-          </a:p>
-          <a:p>
-            <a:pPr marL="285750" indent="-285750">
-              <a:spcBef>
-                <a:spcPct val="20000"/>
-              </a:spcBef>
-              <a:buFont typeface="Arial" pitchFamily="34" charset="0"/>
-              <a:buChar char="–"/>
-            </a:pPr>
-            <a:endParaRPr kumimoji="0" lang="en-US" sz="2800" b="0" i="0" u="none" strike="noStrike" kern="1200" cap="none" spc="0" normalizeH="0" baseline="0" noProof="0" dirty="0">
-              <a:ln>
-                <a:noFill/>
-              </a:ln>
-              <a:solidFill>
-                <a:schemeClr val="tx1"/>
-              </a:solidFill>
-              <a:effectLst/>
-              <a:uLnTx/>
-              <a:uFillTx/>
-              <a:latin typeface="+mn-lt"/>
-              <a:ea typeface="+mn-ea"/>
-              <a:cs typeface="+mn-cs"/>
-            </a:endParaRPr>
+              <a:rPr lang="en-US" sz="2400" dirty="0" smtClean="0"/>
+              <a:t>** In KeyStone 1 releases, the file cslr_device.h is here:  pdk_c6678_X_XX_XX_XX\packages\</a:t>
+            </a:r>
+            <a:r>
+              <a:rPr lang="en-US" sz="2400" dirty="0" err="1" smtClean="0"/>
+              <a:t>ti</a:t>
+            </a:r>
+            <a:r>
+              <a:rPr lang="en-US" sz="2400" dirty="0" smtClean="0"/>
+              <a:t>\</a:t>
+            </a:r>
+            <a:r>
+              <a:rPr lang="en-US" sz="2400" dirty="0" err="1" smtClean="0"/>
+              <a:t>csl</a:t>
+            </a:r>
+            <a:endParaRPr lang="en-US" sz="2400" dirty="0" smtClean="0"/>
+          </a:p>
+          <a:p>
+            <a:pPr lvl="1"/>
+            <a:endParaRPr lang="en-US" sz="2000" dirty="0"/>
           </a:p>
         </p:txBody>
       </p:sp>
-      <p:graphicFrame>
-        <p:nvGraphicFramePr>
-          <p:cNvPr id="7" name="Object 6"/>
-          <p:cNvGraphicFramePr>
-            <a:graphicFrameLocks noChangeAspect="1"/>
-          </p:cNvGraphicFramePr>
-          <p:nvPr/>
-        </p:nvGraphicFramePr>
-        <p:xfrm>
-          <a:off x="228600" y="1143000"/>
-          <a:ext cx="3927166" cy="5119687"/>
-        </p:xfrm>
-        <a:graphic>
-          <a:graphicData uri="http://schemas.openxmlformats.org/presentationml/2006/ole">
-            <p:oleObj spid="_x0000_s1026" name="Visio" r:id="rId3" imgW="4511040" imgH="5882420" progId="Visio.Drawing.11">
-              <p:embed/>
-            </p:oleObj>
-          </a:graphicData>
-        </a:graphic>
-      </p:graphicFrame>
       <p:sp>
         <p:nvSpPr>
-          <p:cNvPr id="5" name="Slide Number Placeholder 4"/>
+          <p:cNvPr id="4" name="Slide Number Placeholder 3"/>
           <p:cNvSpPr>
             <a:spLocks noGrp="1"/>
           </p:cNvSpPr>
@@ -12478,7 +12104,7 @@
         <p:spPr>
           <a:xfrm>
             <a:off x="457200" y="274638"/>
-            <a:ext cx="8229600" cy="639762"/>
+            <a:ext cx="8229600" cy="563562"/>
           </a:xfrm>
         </p:spPr>
         <p:txBody>
@@ -12488,103 +12114,139 @@
           <a:lstStyle/>
           <a:p>
             <a:r>
-              <a:rPr lang="en-US" sz="4000" dirty="0" smtClean="0"/>
-              <a:t>CSL Registers #define</a:t>
-            </a:r>
-            <a:endParaRPr lang="en-US" sz="4000" dirty="0"/>
+              <a:rPr lang="en-US" sz="3600" b="1" dirty="0" err="1" smtClean="0"/>
+              <a:t>cslr_device.h</a:t>
+            </a:r>
+            <a:r>
+              <a:rPr lang="en-US" sz="3600" b="1" dirty="0" smtClean="0"/>
+              <a:t> </a:t>
+            </a:r>
+            <a:endParaRPr lang="en-US" sz="3600" b="1" dirty="0"/>
           </a:p>
         </p:txBody>
       </p:sp>
       <p:sp>
         <p:nvSpPr>
-          <p:cNvPr id="3" name="Content Placeholder 2"/>
-          <p:cNvSpPr>
-            <a:spLocks noGrp="1"/>
-          </p:cNvSpPr>
-          <p:nvPr>
-            <p:ph idx="1"/>
-          </p:nvPr>
+          <p:cNvPr id="4" name="Rectangle 3"/>
+          <p:cNvSpPr/>
+          <p:nvPr/>
         </p:nvSpPr>
         <p:spPr>
           <a:xfrm>
-            <a:off x="381000" y="1143000"/>
-            <a:ext cx="8229600" cy="5181600"/>
+            <a:off x="762000" y="1371600"/>
+            <a:ext cx="7239000" cy="4524315"/>
           </a:xfrm>
+          <a:prstGeom prst="rect">
+            <a:avLst/>
+          </a:prstGeom>
         </p:spPr>
         <p:txBody>
-          <a:bodyPr>
-            <a:normAutofit lnSpcReduction="10000"/>
+          <a:bodyPr wrap="square">
+            <a:spAutoFit/>
           </a:bodyPr>
           <a:lstStyle/>
           <a:p>
             <a:r>
               <a:rPr lang="en-US" dirty="0" smtClean="0"/>
-              <a:t>MMR address depends on the device family. Currently there are two families.</a:t>
+              <a:t>#define CSL_TAC_BEI_CFG_REGS  (0x02580000 + 0x8000)</a:t>
             </a:r>
           </a:p>
           <a:p>
             <a:r>
               <a:rPr lang="en-US" dirty="0" smtClean="0"/>
-              <a:t>The include file and device-specific CSL files are located here:</a:t>
-            </a:r>
-          </a:p>
-          <a:p>
-            <a:pPr lvl="1"/>
-            <a:r>
-              <a:rPr lang="en-US" sz="2000" dirty="0" smtClean="0"/>
-              <a:t>pdk_keystone2_X_XX_XX_XX\packages\ti\csl\device\k2H</a:t>
-            </a:r>
-          </a:p>
-          <a:p>
-            <a:pPr lvl="1"/>
-            <a:r>
-              <a:rPr lang="en-US" sz="2000" dirty="0" smtClean="0"/>
-              <a:t>pdk_keystone2_X_XX_XX_XX\packages\ti\csl\device\k2E</a:t>
-            </a:r>
-          </a:p>
-          <a:p>
-            <a:r>
-              <a:rPr lang="en-US" sz="2400" dirty="0" smtClean="0"/>
-              <a:t>The include file cslr_device.h contains the address definitions of the MMR**</a:t>
-            </a:r>
-          </a:p>
-          <a:p>
-            <a:endParaRPr lang="en-US" sz="2400" dirty="0" smtClean="0"/>
-          </a:p>
-          <a:p>
-            <a:endParaRPr lang="en-US" sz="2400" dirty="0" smtClean="0"/>
-          </a:p>
-          <a:p>
-            <a:pPr>
-              <a:buNone/>
-            </a:pPr>
-            <a:r>
-              <a:rPr lang="en-US" sz="2400" dirty="0" smtClean="0"/>
-              <a:t>** In KeyStone 1 releases, the file cslr_device.h is here:  pdk_c6678_X_XX_XX_XX\packages\</a:t>
-            </a:r>
-            <a:r>
-              <a:rPr lang="en-US" sz="2400" dirty="0" err="1" smtClean="0"/>
-              <a:t>ti</a:t>
-            </a:r>
-            <a:r>
-              <a:rPr lang="en-US" sz="2400" dirty="0" smtClean="0"/>
-              <a:t>\</a:t>
-            </a:r>
-            <a:r>
-              <a:rPr lang="en-US" sz="2400" dirty="0" err="1" smtClean="0"/>
-              <a:t>csl</a:t>
-            </a:r>
-            <a:endParaRPr lang="en-US" sz="2400" dirty="0" smtClean="0"/>
-          </a:p>
-          <a:p>
-            <a:pPr lvl="1"/>
-            <a:endParaRPr lang="en-US" sz="2000" dirty="0"/>
+              <a:t>#define CSL_TAC_SGCCP_0_CFG_REGS   (0x02580000 + 0x10000)</a:t>
+            </a:r>
+          </a:p>
+          <a:p>
+            <a:r>
+              <a:rPr lang="en-US" dirty="0" smtClean="0"/>
+              <a:t>#define CSL_TAC_SGCCP_1_CFG_REGS   (0x02580000 + 0x20000)</a:t>
+            </a:r>
+          </a:p>
+          <a:p>
+            <a:r>
+              <a:rPr lang="en-US" dirty="0" smtClean="0"/>
+              <a:t>#define CSL_TAC_SGCCP_2_CFG_REGS   (0x02580000 + 0x30000)</a:t>
+            </a:r>
+          </a:p>
+          <a:p>
+            <a:r>
+              <a:rPr lang="en-US" dirty="0" smtClean="0"/>
+              <a:t>#define CSL_TAC_SGCCP_3_CFG_REGS   (0x02580000 + 0x40000)</a:t>
+            </a:r>
+          </a:p>
+          <a:p>
+            <a:r>
+              <a:rPr lang="en-US" dirty="0" smtClean="0"/>
+              <a:t>#define CSL_CIC_0_REGS        (0x02600000)</a:t>
+            </a:r>
+          </a:p>
+          <a:p>
+            <a:r>
+              <a:rPr lang="en-US" dirty="0" smtClean="0"/>
+              <a:t>#define CSL_CIC_1_REGS        (0x02604000)</a:t>
+            </a:r>
+          </a:p>
+          <a:p>
+            <a:r>
+              <a:rPr lang="en-US" dirty="0" smtClean="0"/>
+              <a:t>#define CSL_CIC_2_REGS        (0x02608000)</a:t>
+            </a:r>
+          </a:p>
+          <a:p>
+            <a:r>
+              <a:rPr lang="en-US" dirty="0" smtClean="0"/>
+              <a:t>#define CSL_GPIO_CFG_REGS        (0x0260BF00)</a:t>
+            </a:r>
+          </a:p>
+          <a:p>
+            <a:r>
+              <a:rPr lang="en-US" dirty="0" smtClean="0"/>
+              <a:t>#define CSL_BOOT_CFG_REGS         (0x02620000)</a:t>
+            </a:r>
+          </a:p>
+          <a:p>
+            <a:r>
+              <a:rPr lang="en-US" dirty="0" smtClean="0"/>
+              <a:t>#define CSL_USB_SERDES_CFG_REGS             (0x02630000)</a:t>
+            </a:r>
+          </a:p>
+          <a:p>
+            <a:r>
+              <a:rPr lang="en-US" b="1" dirty="0" smtClean="0"/>
+              <a:t>#define CSL_SEMAPHORE_REGS        (0x02640000)</a:t>
+            </a:r>
+          </a:p>
+          <a:p>
+            <a:r>
+              <a:rPr lang="en-US" dirty="0" smtClean="0"/>
+              <a:t>#define CSL_USB_CFG_REGS        (0x02680000)</a:t>
+            </a:r>
+          </a:p>
+          <a:p>
+            <a:r>
+              <a:rPr lang="en-US" dirty="0" smtClean="0"/>
+              <a:t>#define CSL_EDMACC_0_REGS    (0x02700000)</a:t>
+            </a:r>
+          </a:p>
+          <a:p>
+            <a:r>
+              <a:rPr lang="en-US" dirty="0" smtClean="0"/>
+              <a:t>#define CSL_EDMACC_4_REGS    (0x02708000)</a:t>
+            </a:r>
+          </a:p>
+          <a:p>
+            <a:r>
+              <a:rPr lang="en-US" dirty="0" smtClean="0"/>
+              <a:t>#define CSL_EDMACC_1_REGS    (0x02720000)</a:t>
+            </a:r>
+            <a:endParaRPr lang="en-US" dirty="0"/>
           </a:p>
         </p:txBody>
       </p:sp>
       <p:sp>
         <p:nvSpPr>
-          <p:cNvPr id="4" name="Slide Number Placeholder 3"/>
+          <p:cNvPr id="5" name="Slide Number Placeholder 4"/>
           <p:cNvSpPr>
             <a:spLocks noGrp="1"/>
           </p:cNvSpPr>
@@ -12644,208 +12306,6 @@
         <p:spPr>
           <a:xfrm>
             <a:off x="457200" y="274638"/>
-            <a:ext cx="8229600" cy="563562"/>
-          </a:xfrm>
-        </p:spPr>
-        <p:txBody>
-          <a:bodyPr>
-            <a:noAutofit/>
-          </a:bodyPr>
-          <a:lstStyle/>
-          <a:p>
-            <a:r>
-              <a:rPr lang="en-US" sz="3600" b="1" dirty="0" err="1" smtClean="0"/>
-              <a:t>cslr_device.h</a:t>
-            </a:r>
-            <a:r>
-              <a:rPr lang="en-US" sz="3600" b="1" dirty="0" smtClean="0"/>
-              <a:t> </a:t>
-            </a:r>
-            <a:endParaRPr lang="en-US" sz="3600" b="1" dirty="0"/>
-          </a:p>
-        </p:txBody>
-      </p:sp>
-      <p:sp>
-        <p:nvSpPr>
-          <p:cNvPr id="4" name="Rectangle 3"/>
-          <p:cNvSpPr/>
-          <p:nvPr/>
-        </p:nvSpPr>
-        <p:spPr>
-          <a:xfrm>
-            <a:off x="762000" y="1371600"/>
-            <a:ext cx="7239000" cy="4524315"/>
-          </a:xfrm>
-          <a:prstGeom prst="rect">
-            <a:avLst/>
-          </a:prstGeom>
-        </p:spPr>
-        <p:txBody>
-          <a:bodyPr wrap="square">
-            <a:spAutoFit/>
-          </a:bodyPr>
-          <a:lstStyle/>
-          <a:p>
-            <a:r>
-              <a:rPr lang="en-US" dirty="0" smtClean="0"/>
-              <a:t>#define CSL_TAC_BEI_CFG_REGS  (0x02580000 + 0x8000)</a:t>
-            </a:r>
-          </a:p>
-          <a:p>
-            <a:r>
-              <a:rPr lang="en-US" dirty="0" smtClean="0"/>
-              <a:t>#define CSL_TAC_SGCCP_0_CFG_REGS   (0x02580000 + 0x10000)</a:t>
-            </a:r>
-          </a:p>
-          <a:p>
-            <a:r>
-              <a:rPr lang="en-US" dirty="0" smtClean="0"/>
-              <a:t>#define CSL_TAC_SGCCP_1_CFG_REGS   (0x02580000 + 0x20000)</a:t>
-            </a:r>
-          </a:p>
-          <a:p>
-            <a:r>
-              <a:rPr lang="en-US" dirty="0" smtClean="0"/>
-              <a:t>#define CSL_TAC_SGCCP_2_CFG_REGS   (0x02580000 + 0x30000)</a:t>
-            </a:r>
-          </a:p>
-          <a:p>
-            <a:r>
-              <a:rPr lang="en-US" dirty="0" smtClean="0"/>
-              <a:t>#define CSL_TAC_SGCCP_3_CFG_REGS   (0x02580000 + 0x40000)</a:t>
-            </a:r>
-          </a:p>
-          <a:p>
-            <a:r>
-              <a:rPr lang="en-US" dirty="0" smtClean="0"/>
-              <a:t>#define CSL_CIC_0_REGS        (0x02600000)</a:t>
-            </a:r>
-          </a:p>
-          <a:p>
-            <a:r>
-              <a:rPr lang="en-US" dirty="0" smtClean="0"/>
-              <a:t>#define CSL_CIC_1_REGS        (0x02604000)</a:t>
-            </a:r>
-          </a:p>
-          <a:p>
-            <a:r>
-              <a:rPr lang="en-US" dirty="0" smtClean="0"/>
-              <a:t>#define CSL_CIC_2_REGS        (0x02608000)</a:t>
-            </a:r>
-          </a:p>
-          <a:p>
-            <a:r>
-              <a:rPr lang="en-US" dirty="0" smtClean="0"/>
-              <a:t>#define CSL_GPIO_CFG_REGS        (0x0260BF00)</a:t>
-            </a:r>
-          </a:p>
-          <a:p>
-            <a:r>
-              <a:rPr lang="en-US" dirty="0" smtClean="0"/>
-              <a:t>#define CSL_BOOT_CFG_REGS         (0x02620000)</a:t>
-            </a:r>
-          </a:p>
-          <a:p>
-            <a:r>
-              <a:rPr lang="en-US" dirty="0" smtClean="0"/>
-              <a:t>#define CSL_USB_SERDES_CFG_REGS             (0x02630000)</a:t>
-            </a:r>
-          </a:p>
-          <a:p>
-            <a:r>
-              <a:rPr lang="en-US" b="1" dirty="0" smtClean="0"/>
-              <a:t>#define CSL_SEMAPHORE_REGS        (0x02640000)</a:t>
-            </a:r>
-          </a:p>
-          <a:p>
-            <a:r>
-              <a:rPr lang="en-US" dirty="0" smtClean="0"/>
-              <a:t>#define CSL_USB_CFG_REGS        (0x02680000)</a:t>
-            </a:r>
-          </a:p>
-          <a:p>
-            <a:r>
-              <a:rPr lang="en-US" dirty="0" smtClean="0"/>
-              <a:t>#define CSL_EDMACC_0_REGS    (0x02700000)</a:t>
-            </a:r>
-          </a:p>
-          <a:p>
-            <a:r>
-              <a:rPr lang="en-US" dirty="0" smtClean="0"/>
-              <a:t>#define CSL_EDMACC_4_REGS    (0x02708000)</a:t>
-            </a:r>
-          </a:p>
-          <a:p>
-            <a:r>
-              <a:rPr lang="en-US" dirty="0" smtClean="0"/>
-              <a:t>#define CSL_EDMACC_1_REGS    (0x02720000)</a:t>
-            </a:r>
-            <a:endParaRPr lang="en-US" dirty="0"/>
-          </a:p>
-        </p:txBody>
-      </p:sp>
-      <p:sp>
-        <p:nvSpPr>
-          <p:cNvPr id="5" name="Slide Number Placeholder 4"/>
-          <p:cNvSpPr>
-            <a:spLocks noGrp="1"/>
-          </p:cNvSpPr>
-          <p:nvPr>
-            <p:ph type="sldNum" sz="quarter" idx="4"/>
-          </p:nvPr>
-        </p:nvSpPr>
-        <p:spPr/>
-        <p:txBody>
-          <a:bodyPr/>
-          <a:lstStyle/>
-          <a:p>
-            <a:fld id="{3144B24B-BAB1-431A-82C6-36E096187F50}" type="slidenum">
-              <a:rPr lang="en-US" smtClean="0"/>
-              <a:pPr/>
-              <a:t>26</a:t>
-            </a:fld>
-            <a:endParaRPr lang="en-US"/>
-          </a:p>
-        </p:txBody>
-      </p:sp>
-    </p:spTree>
-  </p:cSld>
-  <p:clrMapOvr>
-    <a:masterClrMapping/>
-  </p:clrMapOvr>
-</p:sld>
-</file>
-
-<file path=ppt/slides/slide27.xml><?xml version="1.0" encoding="utf-8"?>
-<p:sld xmlns:a="http://schemas.openxmlformats.org/drawingml/2006/main" xmlns:r="http://schemas.openxmlformats.org/officeDocument/2006/relationships" xmlns:p="http://schemas.openxmlformats.org/presentationml/2006/main">
-  <p:cSld>
-    <p:spTree>
-      <p:nvGrpSpPr>
-        <p:cNvPr id="1" name=""/>
-        <p:cNvGrpSpPr/>
-        <p:nvPr/>
-      </p:nvGrpSpPr>
-      <p:grpSpPr>
-        <a:xfrm>
-          <a:off x="0" y="0"/>
-          <a:ext cx="0" cy="0"/>
-          <a:chOff x="0" y="0"/>
-          <a:chExt cx="0" cy="0"/>
-        </a:xfrm>
-      </p:grpSpPr>
-      <p:sp>
-        <p:nvSpPr>
-          <p:cNvPr id="2" name="Title 1"/>
-          <p:cNvSpPr>
-            <a:spLocks noGrp="1"/>
-          </p:cNvSpPr>
-          <p:nvPr>
-            <p:ph type="title"/>
-          </p:nvPr>
-        </p:nvSpPr>
-        <p:spPr>
-          <a:xfrm>
-            <a:off x="457200" y="274638"/>
             <a:ext cx="8229600" cy="868362"/>
           </a:xfrm>
         </p:spPr>
@@ -12948,7 +12408,7 @@
             <a:fld id="{3144B24B-BAB1-431A-82C6-36E096187F50}" type="slidenum">
               <a:rPr lang="en-US" smtClean="0"/>
               <a:pPr/>
-              <a:t>27</a:t>
+              <a:t>26</a:t>
             </a:fld>
             <a:endParaRPr lang="en-US"/>
           </a:p>
@@ -12962,7 +12422,7 @@
 </p:sld>
 </file>
 
-<file path=ppt/slides/slide28.xml><?xml version="1.0" encoding="utf-8"?>
+<file path=ppt/slides/slide27.xml><?xml version="1.0" encoding="utf-8"?>
 <p:sld xmlns:a="http://schemas.openxmlformats.org/drawingml/2006/main" xmlns:r="http://schemas.openxmlformats.org/officeDocument/2006/relationships" xmlns:p="http://schemas.openxmlformats.org/presentationml/2006/main">
   <p:cSld>
     <p:spTree>
@@ -13228,7 +12688,7 @@
             <a:fld id="{3144B24B-BAB1-431A-82C6-36E096187F50}" type="slidenum">
               <a:rPr lang="en-US" smtClean="0"/>
               <a:pPr/>
-              <a:t>28</a:t>
+              <a:t>27</a:t>
             </a:fld>
             <a:endParaRPr lang="en-US"/>
           </a:p>
@@ -13242,7 +12702,7 @@
 </p:sld>
 </file>
 
-<file path=ppt/slides/slide29.xml><?xml version="1.0" encoding="utf-8"?>
+<file path=ppt/slides/slide28.xml><?xml version="1.0" encoding="utf-8"?>
 <p:sld xmlns:a="http://schemas.openxmlformats.org/drawingml/2006/main" xmlns:r="http://schemas.openxmlformats.org/officeDocument/2006/relationships" xmlns:p="http://schemas.openxmlformats.org/presentationml/2006/main">
   <p:cSld>
     <p:spTree>
@@ -13363,6 +12823,197 @@
       <p:sp>
         <p:nvSpPr>
           <p:cNvPr id="4" name="Slide Number Placeholder 3"/>
+          <p:cNvSpPr>
+            <a:spLocks noGrp="1"/>
+          </p:cNvSpPr>
+          <p:nvPr>
+            <p:ph type="sldNum" sz="quarter" idx="4"/>
+          </p:nvPr>
+        </p:nvSpPr>
+        <p:spPr/>
+        <p:txBody>
+          <a:bodyPr/>
+          <a:lstStyle/>
+          <a:p>
+            <a:fld id="{3144B24B-BAB1-431A-82C6-36E096187F50}" type="slidenum">
+              <a:rPr lang="en-US" smtClean="0"/>
+              <a:pPr/>
+              <a:t>28</a:t>
+            </a:fld>
+            <a:endParaRPr lang="en-US"/>
+          </a:p>
+        </p:txBody>
+      </p:sp>
+    </p:spTree>
+  </p:cSld>
+  <p:clrMapOvr>
+    <a:masterClrMapping/>
+  </p:clrMapOvr>
+</p:sld>
+</file>
+
+<file path=ppt/slides/slide29.xml><?xml version="1.0" encoding="utf-8"?>
+<p:sld xmlns:a="http://schemas.openxmlformats.org/drawingml/2006/main" xmlns:r="http://schemas.openxmlformats.org/officeDocument/2006/relationships" xmlns:p="http://schemas.openxmlformats.org/presentationml/2006/main">
+  <p:cSld>
+    <p:spTree>
+      <p:nvGrpSpPr>
+        <p:cNvPr id="1" name=""/>
+        <p:cNvGrpSpPr/>
+        <p:nvPr/>
+      </p:nvGrpSpPr>
+      <p:grpSpPr>
+        <a:xfrm>
+          <a:off x="0" y="0"/>
+          <a:ext cx="0" cy="0"/>
+          <a:chOff x="0" y="0"/>
+          <a:chExt cx="0" cy="0"/>
+        </a:xfrm>
+      </p:grpSpPr>
+      <p:sp>
+        <p:nvSpPr>
+          <p:cNvPr id="4" name="Rectangle 3"/>
+          <p:cNvSpPr/>
+          <p:nvPr/>
+        </p:nvSpPr>
+        <p:spPr>
+          <a:xfrm>
+            <a:off x="249375" y="1662544"/>
+            <a:ext cx="8686800" cy="3574474"/>
+          </a:xfrm>
+          <a:prstGeom prst="rect">
+            <a:avLst/>
+          </a:prstGeom>
+        </p:spPr>
+        <p:txBody>
+          <a:bodyPr wrap="square">
+            <a:noAutofit/>
+          </a:bodyPr>
+          <a:lstStyle/>
+          <a:p>
+            <a:r>
+              <a:rPr lang="en-US" sz="2000" dirty="0" smtClean="0"/>
+              <a:t>/**@defgroup CSL_SEM_FUNCTION  SEM Functions@ingroup  CSL_SEM_API*/</a:t>
+            </a:r>
+          </a:p>
+          <a:p>
+            <a:r>
+              <a:rPr lang="en-US" sz="2000" dirty="0" smtClean="0"/>
+              <a:t>/**@addtogroup CSL_SEM_SYMBOL@{*/</a:t>
+            </a:r>
+          </a:p>
+          <a:p>
+            <a:r>
+              <a:rPr lang="en-US" sz="2000" dirty="0" smtClean="0"/>
+              <a:t>/** *  Handle to access SEM registers. */</a:t>
+            </a:r>
+          </a:p>
+          <a:p>
+            <a:endParaRPr lang="en-US" sz="2000" dirty="0" smtClean="0"/>
+          </a:p>
+          <a:p>
+            <a:endParaRPr lang="en-US" sz="2000" dirty="0" smtClean="0"/>
+          </a:p>
+          <a:p>
+            <a:r>
+              <a:rPr lang="en-US" sz="2000" dirty="0" smtClean="0"/>
+              <a:t>#define hSEM     ((CSL_SemRegs*)CSL_SEMAPHORE_REGS)</a:t>
+            </a:r>
+          </a:p>
+          <a:p>
+            <a:endParaRPr lang="en-US" sz="2000" dirty="0" smtClean="0"/>
+          </a:p>
+          <a:p>
+            <a:endParaRPr lang="en-US" sz="2000" dirty="0" smtClean="0"/>
+          </a:p>
+          <a:p>
+            <a:endParaRPr lang="en-US" sz="2000" dirty="0" smtClean="0"/>
+          </a:p>
+          <a:p>
+            <a:r>
+              <a:rPr lang="en-US" sz="2000" dirty="0" smtClean="0"/>
+              <a:t>/**@}*/</a:t>
+            </a:r>
+            <a:endParaRPr lang="en-US" sz="2000" dirty="0"/>
+          </a:p>
+        </p:txBody>
+      </p:sp>
+      <p:sp>
+        <p:nvSpPr>
+          <p:cNvPr id="5" name="Title 1"/>
+          <p:cNvSpPr txBox="1">
+            <a:spLocks/>
+          </p:cNvSpPr>
+          <p:nvPr/>
+        </p:nvSpPr>
+        <p:spPr>
+          <a:xfrm>
+            <a:off x="457200" y="274638"/>
+            <a:ext cx="8229600" cy="1173162"/>
+          </a:xfrm>
+          <a:prstGeom prst="rect">
+            <a:avLst/>
+          </a:prstGeom>
+        </p:spPr>
+        <p:txBody>
+          <a:bodyPr>
+            <a:noAutofit/>
+          </a:bodyPr>
+          <a:lstStyle/>
+          <a:p>
+            <a:pPr marL="0" marR="0" lvl="0" indent="0" algn="ctr" defTabSz="914400" rtl="0" eaLnBrk="1" fontAlgn="auto" latinLnBrk="0" hangingPunct="1">
+              <a:lnSpc>
+                <a:spcPct val="100000"/>
+              </a:lnSpc>
+              <a:spcBef>
+                <a:spcPct val="0"/>
+              </a:spcBef>
+              <a:spcAft>
+                <a:spcPts val="0"/>
+              </a:spcAft>
+              <a:buClrTx/>
+              <a:buSzTx/>
+              <a:buFontTx/>
+              <a:buNone/>
+              <a:tabLst/>
+              <a:defRPr/>
+            </a:pPr>
+            <a:r>
+              <a:rPr kumimoji="0" lang="en-US" sz="3600" b="1" i="0" u="none" strike="noStrike" kern="1200" cap="none" spc="0" normalizeH="0" baseline="0" noProof="0" dirty="0" err="1" smtClean="0">
+                <a:ln>
+                  <a:noFill/>
+                </a:ln>
+                <a:solidFill>
+                  <a:srgbClr val="DE0000"/>
+                </a:solidFill>
+                <a:effectLst/>
+                <a:uLnTx/>
+                <a:uFillTx/>
+                <a:latin typeface="+mj-lt"/>
+                <a:ea typeface="+mj-ea"/>
+                <a:cs typeface="+mj-cs"/>
+              </a:rPr>
+              <a:t>csl_sem.h</a:t>
+            </a:r>
+            <a:endParaRPr kumimoji="0" lang="en-US" sz="3600" b="1" i="0" u="none" strike="noStrike" kern="1200" cap="none" spc="0" normalizeH="0" baseline="0" noProof="0" dirty="0" smtClean="0">
+              <a:ln>
+                <a:noFill/>
+              </a:ln>
+              <a:solidFill>
+                <a:srgbClr val="DE0000"/>
+              </a:solidFill>
+              <a:effectLst/>
+              <a:uLnTx/>
+              <a:uFillTx/>
+              <a:latin typeface="+mj-lt"/>
+              <a:ea typeface="+mj-ea"/>
+              <a:cs typeface="+mj-cs"/>
+            </a:endParaRPr>
+          </a:p>
+        </p:txBody>
+      </p:sp>
+      <p:sp>
+        <p:nvSpPr>
+          <p:cNvPr id="6" name="Slide Number Placeholder 5"/>
           <p:cNvSpPr>
             <a:spLocks noGrp="1"/>
           </p:cNvSpPr>
@@ -13490,197 +13141,6 @@
       </p:grpSpPr>
       <p:sp>
         <p:nvSpPr>
-          <p:cNvPr id="4" name="Rectangle 3"/>
-          <p:cNvSpPr/>
-          <p:nvPr/>
-        </p:nvSpPr>
-        <p:spPr>
-          <a:xfrm>
-            <a:off x="249375" y="1662544"/>
-            <a:ext cx="8686800" cy="3574474"/>
-          </a:xfrm>
-          <a:prstGeom prst="rect">
-            <a:avLst/>
-          </a:prstGeom>
-        </p:spPr>
-        <p:txBody>
-          <a:bodyPr wrap="square">
-            <a:noAutofit/>
-          </a:bodyPr>
-          <a:lstStyle/>
-          <a:p>
-            <a:r>
-              <a:rPr lang="en-US" sz="2000" dirty="0" smtClean="0"/>
-              <a:t>/**@defgroup CSL_SEM_FUNCTION  SEM Functions@ingroup  CSL_SEM_API*/</a:t>
-            </a:r>
-          </a:p>
-          <a:p>
-            <a:r>
-              <a:rPr lang="en-US" sz="2000" dirty="0" smtClean="0"/>
-              <a:t>/**@addtogroup CSL_SEM_SYMBOL@{*/</a:t>
-            </a:r>
-          </a:p>
-          <a:p>
-            <a:r>
-              <a:rPr lang="en-US" sz="2000" dirty="0" smtClean="0"/>
-              <a:t>/** *  Handle to access SEM registers. */</a:t>
-            </a:r>
-          </a:p>
-          <a:p>
-            <a:endParaRPr lang="en-US" sz="2000" dirty="0" smtClean="0"/>
-          </a:p>
-          <a:p>
-            <a:endParaRPr lang="en-US" sz="2000" dirty="0" smtClean="0"/>
-          </a:p>
-          <a:p>
-            <a:r>
-              <a:rPr lang="en-US" sz="2000" dirty="0" smtClean="0"/>
-              <a:t>#define hSEM     ((CSL_SemRegs*)CSL_SEMAPHORE_REGS)</a:t>
-            </a:r>
-          </a:p>
-          <a:p>
-            <a:endParaRPr lang="en-US" sz="2000" dirty="0" smtClean="0"/>
-          </a:p>
-          <a:p>
-            <a:endParaRPr lang="en-US" sz="2000" dirty="0" smtClean="0"/>
-          </a:p>
-          <a:p>
-            <a:endParaRPr lang="en-US" sz="2000" dirty="0" smtClean="0"/>
-          </a:p>
-          <a:p>
-            <a:r>
-              <a:rPr lang="en-US" sz="2000" dirty="0" smtClean="0"/>
-              <a:t>/**@}*/</a:t>
-            </a:r>
-            <a:endParaRPr lang="en-US" sz="2000" dirty="0"/>
-          </a:p>
-        </p:txBody>
-      </p:sp>
-      <p:sp>
-        <p:nvSpPr>
-          <p:cNvPr id="5" name="Title 1"/>
-          <p:cNvSpPr txBox="1">
-            <a:spLocks/>
-          </p:cNvSpPr>
-          <p:nvPr/>
-        </p:nvSpPr>
-        <p:spPr>
-          <a:xfrm>
-            <a:off x="457200" y="274638"/>
-            <a:ext cx="8229600" cy="1173162"/>
-          </a:xfrm>
-          <a:prstGeom prst="rect">
-            <a:avLst/>
-          </a:prstGeom>
-        </p:spPr>
-        <p:txBody>
-          <a:bodyPr>
-            <a:noAutofit/>
-          </a:bodyPr>
-          <a:lstStyle/>
-          <a:p>
-            <a:pPr marL="0" marR="0" lvl="0" indent="0" algn="ctr" defTabSz="914400" rtl="0" eaLnBrk="1" fontAlgn="auto" latinLnBrk="0" hangingPunct="1">
-              <a:lnSpc>
-                <a:spcPct val="100000"/>
-              </a:lnSpc>
-              <a:spcBef>
-                <a:spcPct val="0"/>
-              </a:spcBef>
-              <a:spcAft>
-                <a:spcPts val="0"/>
-              </a:spcAft>
-              <a:buClrTx/>
-              <a:buSzTx/>
-              <a:buFontTx/>
-              <a:buNone/>
-              <a:tabLst/>
-              <a:defRPr/>
-            </a:pPr>
-            <a:r>
-              <a:rPr kumimoji="0" lang="en-US" sz="3600" b="1" i="0" u="none" strike="noStrike" kern="1200" cap="none" spc="0" normalizeH="0" baseline="0" noProof="0" dirty="0" err="1" smtClean="0">
-                <a:ln>
-                  <a:noFill/>
-                </a:ln>
-                <a:solidFill>
-                  <a:srgbClr val="DE0000"/>
-                </a:solidFill>
-                <a:effectLst/>
-                <a:uLnTx/>
-                <a:uFillTx/>
-                <a:latin typeface="+mj-lt"/>
-                <a:ea typeface="+mj-ea"/>
-                <a:cs typeface="+mj-cs"/>
-              </a:rPr>
-              <a:t>csl_sem.h</a:t>
-            </a:r>
-            <a:endParaRPr kumimoji="0" lang="en-US" sz="3600" b="1" i="0" u="none" strike="noStrike" kern="1200" cap="none" spc="0" normalizeH="0" baseline="0" noProof="0" dirty="0" smtClean="0">
-              <a:ln>
-                <a:noFill/>
-              </a:ln>
-              <a:solidFill>
-                <a:srgbClr val="DE0000"/>
-              </a:solidFill>
-              <a:effectLst/>
-              <a:uLnTx/>
-              <a:uFillTx/>
-              <a:latin typeface="+mj-lt"/>
-              <a:ea typeface="+mj-ea"/>
-              <a:cs typeface="+mj-cs"/>
-            </a:endParaRPr>
-          </a:p>
-        </p:txBody>
-      </p:sp>
-      <p:sp>
-        <p:nvSpPr>
-          <p:cNvPr id="6" name="Slide Number Placeholder 5"/>
-          <p:cNvSpPr>
-            <a:spLocks noGrp="1"/>
-          </p:cNvSpPr>
-          <p:nvPr>
-            <p:ph type="sldNum" sz="quarter" idx="4"/>
-          </p:nvPr>
-        </p:nvSpPr>
-        <p:spPr/>
-        <p:txBody>
-          <a:bodyPr/>
-          <a:lstStyle/>
-          <a:p>
-            <a:fld id="{3144B24B-BAB1-431A-82C6-36E096187F50}" type="slidenum">
-              <a:rPr lang="en-US" smtClean="0"/>
-              <a:pPr/>
-              <a:t>30</a:t>
-            </a:fld>
-            <a:endParaRPr lang="en-US"/>
-          </a:p>
-        </p:txBody>
-      </p:sp>
-    </p:spTree>
-  </p:cSld>
-  <p:clrMapOvr>
-    <a:masterClrMapping/>
-  </p:clrMapOvr>
-</p:sld>
-</file>
-
-<file path=ppt/slides/slide31.xml><?xml version="1.0" encoding="utf-8"?>
-<p:sld xmlns:a="http://schemas.openxmlformats.org/drawingml/2006/main" xmlns:r="http://schemas.openxmlformats.org/officeDocument/2006/relationships" xmlns:p="http://schemas.openxmlformats.org/presentationml/2006/main">
-  <p:cSld>
-    <p:spTree>
-      <p:nvGrpSpPr>
-        <p:cNvPr id="1" name=""/>
-        <p:cNvGrpSpPr/>
-        <p:nvPr/>
-      </p:nvGrpSpPr>
-      <p:grpSpPr>
-        <a:xfrm>
-          <a:off x="0" y="0"/>
-          <a:ext cx="0" cy="0"/>
-          <a:chOff x="0" y="0"/>
-          <a:chExt cx="0" cy="0"/>
-        </a:xfrm>
-      </p:grpSpPr>
-      <p:sp>
-        <p:nvSpPr>
           <p:cNvPr id="2" name="Rectangle 1"/>
           <p:cNvSpPr/>
           <p:nvPr/>
@@ -13895,7 +13355,7 @@
             <a:fld id="{3144B24B-BAB1-431A-82C6-36E096187F50}" type="slidenum">
               <a:rPr lang="en-US" smtClean="0"/>
               <a:pPr/>
-              <a:t>31</a:t>
+              <a:t>30</a:t>
             </a:fld>
             <a:endParaRPr lang="en-US"/>
           </a:p>
@@ -13909,7 +13369,7 @@
 </p:sld>
 </file>
 
-<file path=ppt/slides/slide32.xml><?xml version="1.0" encoding="utf-8"?>
+<file path=ppt/slides/slide31.xml><?xml version="1.0" encoding="utf-8"?>
 <p:sld xmlns:a="http://schemas.openxmlformats.org/drawingml/2006/main" xmlns:r="http://schemas.openxmlformats.org/officeDocument/2006/relationships" xmlns:p="http://schemas.openxmlformats.org/presentationml/2006/main">
   <p:cSld>
     <p:spTree>
@@ -14030,7 +13490,7 @@
             <a:fld id="{3144B24B-BAB1-431A-82C6-36E096187F50}" type="slidenum">
               <a:rPr lang="en-US" smtClean="0"/>
               <a:pPr/>
-              <a:t>32</a:t>
+              <a:t>31</a:t>
             </a:fld>
             <a:endParaRPr lang="en-US"/>
           </a:p>
@@ -14044,7 +13504,7 @@
 </p:sld>
 </file>
 
-<file path=ppt/slides/slide33.xml><?xml version="1.0" encoding="utf-8"?>
+<file path=ppt/slides/slide32.xml><?xml version="1.0" encoding="utf-8"?>
 <p:sld xmlns:a="http://schemas.openxmlformats.org/drawingml/2006/main" xmlns:r="http://schemas.openxmlformats.org/officeDocument/2006/relationships" xmlns:p="http://schemas.openxmlformats.org/presentationml/2006/main">
   <p:cSld>
     <p:spTree>
@@ -14213,7 +13673,7 @@
             <a:fld id="{3144B24B-BAB1-431A-82C6-36E096187F50}" type="slidenum">
               <a:rPr lang="en-US" smtClean="0"/>
               <a:pPr/>
-              <a:t>33</a:t>
+              <a:t>32</a:t>
             </a:fld>
             <a:endParaRPr lang="en-US"/>
           </a:p>
@@ -14227,7 +13687,7 @@
 </p:sld>
 </file>
 
-<file path=ppt/slides/slide34.xml><?xml version="1.0" encoding="utf-8"?>
+<file path=ppt/slides/slide33.xml><?xml version="1.0" encoding="utf-8"?>
 <p:sld xmlns:a="http://schemas.openxmlformats.org/drawingml/2006/main" xmlns:r="http://schemas.openxmlformats.org/officeDocument/2006/relationships" xmlns:p="http://schemas.openxmlformats.org/presentationml/2006/main">
   <p:cSld>
     <p:spTree>
@@ -14298,7 +13758,7 @@
 </p:sld>
 </file>
 
-<file path=ppt/slides/slide35.xml><?xml version="1.0" encoding="utf-8"?>
+<file path=ppt/slides/slide34.xml><?xml version="1.0" encoding="utf-8"?>
 <p:sld xmlns:a="http://schemas.openxmlformats.org/drawingml/2006/main" xmlns:r="http://schemas.openxmlformats.org/officeDocument/2006/relationships" xmlns:p="http://schemas.openxmlformats.org/presentationml/2006/main">
   <p:cSld>
     <p:spTree>
@@ -14537,7 +13997,7 @@
             <a:fld id="{3144B24B-BAB1-431A-82C6-36E096187F50}" type="slidenum">
               <a:rPr lang="en-US" smtClean="0"/>
               <a:pPr/>
-              <a:t>35</a:t>
+              <a:t>34</a:t>
             </a:fld>
             <a:endParaRPr lang="en-US"/>
           </a:p>
@@ -14551,7 +14011,7 @@
 </p:sld>
 </file>
 
-<file path=ppt/slides/slide36.xml><?xml version="1.0" encoding="utf-8"?>
+<file path=ppt/slides/slide35.xml><?xml version="1.0" encoding="utf-8"?>
 <p:sld xmlns:a="http://schemas.openxmlformats.org/drawingml/2006/main" xmlns:r="http://schemas.openxmlformats.org/officeDocument/2006/relationships" xmlns:p="http://schemas.openxmlformats.org/presentationml/2006/main">
   <p:cSld>
     <p:spTree>
@@ -14636,7 +14096,7 @@
             <a:fld id="{3144B24B-BAB1-431A-82C6-36E096187F50}" type="slidenum">
               <a:rPr lang="en-US" smtClean="0"/>
               <a:pPr/>
-              <a:t>36</a:t>
+              <a:t>35</a:t>
             </a:fld>
             <a:endParaRPr lang="en-US"/>
           </a:p>
@@ -14657,7 +14117,7 @@
 </p:sld>
 </file>
 
-<file path=ppt/slides/slide37.xml><?xml version="1.0" encoding="utf-8"?>
+<file path=ppt/slides/slide36.xml><?xml version="1.0" encoding="utf-8"?>
 <p:sld xmlns:a="http://schemas.openxmlformats.org/drawingml/2006/main" xmlns:r="http://schemas.openxmlformats.org/officeDocument/2006/relationships" xmlns:p="http://schemas.openxmlformats.org/presentationml/2006/main">
   <p:cSld>
     <p:spTree>
@@ -14791,7 +14251,7 @@
             <a:fld id="{3144B24B-BAB1-431A-82C6-36E096187F50}" type="slidenum">
               <a:rPr lang="en-US" smtClean="0"/>
               <a:pPr/>
-              <a:t>37</a:t>
+              <a:t>36</a:t>
             </a:fld>
             <a:endParaRPr lang="en-US"/>
           </a:p>
@@ -14805,7 +14265,7 @@
 </p:sld>
 </file>
 
-<file path=ppt/slides/slide38.xml><?xml version="1.0" encoding="utf-8"?>
+<file path=ppt/slides/slide37.xml><?xml version="1.0" encoding="utf-8"?>
 <p:sld xmlns:a="http://schemas.openxmlformats.org/drawingml/2006/main" xmlns:r="http://schemas.openxmlformats.org/officeDocument/2006/relationships" xmlns:p="http://schemas.openxmlformats.org/presentationml/2006/main">
   <p:cSld>
     <p:spTree>
@@ -14883,7 +14343,7 @@
 </p:sld>
 </file>
 
-<file path=ppt/slides/slide39.xml><?xml version="1.0" encoding="utf-8"?>
+<file path=ppt/slides/slide38.xml><?xml version="1.0" encoding="utf-8"?>
 <p:sld xmlns:a="http://schemas.openxmlformats.org/drawingml/2006/main" xmlns:r="http://schemas.openxmlformats.org/officeDocument/2006/relationships" xmlns:p="http://schemas.openxmlformats.org/presentationml/2006/main">
   <p:cSld>
     <p:spTree>
@@ -15017,6 +14477,255 @@
           </a:p>
         </p:txBody>
       </p:sp>
+      <p:sp>
+        <p:nvSpPr>
+          <p:cNvPr id="4" name="Slide Number Placeholder 3"/>
+          <p:cNvSpPr>
+            <a:spLocks noGrp="1"/>
+          </p:cNvSpPr>
+          <p:nvPr>
+            <p:ph type="sldNum" sz="quarter" idx="4"/>
+          </p:nvPr>
+        </p:nvSpPr>
+        <p:spPr/>
+        <p:txBody>
+          <a:bodyPr/>
+          <a:lstStyle/>
+          <a:p>
+            <a:fld id="{3144B24B-BAB1-431A-82C6-36E096187F50}" type="slidenum">
+              <a:rPr lang="en-US" smtClean="0"/>
+              <a:pPr/>
+              <a:t>38</a:t>
+            </a:fld>
+            <a:endParaRPr lang="en-US"/>
+          </a:p>
+        </p:txBody>
+      </p:sp>
+    </p:spTree>
+  </p:cSld>
+  <p:clrMapOvr>
+    <a:masterClrMapping/>
+  </p:clrMapOvr>
+</p:sld>
+</file>
+
+<file path=ppt/slides/slide39.xml><?xml version="1.0" encoding="utf-8"?>
+<p:sld xmlns:a="http://schemas.openxmlformats.org/drawingml/2006/main" xmlns:r="http://schemas.openxmlformats.org/officeDocument/2006/relationships" xmlns:p="http://schemas.openxmlformats.org/presentationml/2006/main">
+  <p:cSld>
+    <p:spTree>
+      <p:nvGrpSpPr>
+        <p:cNvPr id="1" name=""/>
+        <p:cNvGrpSpPr/>
+        <p:nvPr/>
+      </p:nvGrpSpPr>
+      <p:grpSpPr>
+        <a:xfrm>
+          <a:off x="0" y="0"/>
+          <a:ext cx="0" cy="0"/>
+          <a:chOff x="0" y="0"/>
+          <a:chExt cx="0" cy="0"/>
+        </a:xfrm>
+      </p:grpSpPr>
+      <p:sp>
+        <p:nvSpPr>
+          <p:cNvPr id="3" name="Title 1"/>
+          <p:cNvSpPr txBox="1">
+            <a:spLocks/>
+          </p:cNvSpPr>
+          <p:nvPr/>
+        </p:nvSpPr>
+        <p:spPr>
+          <a:xfrm>
+            <a:off x="141525" y="121724"/>
+            <a:ext cx="8229600" cy="2348345"/>
+          </a:xfrm>
+          <a:prstGeom prst="rect">
+            <a:avLst/>
+          </a:prstGeom>
+        </p:spPr>
+        <p:txBody>
+          <a:bodyPr>
+            <a:noAutofit/>
+          </a:bodyPr>
+          <a:lstStyle/>
+          <a:p>
+            <a:pPr marL="0" marR="0" lvl="0" indent="0" defTabSz="914400" rtl="0" eaLnBrk="1" fontAlgn="auto" latinLnBrk="0" hangingPunct="1">
+              <a:lnSpc>
+                <a:spcPct val="100000"/>
+              </a:lnSpc>
+              <a:spcBef>
+                <a:spcPct val="0"/>
+              </a:spcBef>
+              <a:spcAft>
+                <a:spcPts val="0"/>
+              </a:spcAft>
+              <a:buClrTx/>
+              <a:buSzTx/>
+              <a:buFontTx/>
+              <a:buNone/>
+              <a:tabLst/>
+              <a:defRPr/>
+            </a:pPr>
+            <a:r>
+              <a:rPr kumimoji="0" lang="en-US" sz="3600" b="1" i="0" u="none" strike="noStrike" kern="1200" cap="none" spc="0" normalizeH="0" baseline="0" noProof="0" dirty="0" smtClean="0">
+                <a:ln>
+                  <a:noFill/>
+                </a:ln>
+                <a:solidFill>
+                  <a:srgbClr val="DE0000"/>
+                </a:solidFill>
+                <a:effectLst/>
+                <a:uLnTx/>
+                <a:uFillTx/>
+                <a:latin typeface="+mj-lt"/>
+                <a:ea typeface="+mj-ea"/>
+                <a:cs typeface="+mj-cs"/>
+              </a:rPr>
+              <a:t>Directory</a:t>
+            </a:r>
+          </a:p>
+          <a:p>
+            <a:pPr marL="0" marR="0" lvl="0" indent="0" defTabSz="914400" rtl="0" eaLnBrk="1" fontAlgn="auto" latinLnBrk="0" hangingPunct="1">
+              <a:lnSpc>
+                <a:spcPct val="100000"/>
+              </a:lnSpc>
+              <a:spcBef>
+                <a:spcPct val="0"/>
+              </a:spcBef>
+              <a:spcAft>
+                <a:spcPts val="0"/>
+              </a:spcAft>
+              <a:buClrTx/>
+              <a:buSzTx/>
+              <a:buFontTx/>
+              <a:buNone/>
+              <a:tabLst/>
+              <a:defRPr/>
+            </a:pPr>
+            <a:r>
+              <a:rPr kumimoji="0" lang="en-US" sz="3600" b="1" i="0" u="none" strike="noStrike" kern="1200" cap="none" spc="0" normalizeH="0" baseline="0" noProof="0" dirty="0" smtClean="0">
+                <a:ln>
+                  <a:noFill/>
+                </a:ln>
+                <a:solidFill>
+                  <a:srgbClr val="DE0000"/>
+                </a:solidFill>
+                <a:effectLst/>
+                <a:uLnTx/>
+                <a:uFillTx/>
+                <a:latin typeface="+mj-lt"/>
+                <a:ea typeface="+mj-ea"/>
+                <a:cs typeface="+mj-cs"/>
+              </a:rPr>
+              <a:t>Structure of</a:t>
+            </a:r>
+          </a:p>
+          <a:p>
+            <a:pPr marL="0" marR="0" lvl="0" indent="0" defTabSz="914400" rtl="0" eaLnBrk="1" fontAlgn="auto" latinLnBrk="0" hangingPunct="1">
+              <a:lnSpc>
+                <a:spcPct val="100000"/>
+              </a:lnSpc>
+              <a:spcBef>
+                <a:spcPct val="0"/>
+              </a:spcBef>
+              <a:spcAft>
+                <a:spcPts val="0"/>
+              </a:spcAft>
+              <a:buClrTx/>
+              <a:buSzTx/>
+              <a:buFontTx/>
+              <a:buNone/>
+              <a:tabLst/>
+              <a:defRPr/>
+            </a:pPr>
+            <a:r>
+              <a:rPr kumimoji="0" lang="en-US" sz="3600" b="1" i="0" u="none" strike="noStrike" kern="1200" cap="none" spc="0" normalizeH="0" baseline="0" noProof="0" dirty="0" smtClean="0">
+                <a:ln>
+                  <a:noFill/>
+                </a:ln>
+                <a:solidFill>
+                  <a:srgbClr val="DE0000"/>
+                </a:solidFill>
+                <a:effectLst/>
+                <a:uLnTx/>
+                <a:uFillTx/>
+                <a:latin typeface="+mj-lt"/>
+                <a:ea typeface="+mj-ea"/>
+                <a:cs typeface="+mj-cs"/>
+              </a:rPr>
+              <a:t>LLD Drivers</a:t>
+            </a:r>
+          </a:p>
+          <a:p>
+            <a:pPr marL="0" marR="0" lvl="0" indent="0" defTabSz="914400" rtl="0" eaLnBrk="1" fontAlgn="auto" latinLnBrk="0" hangingPunct="1">
+              <a:lnSpc>
+                <a:spcPct val="100000"/>
+              </a:lnSpc>
+              <a:spcBef>
+                <a:spcPct val="0"/>
+              </a:spcBef>
+              <a:spcAft>
+                <a:spcPts val="0"/>
+              </a:spcAft>
+              <a:buClrTx/>
+              <a:buSzTx/>
+              <a:buFontTx/>
+              <a:buNone/>
+              <a:tabLst/>
+              <a:defRPr/>
+            </a:pPr>
+            <a:r>
+              <a:rPr kumimoji="0" lang="en-US" sz="3600" b="1" i="0" u="none" strike="noStrike" kern="1200" cap="none" spc="0" normalizeH="0" baseline="0" noProof="0" dirty="0" smtClean="0">
+                <a:ln>
+                  <a:noFill/>
+                </a:ln>
+                <a:solidFill>
+                  <a:srgbClr val="DE0000"/>
+                </a:solidFill>
+                <a:effectLst/>
+                <a:uLnTx/>
+                <a:uFillTx/>
+                <a:latin typeface="+mj-lt"/>
+                <a:ea typeface="+mj-ea"/>
+                <a:cs typeface="+mj-cs"/>
+              </a:rPr>
+              <a:t>(1/3) </a:t>
+            </a:r>
+          </a:p>
+        </p:txBody>
+      </p:sp>
+      <p:pic>
+        <p:nvPicPr>
+          <p:cNvPr id="7170" name="Picture 2"/>
+          <p:cNvPicPr>
+            <a:picLocks noChangeAspect="1" noChangeArrowheads="1"/>
+          </p:cNvPicPr>
+          <p:nvPr/>
+        </p:nvPicPr>
+        <p:blipFill>
+          <a:blip r:embed="rId2" cstate="print"/>
+          <a:srcRect l="38247"/>
+          <a:stretch>
+            <a:fillRect/>
+          </a:stretch>
+        </p:blipFill>
+        <p:spPr bwMode="auto">
+          <a:xfrm>
+            <a:off x="2576945" y="411382"/>
+            <a:ext cx="6454106" cy="5913121"/>
+          </a:xfrm>
+          <a:prstGeom prst="rect">
+            <a:avLst/>
+          </a:prstGeom>
+          <a:noFill/>
+          <a:ln w="9525">
+            <a:noFill/>
+            <a:miter lim="800000"/>
+            <a:headEnd/>
+            <a:tailEnd/>
+          </a:ln>
+        </p:spPr>
+      </p:pic>
       <p:sp>
         <p:nvSpPr>
           <p:cNvPr id="4" name="Slide Number Placeholder 3"/>
@@ -34884,20 +34593,19 @@
       </p:grpSpPr>
       <p:sp>
         <p:nvSpPr>
-          <p:cNvPr id="3" name="Title 1"/>
-          <p:cNvSpPr txBox="1">
-            <a:spLocks/>
+          <p:cNvPr id="2" name="Title 1"/>
+          <p:cNvSpPr>
+            <a:spLocks noGrp="1"/>
           </p:cNvSpPr>
-          <p:nvPr/>
+          <p:nvPr>
+            <p:ph type="title"/>
+          </p:nvPr>
         </p:nvSpPr>
         <p:spPr>
           <a:xfrm>
-            <a:off x="141525" y="121724"/>
-            <a:ext cx="8229600" cy="2348345"/>
+            <a:off x="457200" y="274638"/>
+            <a:ext cx="8229600" cy="1173162"/>
           </a:xfrm>
-          <a:prstGeom prst="rect">
-            <a:avLst/>
-          </a:prstGeom>
         </p:spPr>
         <p:txBody>
           <a:bodyPr>
@@ -34905,183 +34613,104 @@
           </a:bodyPr>
           <a:lstStyle/>
           <a:p>
-            <a:pPr marL="0" marR="0" lvl="0" indent="0" defTabSz="914400" rtl="0" eaLnBrk="1" fontAlgn="auto" latinLnBrk="0" hangingPunct="1">
-              <a:lnSpc>
-                <a:spcPct val="100000"/>
-              </a:lnSpc>
-              <a:spcBef>
-                <a:spcPct val="0"/>
-              </a:spcBef>
-              <a:spcAft>
-                <a:spcPts val="0"/>
-              </a:spcAft>
-              <a:buClrTx/>
-              <a:buSzTx/>
-              <a:buFontTx/>
-              <a:buNone/>
-              <a:tabLst/>
-              <a:defRPr/>
-            </a:pPr>
-            <a:r>
-              <a:rPr kumimoji="0" lang="en-US" sz="3600" b="1" i="0" u="none" strike="noStrike" kern="1200" cap="none" spc="0" normalizeH="0" baseline="0" noProof="0" dirty="0" smtClean="0">
-                <a:ln>
-                  <a:noFill/>
-                </a:ln>
-                <a:solidFill>
-                  <a:srgbClr val="DE0000"/>
-                </a:solidFill>
-                <a:effectLst/>
-                <a:uLnTx/>
-                <a:uFillTx/>
-                <a:latin typeface="+mj-lt"/>
-                <a:ea typeface="+mj-ea"/>
-                <a:cs typeface="+mj-cs"/>
-              </a:rPr>
-              <a:t>Directory</a:t>
-            </a:r>
-          </a:p>
-          <a:p>
-            <a:pPr marL="0" marR="0" lvl="0" indent="0" defTabSz="914400" rtl="0" eaLnBrk="1" fontAlgn="auto" latinLnBrk="0" hangingPunct="1">
-              <a:lnSpc>
-                <a:spcPct val="100000"/>
-              </a:lnSpc>
-              <a:spcBef>
-                <a:spcPct val="0"/>
-              </a:spcBef>
-              <a:spcAft>
-                <a:spcPts val="0"/>
-              </a:spcAft>
-              <a:buClrTx/>
-              <a:buSzTx/>
-              <a:buFontTx/>
-              <a:buNone/>
-              <a:tabLst/>
-              <a:defRPr/>
-            </a:pPr>
-            <a:r>
-              <a:rPr kumimoji="0" lang="en-US" sz="3600" b="1" i="0" u="none" strike="noStrike" kern="1200" cap="none" spc="0" normalizeH="0" baseline="0" noProof="0" dirty="0" smtClean="0">
-                <a:ln>
-                  <a:noFill/>
-                </a:ln>
-                <a:solidFill>
-                  <a:srgbClr val="DE0000"/>
-                </a:solidFill>
-                <a:effectLst/>
-                <a:uLnTx/>
-                <a:uFillTx/>
-                <a:latin typeface="+mj-lt"/>
-                <a:ea typeface="+mj-ea"/>
-                <a:cs typeface="+mj-cs"/>
-              </a:rPr>
-              <a:t>Structure of</a:t>
-            </a:r>
-          </a:p>
-          <a:p>
-            <a:pPr marL="0" marR="0" lvl="0" indent="0" defTabSz="914400" rtl="0" eaLnBrk="1" fontAlgn="auto" latinLnBrk="0" hangingPunct="1">
-              <a:lnSpc>
-                <a:spcPct val="100000"/>
-              </a:lnSpc>
-              <a:spcBef>
-                <a:spcPct val="0"/>
-              </a:spcBef>
-              <a:spcAft>
-                <a:spcPts val="0"/>
-              </a:spcAft>
-              <a:buClrTx/>
-              <a:buSzTx/>
-              <a:buFontTx/>
-              <a:buNone/>
-              <a:tabLst/>
-              <a:defRPr/>
-            </a:pPr>
-            <a:r>
-              <a:rPr kumimoji="0" lang="en-US" sz="3600" b="1" i="0" u="none" strike="noStrike" kern="1200" cap="none" spc="0" normalizeH="0" baseline="0" noProof="0" dirty="0" smtClean="0">
-                <a:ln>
-                  <a:noFill/>
-                </a:ln>
-                <a:solidFill>
-                  <a:srgbClr val="DE0000"/>
-                </a:solidFill>
-                <a:effectLst/>
-                <a:uLnTx/>
-                <a:uFillTx/>
-                <a:latin typeface="+mj-lt"/>
-                <a:ea typeface="+mj-ea"/>
-                <a:cs typeface="+mj-cs"/>
-              </a:rPr>
-              <a:t>LLD Drivers</a:t>
-            </a:r>
-          </a:p>
-          <a:p>
-            <a:pPr marL="0" marR="0" lvl="0" indent="0" defTabSz="914400" rtl="0" eaLnBrk="1" fontAlgn="auto" latinLnBrk="0" hangingPunct="1">
-              <a:lnSpc>
-                <a:spcPct val="100000"/>
-              </a:lnSpc>
-              <a:spcBef>
-                <a:spcPct val="0"/>
-              </a:spcBef>
-              <a:spcAft>
-                <a:spcPts val="0"/>
-              </a:spcAft>
-              <a:buClrTx/>
-              <a:buSzTx/>
-              <a:buFontTx/>
-              <a:buNone/>
-              <a:tabLst/>
-              <a:defRPr/>
-            </a:pPr>
-            <a:r>
-              <a:rPr kumimoji="0" lang="en-US" sz="3600" b="1" i="0" u="none" strike="noStrike" kern="1200" cap="none" spc="0" normalizeH="0" baseline="0" noProof="0" dirty="0" smtClean="0">
-                <a:ln>
-                  <a:noFill/>
-                </a:ln>
-                <a:solidFill>
-                  <a:srgbClr val="DE0000"/>
-                </a:solidFill>
-                <a:effectLst/>
-                <a:uLnTx/>
-                <a:uFillTx/>
-                <a:latin typeface="+mj-lt"/>
-                <a:ea typeface="+mj-ea"/>
-                <a:cs typeface="+mj-cs"/>
-              </a:rPr>
-              <a:t>(1/3) </a:t>
+            <a:r>
+              <a:rPr lang="en-US" sz="3600" b="1" dirty="0" smtClean="0"/>
+              <a:t>Directory Structure of LLD Drivers (2/3)</a:t>
             </a:r>
           </a:p>
         </p:txBody>
       </p:sp>
-      <p:pic>
-        <p:nvPicPr>
-          <p:cNvPr id="7170" name="Picture 2"/>
-          <p:cNvPicPr>
-            <a:picLocks noChangeAspect="1" noChangeArrowheads="1"/>
-          </p:cNvPicPr>
-          <p:nvPr/>
-        </p:nvPicPr>
-        <p:blipFill>
-          <a:blip r:embed="rId2" cstate="print"/>
-          <a:srcRect l="38247"/>
-          <a:stretch>
-            <a:fillRect/>
-          </a:stretch>
-        </p:blipFill>
-        <p:spPr bwMode="auto">
+      <p:sp>
+        <p:nvSpPr>
+          <p:cNvPr id="3" name="Content Placeholder 2"/>
+          <p:cNvSpPr>
+            <a:spLocks noGrp="1"/>
+          </p:cNvSpPr>
+          <p:nvPr>
+            <p:ph idx="1"/>
+          </p:nvPr>
+        </p:nvSpPr>
+        <p:spPr>
           <a:xfrm>
-            <a:off x="2576945" y="411382"/>
-            <a:ext cx="6454106" cy="5913121"/>
+            <a:off x="381000" y="1371600"/>
+            <a:ext cx="8229600" cy="5181600"/>
           </a:xfrm>
-          <a:prstGeom prst="rect">
-            <a:avLst/>
-          </a:prstGeom>
-          <a:noFill/>
-          <a:ln w="9525">
-            <a:noFill/>
-            <a:miter lim="800000"/>
-            <a:headEnd/>
-            <a:tailEnd/>
-          </a:ln>
         </p:spPr>
-      </p:pic>
+        <p:txBody>
+          <a:bodyPr>
+            <a:normAutofit lnSpcReduction="10000"/>
+          </a:bodyPr>
+          <a:lstStyle/>
+          <a:p>
+            <a:r>
+              <a:rPr lang="en-US" sz="2800" dirty="0" smtClean="0"/>
+              <a:t>Top directory </a:t>
+            </a:r>
+          </a:p>
+          <a:p>
+            <a:pPr lvl="1"/>
+            <a:r>
+              <a:rPr lang="en-US" sz="2400" dirty="0" smtClean="0"/>
+              <a:t>Include files that are visible to the application</a:t>
+            </a:r>
+          </a:p>
+          <a:p>
+            <a:pPr lvl="1"/>
+            <a:r>
+              <a:rPr lang="en-US" sz="2400" dirty="0" smtClean="0"/>
+              <a:t>XDC files that help with building projects</a:t>
+            </a:r>
+          </a:p>
+          <a:p>
+            <a:r>
+              <a:rPr lang="en-US" sz="2800" dirty="0" smtClean="0"/>
+              <a:t>Subdirectories:</a:t>
+            </a:r>
+          </a:p>
+          <a:p>
+            <a:pPr lvl="1"/>
+            <a:r>
+              <a:rPr lang="en-US" sz="2400" dirty="0" smtClean="0"/>
+              <a:t>Build: Make files to build the generic libraries</a:t>
+            </a:r>
+          </a:p>
+          <a:p>
+            <a:pPr lvl="1"/>
+            <a:r>
+              <a:rPr lang="en-US" sz="2400" dirty="0" smtClean="0"/>
+              <a:t>Device: Device specific source code, usually definition and device specific functions</a:t>
+            </a:r>
+          </a:p>
+          <a:p>
+            <a:pPr lvl="1"/>
+            <a:r>
+              <a:rPr lang="en-US" sz="2400" b="1" dirty="0" smtClean="0"/>
+              <a:t>Docs: The most important subdirectory, will be discussed later.</a:t>
+            </a:r>
+          </a:p>
+          <a:p>
+            <a:pPr lvl="1"/>
+            <a:r>
+              <a:rPr lang="en-US" sz="2400" dirty="0" smtClean="0"/>
+              <a:t>Example: Code to support the example project</a:t>
+            </a:r>
+          </a:p>
+          <a:p>
+            <a:pPr lvl="1"/>
+            <a:r>
+              <a:rPr lang="en-US" sz="2400" dirty="0" smtClean="0"/>
+              <a:t>Include: Include files that are needed for internal module build</a:t>
+            </a:r>
+          </a:p>
+          <a:p>
+            <a:pPr lvl="1"/>
+            <a:endParaRPr lang="en-US" sz="2400" dirty="0" smtClean="0"/>
+          </a:p>
+          <a:p>
+            <a:endParaRPr lang="en-US" sz="2400" dirty="0"/>
+          </a:p>
+        </p:txBody>
+      </p:sp>
       <p:sp>
         <p:nvSpPr>
           <p:cNvPr id="4" name="Slide Number Placeholder 3"/>
@@ -35155,7 +34784,7 @@
           <a:p>
             <a:r>
               <a:rPr lang="en-US" sz="3600" b="1" dirty="0" smtClean="0"/>
-              <a:t>Directory Structure of LLD Drivers (2/3)</a:t>
+              <a:t>Directory Structure of LLD Drivers (3/3)</a:t>
             </a:r>
           </a:p>
         </p:txBody>
@@ -35178,76 +34807,48 @@
         </p:spPr>
         <p:txBody>
           <a:bodyPr>
-            <a:normAutofit lnSpcReduction="10000"/>
+            <a:normAutofit/>
           </a:bodyPr>
           <a:lstStyle/>
           <a:p>
             <a:r>
               <a:rPr lang="en-US" sz="2800" dirty="0" smtClean="0"/>
-              <a:t>Top directory </a:t>
+              <a:t>Additional Subdirectories:</a:t>
             </a:r>
           </a:p>
           <a:p>
             <a:pPr lvl="1"/>
             <a:r>
               <a:rPr lang="en-US" sz="2400" dirty="0" smtClean="0"/>
-              <a:t>Include files that are visible to the application</a:t>
+              <a:t>Lib: Contains two generic libraries; little endian or big endian version (the additional e means big endian)</a:t>
             </a:r>
           </a:p>
           <a:p>
             <a:pPr lvl="1"/>
             <a:r>
               <a:rPr lang="en-US" sz="2400" dirty="0" smtClean="0"/>
-              <a:t>XDC files that help with building projects</a:t>
-            </a:r>
-          </a:p>
-          <a:p>
-            <a:r>
-              <a:rPr lang="en-US" sz="2800" dirty="0" smtClean="0"/>
-              <a:t>Subdirectories:</a:t>
+              <a:t>Package: Files that are used during the automatic building of the module</a:t>
             </a:r>
           </a:p>
           <a:p>
             <a:pPr lvl="1"/>
             <a:r>
               <a:rPr lang="en-US" sz="2400" dirty="0" smtClean="0"/>
-              <a:t>Build: Make files to build the generic libraries</a:t>
+              <a:t>SRC: Contains the source files that are not device dependent</a:t>
             </a:r>
           </a:p>
           <a:p>
             <a:pPr lvl="1"/>
             <a:r>
               <a:rPr lang="en-US" sz="2400" dirty="0" smtClean="0"/>
-              <a:t>Device: Device specific source code, usually definition and device specific functions</a:t>
-            </a:r>
-          </a:p>
-          <a:p>
-            <a:pPr lvl="1"/>
-            <a:r>
-              <a:rPr lang="en-US" sz="2400" b="1" dirty="0" smtClean="0"/>
-              <a:t>Docs: The most important subdirectory, will be discussed later.</a:t>
-            </a:r>
-          </a:p>
-          <a:p>
-            <a:pPr lvl="1"/>
-            <a:r>
-              <a:rPr lang="en-US" sz="2400" dirty="0" smtClean="0"/>
-              <a:t>Example: Code to support the example project</a:t>
-            </a:r>
-          </a:p>
-          <a:p>
-            <a:pPr lvl="1"/>
-            <a:r>
-              <a:rPr lang="en-US" sz="2400" dirty="0" smtClean="0"/>
-              <a:t>Include: Include files that are needed for internal module build</a:t>
-            </a:r>
-          </a:p>
-          <a:p>
-            <a:pPr lvl="1"/>
+              <a:t>Test: Contains files that are part of the example test</a:t>
+            </a:r>
+          </a:p>
+          <a:p>
+            <a:pPr lvl="1">
+              <a:buNone/>
+            </a:pPr>
             <a:endParaRPr lang="en-US" sz="2400" dirty="0" smtClean="0"/>
-          </a:p>
-          <a:p>
-            <a:endParaRPr lang="en-US" sz="2400" dirty="0"/>
           </a:p>
         </p:txBody>
       </p:sp>
@@ -35313,7 +34914,7 @@
         <p:spPr>
           <a:xfrm>
             <a:off x="457200" y="274638"/>
-            <a:ext cx="8229600" cy="1173162"/>
+            <a:ext cx="8229600" cy="868362"/>
           </a:xfrm>
         </p:spPr>
         <p:txBody>
@@ -35324,7 +34925,7 @@
           <a:p>
             <a:r>
               <a:rPr lang="en-US" sz="3600" b="1" dirty="0" smtClean="0"/>
-              <a:t>Directory Structure of LLD Drivers (3/3)</a:t>
+              <a:t>Docs Directory</a:t>
             </a:r>
           </a:p>
         </p:txBody>
@@ -35347,41 +34948,85 @@
         </p:spPr>
         <p:txBody>
           <a:bodyPr>
-            <a:normAutofit/>
+            <a:normAutofit fontScale="92500" lnSpcReduction="10000"/>
           </a:bodyPr>
           <a:lstStyle/>
           <a:p>
             <a:r>
               <a:rPr lang="en-US" sz="2800" dirty="0" smtClean="0"/>
-              <a:t>Additional Subdirectories:</a:t>
+              <a:t>In the top directory </a:t>
             </a:r>
           </a:p>
           <a:p>
             <a:pPr lvl="1"/>
             <a:r>
               <a:rPr lang="en-US" sz="2400" dirty="0" smtClean="0"/>
-              <a:t>Lib: Contains two generic libraries; little endian or big endian version (the additional e means big endian)</a:t>
+              <a:t>Software manifest (licensing, export control, etc.)</a:t>
             </a:r>
           </a:p>
           <a:p>
             <a:pPr lvl="1"/>
             <a:r>
               <a:rPr lang="en-US" sz="2400" dirty="0" smtClean="0"/>
-              <a:t>Package: Files that are used during the automatic building of the module</a:t>
+              <a:t>Release notes</a:t>
             </a:r>
           </a:p>
           <a:p>
             <a:pPr lvl="1"/>
             <a:r>
               <a:rPr lang="en-US" sz="2400" dirty="0" smtClean="0"/>
-              <a:t>SRC: Contains the source files that are not device dependent</a:t>
+              <a:t>User Guide*</a:t>
             </a:r>
           </a:p>
           <a:p>
             <a:pPr lvl="1"/>
             <a:r>
               <a:rPr lang="en-US" sz="2400" dirty="0" smtClean="0"/>
-              <a:t>Test: Contains files that are part of the example test</a:t>
+              <a:t>Other module-specific documents</a:t>
+            </a:r>
+          </a:p>
+          <a:p>
+            <a:r>
+              <a:rPr lang="en-US" sz="2800" dirty="0" smtClean="0"/>
+              <a:t>Doxygen Subdirectory</a:t>
+            </a:r>
+          </a:p>
+          <a:p>
+            <a:pPr lvl="1"/>
+            <a:r>
+              <a:rPr lang="en-US" sz="2400" dirty="0" smtClean="0"/>
+              <a:t>Collection of  linked HTML files generated from the source code that describe the module objects and functions</a:t>
+            </a:r>
+          </a:p>
+          <a:p>
+            <a:pPr lvl="1"/>
+            <a:r>
+              <a:rPr lang="en-US" sz="2400" dirty="0" smtClean="0"/>
+              <a:t>Easy navigation between different types of information</a:t>
+            </a:r>
+          </a:p>
+          <a:p>
+            <a:pPr lvl="1"/>
+            <a:r>
+              <a:rPr lang="en-US" sz="2400" dirty="0" smtClean="0"/>
+              <a:t>The main tool to understand how to use the module</a:t>
+            </a:r>
+          </a:p>
+          <a:p>
+            <a:pPr lvl="1"/>
+            <a:endParaRPr lang="en-US" sz="2400" dirty="0" smtClean="0"/>
+          </a:p>
+          <a:p>
+            <a:pPr lvl="1"/>
+            <a:endParaRPr lang="en-US" sz="2400" dirty="0" smtClean="0"/>
+          </a:p>
+          <a:p>
+            <a:pPr lvl="1">
+              <a:buNone/>
+            </a:pPr>
+            <a:r>
+              <a:rPr lang="en-US" sz="2400" dirty="0" smtClean="0"/>
+              <a:t>* not all modules have a user guide </a:t>
             </a:r>
           </a:p>
           <a:p>
@@ -35465,191 +35110,6 @@
           <a:p>
             <a:r>
               <a:rPr lang="en-US" sz="3600" b="1" dirty="0" smtClean="0"/>
-              <a:t>Docs Directory</a:t>
-            </a:r>
-          </a:p>
-        </p:txBody>
-      </p:sp>
-      <p:sp>
-        <p:nvSpPr>
-          <p:cNvPr id="3" name="Content Placeholder 2"/>
-          <p:cNvSpPr>
-            <a:spLocks noGrp="1"/>
-          </p:cNvSpPr>
-          <p:nvPr>
-            <p:ph idx="1"/>
-          </p:nvPr>
-        </p:nvSpPr>
-        <p:spPr>
-          <a:xfrm>
-            <a:off x="381000" y="1371600"/>
-            <a:ext cx="8229600" cy="5181600"/>
-          </a:xfrm>
-        </p:spPr>
-        <p:txBody>
-          <a:bodyPr>
-            <a:normAutofit fontScale="92500" lnSpcReduction="10000"/>
-          </a:bodyPr>
-          <a:lstStyle/>
-          <a:p>
-            <a:r>
-              <a:rPr lang="en-US" sz="2800" dirty="0" smtClean="0"/>
-              <a:t>In the top directory </a:t>
-            </a:r>
-          </a:p>
-          <a:p>
-            <a:pPr lvl="1"/>
-            <a:r>
-              <a:rPr lang="en-US" sz="2400" dirty="0" smtClean="0"/>
-              <a:t>Software manifest (licensing, export control, etc.)</a:t>
-            </a:r>
-          </a:p>
-          <a:p>
-            <a:pPr lvl="1"/>
-            <a:r>
-              <a:rPr lang="en-US" sz="2400" dirty="0" smtClean="0"/>
-              <a:t>Release notes</a:t>
-            </a:r>
-          </a:p>
-          <a:p>
-            <a:pPr lvl="1"/>
-            <a:r>
-              <a:rPr lang="en-US" sz="2400" dirty="0" smtClean="0"/>
-              <a:t>User Guide*</a:t>
-            </a:r>
-          </a:p>
-          <a:p>
-            <a:pPr lvl="1"/>
-            <a:r>
-              <a:rPr lang="en-US" sz="2400" dirty="0" smtClean="0"/>
-              <a:t>Other module-specific documents</a:t>
-            </a:r>
-          </a:p>
-          <a:p>
-            <a:r>
-              <a:rPr lang="en-US" sz="2800" dirty="0" smtClean="0"/>
-              <a:t>Doxygen Subdirectory</a:t>
-            </a:r>
-          </a:p>
-          <a:p>
-            <a:pPr lvl="1"/>
-            <a:r>
-              <a:rPr lang="en-US" sz="2400" dirty="0" smtClean="0"/>
-              <a:t>Collection of  linked HTML files generated from the source code that describe the module objects and functions</a:t>
-            </a:r>
-          </a:p>
-          <a:p>
-            <a:pPr lvl="1"/>
-            <a:r>
-              <a:rPr lang="en-US" sz="2400" dirty="0" smtClean="0"/>
-              <a:t>Easy navigation between different types of information</a:t>
-            </a:r>
-          </a:p>
-          <a:p>
-            <a:pPr lvl="1"/>
-            <a:r>
-              <a:rPr lang="en-US" sz="2400" dirty="0" smtClean="0"/>
-              <a:t>The main tool to understand how to use the module</a:t>
-            </a:r>
-          </a:p>
-          <a:p>
-            <a:pPr lvl="1"/>
-            <a:endParaRPr lang="en-US" sz="2400" dirty="0" smtClean="0"/>
-          </a:p>
-          <a:p>
-            <a:pPr lvl="1"/>
-            <a:endParaRPr lang="en-US" sz="2400" dirty="0" smtClean="0"/>
-          </a:p>
-          <a:p>
-            <a:pPr lvl="1">
-              <a:buNone/>
-            </a:pPr>
-            <a:r>
-              <a:rPr lang="en-US" sz="2400" dirty="0" smtClean="0"/>
-              <a:t>* not all modules have a user guide </a:t>
-            </a:r>
-          </a:p>
-          <a:p>
-            <a:pPr lvl="1">
-              <a:buNone/>
-            </a:pPr>
-            <a:endParaRPr lang="en-US" sz="2400" dirty="0" smtClean="0"/>
-          </a:p>
-        </p:txBody>
-      </p:sp>
-      <p:sp>
-        <p:nvSpPr>
-          <p:cNvPr id="4" name="Slide Number Placeholder 3"/>
-          <p:cNvSpPr>
-            <a:spLocks noGrp="1"/>
-          </p:cNvSpPr>
-          <p:nvPr>
-            <p:ph type="sldNum" sz="quarter" idx="4"/>
-          </p:nvPr>
-        </p:nvSpPr>
-        <p:spPr/>
-        <p:txBody>
-          <a:bodyPr/>
-          <a:lstStyle/>
-          <a:p>
-            <a:fld id="{3144B24B-BAB1-431A-82C6-36E096187F50}" type="slidenum">
-              <a:rPr lang="en-US" smtClean="0"/>
-              <a:pPr/>
-              <a:t>43</a:t>
-            </a:fld>
-            <a:endParaRPr lang="en-US"/>
-          </a:p>
-        </p:txBody>
-      </p:sp>
-    </p:spTree>
-  </p:cSld>
-  <p:clrMapOvr>
-    <a:masterClrMapping/>
-  </p:clrMapOvr>
-</p:sld>
-</file>
-
-<file path=ppt/slides/slide44.xml><?xml version="1.0" encoding="utf-8"?>
-<p:sld xmlns:a="http://schemas.openxmlformats.org/drawingml/2006/main" xmlns:r="http://schemas.openxmlformats.org/officeDocument/2006/relationships" xmlns:p="http://schemas.openxmlformats.org/presentationml/2006/main">
-  <p:cSld>
-    <p:spTree>
-      <p:nvGrpSpPr>
-        <p:cNvPr id="1" name=""/>
-        <p:cNvGrpSpPr/>
-        <p:nvPr/>
-      </p:nvGrpSpPr>
-      <p:grpSpPr>
-        <a:xfrm>
-          <a:off x="0" y="0"/>
-          <a:ext cx="0" cy="0"/>
-          <a:chOff x="0" y="0"/>
-          <a:chExt cx="0" cy="0"/>
-        </a:xfrm>
-      </p:grpSpPr>
-      <p:sp>
-        <p:nvSpPr>
-          <p:cNvPr id="2" name="Title 1"/>
-          <p:cNvSpPr>
-            <a:spLocks noGrp="1"/>
-          </p:cNvSpPr>
-          <p:nvPr>
-            <p:ph type="title"/>
-          </p:nvPr>
-        </p:nvSpPr>
-        <p:spPr>
-          <a:xfrm>
-            <a:off x="457200" y="274638"/>
-            <a:ext cx="8229600" cy="868362"/>
-          </a:xfrm>
-        </p:spPr>
-        <p:txBody>
-          <a:bodyPr>
-            <a:noAutofit/>
-          </a:bodyPr>
-          <a:lstStyle/>
-          <a:p>
-            <a:r>
-              <a:rPr lang="en-US" sz="3600" b="1" dirty="0" smtClean="0"/>
               <a:t>HTML Documents: Main Page</a:t>
             </a:r>
           </a:p>
@@ -35705,7 +35165,7 @@
             <a:fld id="{3144B24B-BAB1-431A-82C6-36E096187F50}" type="slidenum">
               <a:rPr lang="en-US" smtClean="0"/>
               <a:pPr/>
-              <a:t>44</a:t>
+              <a:t>43</a:t>
             </a:fld>
             <a:endParaRPr lang="en-US"/>
           </a:p>
@@ -35719,7 +35179,7 @@
 </p:sld>
 </file>
 
-<file path=ppt/slides/slide45.xml><?xml version="1.0" encoding="utf-8"?>
+<file path=ppt/slides/slide44.xml><?xml version="1.0" encoding="utf-8"?>
 <p:sld xmlns:a="http://schemas.openxmlformats.org/drawingml/2006/main" xmlns:r="http://schemas.openxmlformats.org/officeDocument/2006/relationships" xmlns:p="http://schemas.openxmlformats.org/presentationml/2006/main">
   <p:cSld>
     <p:spTree>
@@ -35816,7 +35276,7 @@
             <a:fld id="{3144B24B-BAB1-431A-82C6-36E096187F50}" type="slidenum">
               <a:rPr lang="en-US" smtClean="0"/>
               <a:pPr/>
-              <a:t>45</a:t>
+              <a:t>44</a:t>
             </a:fld>
             <a:endParaRPr lang="en-US"/>
           </a:p>
@@ -35830,7 +35290,7 @@
 </p:sld>
 </file>
 
-<file path=ppt/slides/slide46.xml><?xml version="1.0" encoding="utf-8"?>
+<file path=ppt/slides/slide45.xml><?xml version="1.0" encoding="utf-8"?>
 <p:sld xmlns:a="http://schemas.openxmlformats.org/drawingml/2006/main" xmlns:r="http://schemas.openxmlformats.org/officeDocument/2006/relationships" xmlns:p="http://schemas.openxmlformats.org/presentationml/2006/main">
   <p:cSld>
     <p:spTree>
@@ -35927,7 +35387,7 @@
             <a:fld id="{3144B24B-BAB1-431A-82C6-36E096187F50}" type="slidenum">
               <a:rPr lang="en-US" smtClean="0"/>
               <a:pPr/>
-              <a:t>46</a:t>
+              <a:t>45</a:t>
             </a:fld>
             <a:endParaRPr lang="en-US"/>
           </a:p>
@@ -35941,7 +35401,7 @@
 </p:sld>
 </file>
 
-<file path=ppt/slides/slide47.xml><?xml version="1.0" encoding="utf-8"?>
+<file path=ppt/slides/slide46.xml><?xml version="1.0" encoding="utf-8"?>
 <p:sld xmlns:a="http://schemas.openxmlformats.org/drawingml/2006/main" xmlns:r="http://schemas.openxmlformats.org/officeDocument/2006/relationships" xmlns:p="http://schemas.openxmlformats.org/presentationml/2006/main">
   <p:cSld>
     <p:spTree>
@@ -36038,9 +35498,80 @@
             <a:fld id="{3144B24B-BAB1-431A-82C6-36E096187F50}" type="slidenum">
               <a:rPr lang="en-US" smtClean="0"/>
               <a:pPr/>
-              <a:t>47</a:t>
+              <a:t>46</a:t>
             </a:fld>
             <a:endParaRPr lang="en-US"/>
+          </a:p>
+        </p:txBody>
+      </p:sp>
+    </p:spTree>
+  </p:cSld>
+  <p:clrMapOvr>
+    <a:masterClrMapping/>
+  </p:clrMapOvr>
+</p:sld>
+</file>
+
+<file path=ppt/slides/slide47.xml><?xml version="1.0" encoding="utf-8"?>
+<p:sld xmlns:a="http://schemas.openxmlformats.org/drawingml/2006/main" xmlns:r="http://schemas.openxmlformats.org/officeDocument/2006/relationships" xmlns:p="http://schemas.openxmlformats.org/presentationml/2006/main">
+  <p:cSld>
+    <p:spTree>
+      <p:nvGrpSpPr>
+        <p:cNvPr id="1" name=""/>
+        <p:cNvGrpSpPr/>
+        <p:nvPr/>
+      </p:nvGrpSpPr>
+      <p:grpSpPr>
+        <a:xfrm>
+          <a:off x="0" y="0"/>
+          <a:ext cx="0" cy="0"/>
+          <a:chOff x="0" y="0"/>
+          <a:chExt cx="0" cy="0"/>
+        </a:xfrm>
+      </p:grpSpPr>
+      <p:sp>
+        <p:nvSpPr>
+          <p:cNvPr id="2" name="Title 1"/>
+          <p:cNvSpPr>
+            <a:spLocks noGrp="1"/>
+          </p:cNvSpPr>
+          <p:nvPr>
+            <p:ph type="ctrTitle"/>
+          </p:nvPr>
+        </p:nvSpPr>
+        <p:spPr/>
+        <p:txBody>
+          <a:bodyPr/>
+          <a:lstStyle/>
+          <a:p>
+            <a:pPr lvl="0"/>
+            <a:r>
+              <a:rPr lang="en-US" dirty="0" smtClean="0"/>
+              <a:t>DSP CorePac LLD Layer: LLD Usage</a:t>
+            </a:r>
+          </a:p>
+        </p:txBody>
+      </p:sp>
+      <p:sp>
+        <p:nvSpPr>
+          <p:cNvPr id="3" name="Subtitle 2"/>
+          <p:cNvSpPr>
+            <a:spLocks noGrp="1"/>
+          </p:cNvSpPr>
+          <p:nvPr>
+            <p:ph type="subTitle" idx="1"/>
+          </p:nvPr>
+        </p:nvSpPr>
+        <p:spPr/>
+        <p:txBody>
+          <a:bodyPr/>
+          <a:lstStyle/>
+          <a:p>
+            <a:r>
+              <a:rPr lang="en-US" dirty="0" smtClean="0"/>
+              <a:t>KeyStone Peripherals Usage</a:t>
+            </a:r>
+            <a:endParaRPr lang="en-US" dirty="0"/>
           </a:p>
         </p:txBody>
       </p:sp>
@@ -36076,7 +35607,104 @@
             <a:spLocks noGrp="1"/>
           </p:cNvSpPr>
           <p:nvPr>
-            <p:ph type="ctrTitle"/>
+            <p:ph type="title"/>
+          </p:nvPr>
+        </p:nvSpPr>
+        <p:spPr>
+          <a:xfrm>
+            <a:off x="457200" y="274638"/>
+            <a:ext cx="8229600" cy="1173162"/>
+          </a:xfrm>
+        </p:spPr>
+        <p:txBody>
+          <a:bodyPr>
+            <a:noAutofit/>
+          </a:bodyPr>
+          <a:lstStyle/>
+          <a:p>
+            <a:r>
+              <a:rPr lang="en-US" sz="3600" b="1" dirty="0" smtClean="0"/>
+              <a:t>Developing LLD Code</a:t>
+            </a:r>
+          </a:p>
+        </p:txBody>
+      </p:sp>
+      <p:sp>
+        <p:nvSpPr>
+          <p:cNvPr id="3" name="Content Placeholder 2"/>
+          <p:cNvSpPr>
+            <a:spLocks noGrp="1"/>
+          </p:cNvSpPr>
+          <p:nvPr>
+            <p:ph idx="1"/>
+          </p:nvPr>
+        </p:nvSpPr>
+        <p:spPr>
+          <a:xfrm>
+            <a:off x="381000" y="1371600"/>
+            <a:ext cx="8229600" cy="5181600"/>
+          </a:xfrm>
+        </p:spPr>
+        <p:txBody>
+          <a:bodyPr>
+            <a:normAutofit/>
+          </a:bodyPr>
+          <a:lstStyle/>
+          <a:p>
+            <a:r>
+              <a:rPr lang="en-US" sz="2800" dirty="0" smtClean="0"/>
+              <a:t>Get a resource (open, create).</a:t>
+            </a:r>
+          </a:p>
+          <a:p>
+            <a:pPr lvl="1"/>
+            <a:r>
+              <a:rPr lang="en-US" sz="2400" dirty="0" smtClean="0"/>
+              <a:t>Resource management</a:t>
+            </a:r>
+          </a:p>
+          <a:p>
+            <a:r>
+              <a:rPr lang="en-US" sz="2800" dirty="0" smtClean="0"/>
+              <a:t>Configure the resource (one core, each core).</a:t>
+            </a:r>
+          </a:p>
+          <a:p>
+            <a:pPr lvl="1"/>
+            <a:r>
+              <a:rPr lang="en-US" sz="2400" dirty="0" smtClean="0"/>
+              <a:t>Understand the structure of the parameters of the configuration function (example to follow)</a:t>
+            </a:r>
+          </a:p>
+          <a:p>
+            <a:r>
+              <a:rPr lang="en-US" sz="2800" dirty="0" smtClean="0"/>
+              <a:t>Configure dependencies (Multicore Navigator).</a:t>
+            </a:r>
+            <a:endParaRPr lang="en-US" sz="2400" dirty="0" smtClean="0"/>
+          </a:p>
+          <a:p>
+            <a:r>
+              <a:rPr lang="en-US" sz="2800" dirty="0" smtClean="0"/>
+              <a:t>Use in run time.</a:t>
+            </a:r>
+          </a:p>
+          <a:p>
+            <a:r>
+              <a:rPr lang="en-US" sz="2800" dirty="0" smtClean="0"/>
+              <a:t>Follow the MCSDK example to understand what needs to be done (reverse engineer the C code).</a:t>
+            </a:r>
+          </a:p>
+        </p:txBody>
+      </p:sp>
+      <p:sp>
+        <p:nvSpPr>
+          <p:cNvPr id="4" name="Slide Number Placeholder 3"/>
+          <p:cNvSpPr>
+            <a:spLocks noGrp="1"/>
+          </p:cNvSpPr>
+          <p:nvPr>
+            <p:ph type="sldNum" sz="quarter" idx="4"/>
           </p:nvPr>
         </p:nvSpPr>
         <p:spPr/>
@@ -36084,34 +35712,12 @@
           <a:bodyPr/>
           <a:lstStyle/>
           <a:p>
-            <a:pPr lvl="0"/>
-            <a:r>
-              <a:rPr lang="en-US" dirty="0" smtClean="0"/>
-              <a:t>DSP CorePac LLD Layer: LLD Usage</a:t>
-            </a:r>
-          </a:p>
-        </p:txBody>
-      </p:sp>
-      <p:sp>
-        <p:nvSpPr>
-          <p:cNvPr id="3" name="Subtitle 2"/>
-          <p:cNvSpPr>
-            <a:spLocks noGrp="1"/>
-          </p:cNvSpPr>
-          <p:nvPr>
-            <p:ph type="subTitle" idx="1"/>
-          </p:nvPr>
-        </p:nvSpPr>
-        <p:spPr/>
-        <p:txBody>
-          <a:bodyPr/>
-          <a:lstStyle/>
-          <a:p>
-            <a:r>
-              <a:rPr lang="en-US" dirty="0" smtClean="0"/>
-              <a:t>KeyStone Peripherals Usage</a:t>
-            </a:r>
-            <a:endParaRPr lang="en-US" dirty="0"/>
+            <a:fld id="{3144B24B-BAB1-431A-82C6-36E096187F50}" type="slidenum">
+              <a:rPr lang="en-US" smtClean="0"/>
+              <a:pPr/>
+              <a:t>48</a:t>
+            </a:fld>
+            <a:endParaRPr lang="en-US"/>
           </a:p>
         </p:txBody>
       </p:sp>
@@ -36153,7 +35759,7 @@
         <p:spPr>
           <a:xfrm>
             <a:off x="457200" y="274638"/>
-            <a:ext cx="8229600" cy="1173162"/>
+            <a:ext cx="8229600" cy="889496"/>
           </a:xfrm>
         </p:spPr>
         <p:txBody>
@@ -36164,82 +35770,223 @@
           <a:p>
             <a:r>
               <a:rPr lang="en-US" sz="3600" b="1" dirty="0" smtClean="0"/>
-              <a:t>Developing LLD Code</a:t>
+              <a:t>PDK Example: Using SRIO Direct IO</a:t>
             </a:r>
           </a:p>
         </p:txBody>
       </p:sp>
       <p:sp>
         <p:nvSpPr>
-          <p:cNvPr id="3" name="Content Placeholder 2"/>
-          <p:cNvSpPr>
-            <a:spLocks noGrp="1"/>
-          </p:cNvSpPr>
-          <p:nvPr>
-            <p:ph idx="1"/>
-          </p:nvPr>
+          <p:cNvPr id="4" name="Rectangle 3"/>
+          <p:cNvSpPr/>
+          <p:nvPr/>
         </p:nvSpPr>
         <p:spPr>
           <a:xfrm>
-            <a:off x="381000" y="1371600"/>
-            <a:ext cx="8229600" cy="5181600"/>
+            <a:off x="381000" y="1164134"/>
+            <a:ext cx="8001000" cy="4924425"/>
           </a:xfrm>
+          <a:prstGeom prst="rect">
+            <a:avLst/>
+          </a:prstGeom>
         </p:spPr>
         <p:txBody>
-          <a:bodyPr>
-            <a:normAutofit/>
+          <a:bodyPr wrap="square">
+            <a:spAutoFit/>
           </a:bodyPr>
           <a:lstStyle/>
           <a:p>
             <a:r>
-              <a:rPr lang="en-US" sz="2800" dirty="0" smtClean="0"/>
-              <a:t>Get a resource (open, create).</a:t>
-            </a:r>
-          </a:p>
-          <a:p>
-            <a:pPr lvl="1"/>
-            <a:r>
-              <a:rPr lang="en-US" sz="2400" dirty="0" smtClean="0"/>
-              <a:t>Resource management</a:t>
-            </a:r>
-          </a:p>
-          <a:p>
-            <a:r>
-              <a:rPr lang="en-US" sz="2800" dirty="0" smtClean="0"/>
-              <a:t>Configure the resource (one core, each core).</a:t>
-            </a:r>
-          </a:p>
-          <a:p>
-            <a:pPr lvl="1"/>
-            <a:r>
-              <a:rPr lang="en-US" sz="2400" dirty="0" smtClean="0"/>
-              <a:t>Understand the structure of the parameters of the configuration function (example to follow)</a:t>
-            </a:r>
-          </a:p>
-          <a:p>
-            <a:r>
-              <a:rPr lang="en-US" sz="2800" dirty="0" smtClean="0"/>
-              <a:t>Configure dependencies (Multicore Navigator).</a:t>
-            </a:r>
-            <a:endParaRPr lang="en-US" sz="2400" dirty="0" smtClean="0"/>
-          </a:p>
-          <a:p>
-            <a:r>
-              <a:rPr lang="en-US" sz="2800" dirty="0" smtClean="0"/>
-              <a:t>Use in run time.</a:t>
-            </a:r>
-          </a:p>
-          <a:p>
-            <a:r>
-              <a:rPr lang="en-US" sz="2800" dirty="0" smtClean="0"/>
-              <a:t>Follow the MCSDK example to understand what needs to be done (reverse engineer the C code).</a:t>
-            </a:r>
+              <a:rPr lang="en-US" sz="1400" dirty="0" smtClean="0"/>
+              <a:t> </a:t>
+            </a:r>
+            <a:r>
+              <a:rPr lang="en-US" sz="1200" b="1" dirty="0" smtClean="0"/>
+              <a:t>if (coreNum == CORE_SYS_INIT)</a:t>
+            </a:r>
+          </a:p>
+          <a:p>
+            <a:r>
+              <a:rPr lang="en-US" sz="1200" dirty="0" smtClean="0"/>
+              <a:t>    {</a:t>
+            </a:r>
+          </a:p>
+          <a:p>
+            <a:r>
+              <a:rPr lang="en-US" sz="1200" dirty="0" smtClean="0"/>
+              <a:t>        System_printf ("Debug(Core %d): System Initialization for CPPI &amp; QMSS\n", coreNum);</a:t>
+            </a:r>
+          </a:p>
+          <a:p>
+            <a:endParaRPr lang="en-US" sz="1200" dirty="0" smtClean="0"/>
+          </a:p>
+          <a:p>
+            <a:r>
+              <a:rPr lang="en-US" sz="1200" dirty="0" smtClean="0"/>
+              <a:t>        /* System Initialization */</a:t>
+            </a:r>
+          </a:p>
+          <a:p>
+            <a:r>
+              <a:rPr lang="en-US" sz="1200" dirty="0" smtClean="0"/>
+              <a:t>        </a:t>
+            </a:r>
+            <a:r>
+              <a:rPr lang="en-US" sz="1200" b="1" dirty="0" smtClean="0"/>
+              <a:t>if (system_init() &lt; 0)</a:t>
+            </a:r>
+          </a:p>
+          <a:p>
+            <a:r>
+              <a:rPr lang="en-US" sz="1200" dirty="0" smtClean="0"/>
+              <a:t>            </a:t>
+            </a:r>
+            <a:r>
+              <a:rPr lang="en-US" sz="1200" b="1" dirty="0" smtClean="0"/>
+              <a:t>return;</a:t>
+            </a:r>
+          </a:p>
+          <a:p>
+            <a:r>
+              <a:rPr lang="en-US" sz="1200" dirty="0" smtClean="0"/>
+              <a:t>        </a:t>
+            </a:r>
+          </a:p>
+          <a:p>
+            <a:r>
+              <a:rPr lang="en-US" sz="1200" dirty="0" smtClean="0"/>
+              <a:t>        /* Power on SRIO peripheral before using it */</a:t>
+            </a:r>
+          </a:p>
+          <a:p>
+            <a:r>
+              <a:rPr lang="en-US" sz="1200" dirty="0" smtClean="0"/>
+              <a:t>        </a:t>
+            </a:r>
+            <a:r>
+              <a:rPr lang="en-US" sz="1200" b="1" dirty="0" smtClean="0"/>
+              <a:t>if (enable_srio () &lt; 0)</a:t>
+            </a:r>
+          </a:p>
+          <a:p>
+            <a:r>
+              <a:rPr lang="en-US" sz="1200" dirty="0" smtClean="0"/>
+              <a:t>        {</a:t>
+            </a:r>
+          </a:p>
+          <a:p>
+            <a:r>
+              <a:rPr lang="en-US" sz="1200" dirty="0" smtClean="0"/>
+              <a:t>            System_printf ("Error: SRIO PSC Initialization Failed\n");</a:t>
+            </a:r>
+          </a:p>
+          <a:p>
+            <a:r>
+              <a:rPr lang="en-US" sz="1200" dirty="0" smtClean="0"/>
+              <a:t>            </a:t>
+            </a:r>
+            <a:r>
+              <a:rPr lang="en-US" sz="1200" b="1" dirty="0" smtClean="0"/>
+              <a:t>return;</a:t>
+            </a:r>
+          </a:p>
+          <a:p>
+            <a:r>
+              <a:rPr lang="en-US" sz="1200" dirty="0" smtClean="0"/>
+              <a:t>        }</a:t>
+            </a:r>
+          </a:p>
+          <a:p>
+            <a:r>
+              <a:rPr lang="en-US" sz="1200" dirty="0" smtClean="0"/>
+              <a:t>        </a:t>
+            </a:r>
+          </a:p>
+          <a:p>
+            <a:r>
+              <a:rPr lang="en-US" sz="1200" dirty="0" smtClean="0"/>
+              <a:t>    /* Device Specific SRIO Initializations: This should always be called before</a:t>
+            </a:r>
+          </a:p>
+          <a:p>
+            <a:r>
+              <a:rPr lang="en-US" sz="1200" dirty="0" smtClean="0"/>
+              <a:t>         * initializing the SRIO Driver. */</a:t>
+            </a:r>
+          </a:p>
+          <a:p>
+            <a:r>
+              <a:rPr lang="en-US" sz="1200" dirty="0" smtClean="0"/>
+              <a:t>    </a:t>
+            </a:r>
+            <a:r>
+              <a:rPr lang="en-US" sz="1200" b="1" dirty="0" smtClean="0"/>
+              <a:t>if (SrioDevice_init() &lt; 0)</a:t>
+            </a:r>
+          </a:p>
+          <a:p>
+            <a:r>
+              <a:rPr lang="en-US" sz="1200" dirty="0" smtClean="0"/>
+              <a:t>        </a:t>
+            </a:r>
+            <a:r>
+              <a:rPr lang="en-US" sz="1200" b="1" dirty="0" smtClean="0"/>
+              <a:t>return;        </a:t>
+            </a:r>
+          </a:p>
+          <a:p>
+            <a:endParaRPr lang="en-US" sz="1200" dirty="0" smtClean="0"/>
+          </a:p>
+          <a:p>
+            <a:r>
+              <a:rPr lang="en-US" sz="1200" dirty="0" smtClean="0"/>
+              <a:t>        /* Initialize the SRIO Driver */</a:t>
+            </a:r>
+          </a:p>
+          <a:p>
+            <a:r>
+              <a:rPr lang="en-US" sz="1200" dirty="0" smtClean="0"/>
+              <a:t>        </a:t>
+            </a:r>
+            <a:r>
+              <a:rPr lang="en-US" sz="1200" b="1" dirty="0" smtClean="0"/>
+              <a:t>if (Srio_init () &lt; 0)</a:t>
+            </a:r>
+          </a:p>
+          <a:p>
+            <a:r>
+              <a:rPr lang="en-US" sz="1200" dirty="0" smtClean="0"/>
+              <a:t>        {</a:t>
+            </a:r>
+          </a:p>
+          <a:p>
+            <a:r>
+              <a:rPr lang="en-US" sz="1200" dirty="0" smtClean="0"/>
+              <a:t>            System_printf ("Error: SRIO Driver Initialization Failed\n");</a:t>
+            </a:r>
+          </a:p>
+          <a:p>
+            <a:r>
+              <a:rPr lang="en-US" sz="1200" dirty="0" smtClean="0"/>
+              <a:t>            </a:t>
+            </a:r>
+            <a:r>
+              <a:rPr lang="en-US" sz="1200" b="1" dirty="0" smtClean="0"/>
+              <a:t>return;</a:t>
+            </a:r>
+          </a:p>
+          <a:p>
+            <a:r>
+              <a:rPr lang="en-US" sz="1200" dirty="0" smtClean="0"/>
+              <a:t>        }</a:t>
+            </a:r>
+            <a:endParaRPr lang="en-US" sz="1200" dirty="0"/>
           </a:p>
         </p:txBody>
       </p:sp>
       <p:sp>
         <p:nvSpPr>
-          <p:cNvPr id="4" name="Slide Number Placeholder 3"/>
+          <p:cNvPr id="5" name="Slide Number Placeholder 4"/>
           <p:cNvSpPr>
             <a:spLocks noGrp="1"/>
           </p:cNvSpPr>
@@ -36462,293 +36209,6 @@
         <p:spPr>
           <a:xfrm>
             <a:off x="457200" y="274638"/>
-            <a:ext cx="8229600" cy="889496"/>
-          </a:xfrm>
-        </p:spPr>
-        <p:txBody>
-          <a:bodyPr>
-            <a:noAutofit/>
-          </a:bodyPr>
-          <a:lstStyle/>
-          <a:p>
-            <a:r>
-              <a:rPr lang="en-US" sz="3600" b="1" dirty="0" smtClean="0"/>
-              <a:t>PDK Example: Using SRIO Direct IO</a:t>
-            </a:r>
-          </a:p>
-        </p:txBody>
-      </p:sp>
-      <p:sp>
-        <p:nvSpPr>
-          <p:cNvPr id="4" name="Rectangle 3"/>
-          <p:cNvSpPr/>
-          <p:nvPr/>
-        </p:nvSpPr>
-        <p:spPr>
-          <a:xfrm>
-            <a:off x="381000" y="1164134"/>
-            <a:ext cx="8001000" cy="4924425"/>
-          </a:xfrm>
-          <a:prstGeom prst="rect">
-            <a:avLst/>
-          </a:prstGeom>
-        </p:spPr>
-        <p:txBody>
-          <a:bodyPr wrap="square">
-            <a:spAutoFit/>
-          </a:bodyPr>
-          <a:lstStyle/>
-          <a:p>
-            <a:r>
-              <a:rPr lang="en-US" sz="1400" dirty="0" smtClean="0"/>
-              <a:t> </a:t>
-            </a:r>
-            <a:r>
-              <a:rPr lang="en-US" sz="1200" b="1" dirty="0" smtClean="0"/>
-              <a:t>if (coreNum == CORE_SYS_INIT)</a:t>
-            </a:r>
-          </a:p>
-          <a:p>
-            <a:r>
-              <a:rPr lang="en-US" sz="1200" dirty="0" smtClean="0"/>
-              <a:t>    {</a:t>
-            </a:r>
-          </a:p>
-          <a:p>
-            <a:r>
-              <a:rPr lang="en-US" sz="1200" dirty="0" smtClean="0"/>
-              <a:t>        System_printf ("Debug(Core %d): System Initialization for CPPI &amp; QMSS\n", coreNum);</a:t>
-            </a:r>
-          </a:p>
-          <a:p>
-            <a:endParaRPr lang="en-US" sz="1200" dirty="0" smtClean="0"/>
-          </a:p>
-          <a:p>
-            <a:r>
-              <a:rPr lang="en-US" sz="1200" dirty="0" smtClean="0"/>
-              <a:t>        /* System Initialization */</a:t>
-            </a:r>
-          </a:p>
-          <a:p>
-            <a:r>
-              <a:rPr lang="en-US" sz="1200" dirty="0" smtClean="0"/>
-              <a:t>        </a:t>
-            </a:r>
-            <a:r>
-              <a:rPr lang="en-US" sz="1200" b="1" dirty="0" smtClean="0"/>
-              <a:t>if (system_init() &lt; 0)</a:t>
-            </a:r>
-          </a:p>
-          <a:p>
-            <a:r>
-              <a:rPr lang="en-US" sz="1200" dirty="0" smtClean="0"/>
-              <a:t>            </a:t>
-            </a:r>
-            <a:r>
-              <a:rPr lang="en-US" sz="1200" b="1" dirty="0" smtClean="0"/>
-              <a:t>return;</a:t>
-            </a:r>
-          </a:p>
-          <a:p>
-            <a:r>
-              <a:rPr lang="en-US" sz="1200" dirty="0" smtClean="0"/>
-              <a:t>        </a:t>
-            </a:r>
-          </a:p>
-          <a:p>
-            <a:r>
-              <a:rPr lang="en-US" sz="1200" dirty="0" smtClean="0"/>
-              <a:t>        /* Power on SRIO peripheral before using it */</a:t>
-            </a:r>
-          </a:p>
-          <a:p>
-            <a:r>
-              <a:rPr lang="en-US" sz="1200" dirty="0" smtClean="0"/>
-              <a:t>        </a:t>
-            </a:r>
-            <a:r>
-              <a:rPr lang="en-US" sz="1200" b="1" dirty="0" smtClean="0"/>
-              <a:t>if (enable_srio () &lt; 0)</a:t>
-            </a:r>
-          </a:p>
-          <a:p>
-            <a:r>
-              <a:rPr lang="en-US" sz="1200" dirty="0" smtClean="0"/>
-              <a:t>        {</a:t>
-            </a:r>
-          </a:p>
-          <a:p>
-            <a:r>
-              <a:rPr lang="en-US" sz="1200" dirty="0" smtClean="0"/>
-              <a:t>            System_printf ("Error: SRIO PSC Initialization Failed\n");</a:t>
-            </a:r>
-          </a:p>
-          <a:p>
-            <a:r>
-              <a:rPr lang="en-US" sz="1200" dirty="0" smtClean="0"/>
-              <a:t>            </a:t>
-            </a:r>
-            <a:r>
-              <a:rPr lang="en-US" sz="1200" b="1" dirty="0" smtClean="0"/>
-              <a:t>return;</a:t>
-            </a:r>
-          </a:p>
-          <a:p>
-            <a:r>
-              <a:rPr lang="en-US" sz="1200" dirty="0" smtClean="0"/>
-              <a:t>        }</a:t>
-            </a:r>
-          </a:p>
-          <a:p>
-            <a:r>
-              <a:rPr lang="en-US" sz="1200" dirty="0" smtClean="0"/>
-              <a:t>        </a:t>
-            </a:r>
-          </a:p>
-          <a:p>
-            <a:r>
-              <a:rPr lang="en-US" sz="1200" dirty="0" smtClean="0"/>
-              <a:t>    /* Device Specific SRIO Initializations: This should always be called before</a:t>
-            </a:r>
-          </a:p>
-          <a:p>
-            <a:r>
-              <a:rPr lang="en-US" sz="1200" dirty="0" smtClean="0"/>
-              <a:t>         * initializing the SRIO Driver. */</a:t>
-            </a:r>
-          </a:p>
-          <a:p>
-            <a:r>
-              <a:rPr lang="en-US" sz="1200" dirty="0" smtClean="0"/>
-              <a:t>    </a:t>
-            </a:r>
-            <a:r>
-              <a:rPr lang="en-US" sz="1200" b="1" dirty="0" smtClean="0"/>
-              <a:t>if (SrioDevice_init() &lt; 0)</a:t>
-            </a:r>
-          </a:p>
-          <a:p>
-            <a:r>
-              <a:rPr lang="en-US" sz="1200" dirty="0" smtClean="0"/>
-              <a:t>        </a:t>
-            </a:r>
-            <a:r>
-              <a:rPr lang="en-US" sz="1200" b="1" dirty="0" smtClean="0"/>
-              <a:t>return;        </a:t>
-            </a:r>
-          </a:p>
-          <a:p>
-            <a:endParaRPr lang="en-US" sz="1200" dirty="0" smtClean="0"/>
-          </a:p>
-          <a:p>
-            <a:r>
-              <a:rPr lang="en-US" sz="1200" dirty="0" smtClean="0"/>
-              <a:t>        /* Initialize the SRIO Driver */</a:t>
-            </a:r>
-          </a:p>
-          <a:p>
-            <a:r>
-              <a:rPr lang="en-US" sz="1200" dirty="0" smtClean="0"/>
-              <a:t>        </a:t>
-            </a:r>
-            <a:r>
-              <a:rPr lang="en-US" sz="1200" b="1" dirty="0" smtClean="0"/>
-              <a:t>if (Srio_init () &lt; 0)</a:t>
-            </a:r>
-          </a:p>
-          <a:p>
-            <a:r>
-              <a:rPr lang="en-US" sz="1200" dirty="0" smtClean="0"/>
-              <a:t>        {</a:t>
-            </a:r>
-          </a:p>
-          <a:p>
-            <a:r>
-              <a:rPr lang="en-US" sz="1200" dirty="0" smtClean="0"/>
-              <a:t>            System_printf ("Error: SRIO Driver Initialization Failed\n");</a:t>
-            </a:r>
-          </a:p>
-          <a:p>
-            <a:r>
-              <a:rPr lang="en-US" sz="1200" dirty="0" smtClean="0"/>
-              <a:t>            </a:t>
-            </a:r>
-            <a:r>
-              <a:rPr lang="en-US" sz="1200" b="1" dirty="0" smtClean="0"/>
-              <a:t>return;</a:t>
-            </a:r>
-          </a:p>
-          <a:p>
-            <a:r>
-              <a:rPr lang="en-US" sz="1200" dirty="0" smtClean="0"/>
-              <a:t>        }</a:t>
-            </a:r>
-            <a:endParaRPr lang="en-US" sz="1200" dirty="0"/>
-          </a:p>
-        </p:txBody>
-      </p:sp>
-      <p:sp>
-        <p:nvSpPr>
-          <p:cNvPr id="5" name="Slide Number Placeholder 4"/>
-          <p:cNvSpPr>
-            <a:spLocks noGrp="1"/>
-          </p:cNvSpPr>
-          <p:nvPr>
-            <p:ph type="sldNum" sz="quarter" idx="4"/>
-          </p:nvPr>
-        </p:nvSpPr>
-        <p:spPr/>
-        <p:txBody>
-          <a:bodyPr/>
-          <a:lstStyle/>
-          <a:p>
-            <a:fld id="{3144B24B-BAB1-431A-82C6-36E096187F50}" type="slidenum">
-              <a:rPr lang="en-US" smtClean="0"/>
-              <a:pPr/>
-              <a:t>50</a:t>
-            </a:fld>
-            <a:endParaRPr lang="en-US"/>
-          </a:p>
-        </p:txBody>
-      </p:sp>
-    </p:spTree>
-  </p:cSld>
-  <p:clrMapOvr>
-    <a:masterClrMapping/>
-  </p:clrMapOvr>
-</p:sld>
-</file>
-
-<file path=ppt/slides/slide51.xml><?xml version="1.0" encoding="utf-8"?>
-<p:sld xmlns:a="http://schemas.openxmlformats.org/drawingml/2006/main" xmlns:r="http://schemas.openxmlformats.org/officeDocument/2006/relationships" xmlns:p="http://schemas.openxmlformats.org/presentationml/2006/main">
-  <p:cSld>
-    <p:spTree>
-      <p:nvGrpSpPr>
-        <p:cNvPr id="1" name=""/>
-        <p:cNvGrpSpPr/>
-        <p:nvPr/>
-      </p:nvGrpSpPr>
-      <p:grpSpPr>
-        <a:xfrm>
-          <a:off x="0" y="0"/>
-          <a:ext cx="0" cy="0"/>
-          <a:chOff x="0" y="0"/>
-          <a:chExt cx="0" cy="0"/>
-        </a:xfrm>
-      </p:grpSpPr>
-      <p:sp>
-        <p:nvSpPr>
-          <p:cNvPr id="2" name="Title 1"/>
-          <p:cNvSpPr>
-            <a:spLocks noGrp="1"/>
-          </p:cNvSpPr>
-          <p:nvPr>
-            <p:ph type="title"/>
-          </p:nvPr>
-        </p:nvSpPr>
-        <p:spPr>
-          <a:xfrm>
-            <a:off x="457200" y="274638"/>
             <a:ext cx="8229600" cy="715962"/>
           </a:xfrm>
         </p:spPr>
@@ -36964,7 +36424,7 @@
             <a:fld id="{3144B24B-BAB1-431A-82C6-36E096187F50}" type="slidenum">
               <a:rPr lang="en-US" smtClean="0"/>
               <a:pPr/>
-              <a:t>51</a:t>
+              <a:t>50</a:t>
             </a:fld>
             <a:endParaRPr lang="en-US"/>
           </a:p>
@@ -36978,7 +36438,7 @@
 </p:sld>
 </file>
 
-<file path=ppt/slides/slide52.xml><?xml version="1.0" encoding="utf-8"?>
+<file path=ppt/slides/slide51.xml><?xml version="1.0" encoding="utf-8"?>
 <p:sld xmlns:a="http://schemas.openxmlformats.org/drawingml/2006/main" xmlns:r="http://schemas.openxmlformats.org/officeDocument/2006/relationships" xmlns:p="http://schemas.openxmlformats.org/presentationml/2006/main">
   <p:cSld>
     <p:spTree>
@@ -37083,7 +36543,7 @@
             <a:fld id="{3144B24B-BAB1-431A-82C6-36E096187F50}" type="slidenum">
               <a:rPr lang="en-US" smtClean="0"/>
               <a:pPr/>
-              <a:t>52</a:t>
+              <a:t>51</a:t>
             </a:fld>
             <a:endParaRPr lang="en-US"/>
           </a:p>
@@ -37097,7 +36557,7 @@
 </p:sld>
 </file>
 
-<file path=ppt/slides/slide53.xml><?xml version="1.0" encoding="utf-8"?>
+<file path=ppt/slides/slide52.xml><?xml version="1.0" encoding="utf-8"?>
 <p:sld xmlns:a="http://schemas.openxmlformats.org/drawingml/2006/main" xmlns:r="http://schemas.openxmlformats.org/officeDocument/2006/relationships" xmlns:p="http://schemas.openxmlformats.org/presentationml/2006/main">
   <p:cSld>
     <p:spTree>
@@ -37270,6 +36730,193 @@
             <a:fld id="{3144B24B-BAB1-431A-82C6-36E096187F50}" type="slidenum">
               <a:rPr lang="en-US" smtClean="0"/>
               <a:pPr/>
+              <a:t>52</a:t>
+            </a:fld>
+            <a:endParaRPr lang="en-US"/>
+          </a:p>
+        </p:txBody>
+      </p:sp>
+    </p:spTree>
+  </p:cSld>
+  <p:clrMapOvr>
+    <a:masterClrMapping/>
+  </p:clrMapOvr>
+</p:sld>
+</file>
+
+<file path=ppt/slides/slide53.xml><?xml version="1.0" encoding="utf-8"?>
+<p:sld xmlns:a="http://schemas.openxmlformats.org/drawingml/2006/main" xmlns:r="http://schemas.openxmlformats.org/officeDocument/2006/relationships" xmlns:p="http://schemas.openxmlformats.org/presentationml/2006/main">
+  <p:cSld>
+    <p:spTree>
+      <p:nvGrpSpPr>
+        <p:cNvPr id="1" name=""/>
+        <p:cNvGrpSpPr/>
+        <p:nvPr/>
+      </p:nvGrpSpPr>
+      <p:grpSpPr>
+        <a:xfrm>
+          <a:off x="0" y="0"/>
+          <a:ext cx="0" cy="0"/>
+          <a:chOff x="0" y="0"/>
+          <a:chExt cx="0" cy="0"/>
+        </a:xfrm>
+      </p:grpSpPr>
+      <p:sp>
+        <p:nvSpPr>
+          <p:cNvPr id="4" name="Title 3"/>
+          <p:cNvSpPr>
+            <a:spLocks noGrp="1"/>
+          </p:cNvSpPr>
+          <p:nvPr>
+            <p:ph type="title"/>
+          </p:nvPr>
+        </p:nvSpPr>
+        <p:spPr>
+          <a:xfrm>
+            <a:off x="457200" y="274638"/>
+            <a:ext cx="8229600" cy="715962"/>
+          </a:xfrm>
+        </p:spPr>
+        <p:txBody>
+          <a:bodyPr>
+            <a:normAutofit/>
+          </a:bodyPr>
+          <a:lstStyle/>
+          <a:p>
+            <a:r>
+              <a:rPr lang="en-US" sz="3600" b="1" dirty="0" smtClean="0"/>
+              <a:t>Enable SRIO</a:t>
+            </a:r>
+            <a:endParaRPr lang="en-US" sz="3600" b="1" dirty="0"/>
+          </a:p>
+        </p:txBody>
+      </p:sp>
+      <p:sp>
+        <p:nvSpPr>
+          <p:cNvPr id="5" name="Rectangle 4"/>
+          <p:cNvSpPr/>
+          <p:nvPr/>
+        </p:nvSpPr>
+        <p:spPr>
+          <a:xfrm>
+            <a:off x="457200" y="990600"/>
+            <a:ext cx="7391400" cy="5078313"/>
+          </a:xfrm>
+          <a:prstGeom prst="rect">
+            <a:avLst/>
+          </a:prstGeom>
+        </p:spPr>
+        <p:txBody>
+          <a:bodyPr wrap="square">
+            <a:spAutoFit/>
+          </a:bodyPr>
+          <a:lstStyle/>
+          <a:p>
+            <a:r>
+              <a:rPr lang="en-US" b="1" dirty="0" smtClean="0"/>
+              <a:t>static Int32 enable_srio (void)</a:t>
+            </a:r>
+          </a:p>
+          <a:p>
+            <a:r>
+              <a:rPr lang="en-US" dirty="0" smtClean="0"/>
+              <a:t>{</a:t>
+            </a:r>
+          </a:p>
+          <a:p>
+            <a:endParaRPr lang="en-US" b="1" dirty="0" smtClean="0"/>
+          </a:p>
+          <a:p>
+            <a:r>
+              <a:rPr lang="en-US" dirty="0" smtClean="0"/>
+              <a:t>    /* SRIO power domain is turned OFF by default. It needs to be turned on before doing any </a:t>
+            </a:r>
+          </a:p>
+          <a:p>
+            <a:r>
+              <a:rPr lang="en-US" dirty="0" smtClean="0"/>
+              <a:t>     * SRIO device register access. This not required for the simulator. */</a:t>
+            </a:r>
+          </a:p>
+          <a:p>
+            <a:endParaRPr lang="en-US" dirty="0" smtClean="0"/>
+          </a:p>
+          <a:p>
+            <a:r>
+              <a:rPr lang="en-US" dirty="0" smtClean="0"/>
+              <a:t>    /* Set SRIO Power domain to ON */        </a:t>
+            </a:r>
+          </a:p>
+          <a:p>
+            <a:r>
+              <a:rPr lang="en-US" dirty="0" smtClean="0"/>
+              <a:t>    CSL_PSC_enablePowerDomain (CSL_PSC_PD_SRIO);</a:t>
+            </a:r>
+          </a:p>
+          <a:p>
+            <a:endParaRPr lang="en-US" dirty="0" smtClean="0"/>
+          </a:p>
+          <a:p>
+            <a:r>
+              <a:rPr lang="en-US" dirty="0" smtClean="0"/>
+              <a:t>    /* Enable the clocks too for SRIO */</a:t>
+            </a:r>
+          </a:p>
+          <a:p>
+            <a:r>
+              <a:rPr lang="en-US" dirty="0" smtClean="0"/>
+              <a:t>    CSL_PSC_setModuleNextState (CSL_PSC_LPSC_SRIO, </a:t>
+            </a:r>
+            <a:r>
+              <a:rPr lang="en-US" i="1" dirty="0" smtClean="0"/>
+              <a:t>PSC_MODSTATE_ENABLE);</a:t>
+            </a:r>
+          </a:p>
+          <a:p>
+            <a:endParaRPr lang="en-US" dirty="0" smtClean="0"/>
+          </a:p>
+          <a:p>
+            <a:r>
+              <a:rPr lang="en-US" dirty="0" smtClean="0"/>
+              <a:t>    /* Start the state transition */</a:t>
+            </a:r>
+          </a:p>
+          <a:p>
+            <a:r>
+              <a:rPr lang="en-US" dirty="0" smtClean="0"/>
+              <a:t>    CSL_PSC_startStateTransition (CSL_PSC_PD_SRIO);</a:t>
+            </a:r>
+          </a:p>
+          <a:p>
+            <a:endParaRPr lang="en-US" dirty="0" smtClean="0"/>
+          </a:p>
+          <a:p>
+            <a:r>
+              <a:rPr lang="en-US" dirty="0" smtClean="0"/>
+              <a:t>    /* Wait until the state transition process is completed. */</a:t>
+            </a:r>
+            <a:endParaRPr lang="en-US" dirty="0"/>
+          </a:p>
+        </p:txBody>
+      </p:sp>
+      <p:sp>
+        <p:nvSpPr>
+          <p:cNvPr id="6" name="Slide Number Placeholder 5"/>
+          <p:cNvSpPr>
+            <a:spLocks noGrp="1"/>
+          </p:cNvSpPr>
+          <p:nvPr>
+            <p:ph type="sldNum" sz="quarter" idx="4"/>
+          </p:nvPr>
+        </p:nvSpPr>
+        <p:spPr/>
+        <p:txBody>
+          <a:bodyPr/>
+          <a:lstStyle/>
+          <a:p>
+            <a:fld id="{3144B24B-BAB1-431A-82C6-36E096187F50}" type="slidenum">
+              <a:rPr lang="en-US" smtClean="0"/>
+              <a:pPr/>
               <a:t>53</a:t>
             </a:fld>
             <a:endParaRPr lang="en-US"/>
@@ -37324,193 +36971,6 @@
           <a:lstStyle/>
           <a:p>
             <a:r>
-              <a:rPr lang="en-US" sz="3600" b="1" dirty="0" smtClean="0"/>
-              <a:t>Enable SRIO</a:t>
-            </a:r>
-            <a:endParaRPr lang="en-US" sz="3600" b="1" dirty="0"/>
-          </a:p>
-        </p:txBody>
-      </p:sp>
-      <p:sp>
-        <p:nvSpPr>
-          <p:cNvPr id="5" name="Rectangle 4"/>
-          <p:cNvSpPr/>
-          <p:nvPr/>
-        </p:nvSpPr>
-        <p:spPr>
-          <a:xfrm>
-            <a:off x="457200" y="990600"/>
-            <a:ext cx="7391400" cy="5078313"/>
-          </a:xfrm>
-          <a:prstGeom prst="rect">
-            <a:avLst/>
-          </a:prstGeom>
-        </p:spPr>
-        <p:txBody>
-          <a:bodyPr wrap="square">
-            <a:spAutoFit/>
-          </a:bodyPr>
-          <a:lstStyle/>
-          <a:p>
-            <a:r>
-              <a:rPr lang="en-US" b="1" dirty="0" smtClean="0"/>
-              <a:t>static Int32 enable_srio (void)</a:t>
-            </a:r>
-          </a:p>
-          <a:p>
-            <a:r>
-              <a:rPr lang="en-US" dirty="0" smtClean="0"/>
-              <a:t>{</a:t>
-            </a:r>
-          </a:p>
-          <a:p>
-            <a:endParaRPr lang="en-US" b="1" dirty="0" smtClean="0"/>
-          </a:p>
-          <a:p>
-            <a:r>
-              <a:rPr lang="en-US" dirty="0" smtClean="0"/>
-              <a:t>    /* SRIO power domain is turned OFF by default. It needs to be turned on before doing any </a:t>
-            </a:r>
-          </a:p>
-          <a:p>
-            <a:r>
-              <a:rPr lang="en-US" dirty="0" smtClean="0"/>
-              <a:t>     * SRIO device register access. This not required for the simulator. */</a:t>
-            </a:r>
-          </a:p>
-          <a:p>
-            <a:endParaRPr lang="en-US" dirty="0" smtClean="0"/>
-          </a:p>
-          <a:p>
-            <a:r>
-              <a:rPr lang="en-US" dirty="0" smtClean="0"/>
-              <a:t>    /* Set SRIO Power domain to ON */        </a:t>
-            </a:r>
-          </a:p>
-          <a:p>
-            <a:r>
-              <a:rPr lang="en-US" dirty="0" smtClean="0"/>
-              <a:t>    CSL_PSC_enablePowerDomain (CSL_PSC_PD_SRIO);</a:t>
-            </a:r>
-          </a:p>
-          <a:p>
-            <a:endParaRPr lang="en-US" dirty="0" smtClean="0"/>
-          </a:p>
-          <a:p>
-            <a:r>
-              <a:rPr lang="en-US" dirty="0" smtClean="0"/>
-              <a:t>    /* Enable the clocks too for SRIO */</a:t>
-            </a:r>
-          </a:p>
-          <a:p>
-            <a:r>
-              <a:rPr lang="en-US" dirty="0" smtClean="0"/>
-              <a:t>    CSL_PSC_setModuleNextState (CSL_PSC_LPSC_SRIO, </a:t>
-            </a:r>
-            <a:r>
-              <a:rPr lang="en-US" i="1" dirty="0" smtClean="0"/>
-              <a:t>PSC_MODSTATE_ENABLE);</a:t>
-            </a:r>
-          </a:p>
-          <a:p>
-            <a:endParaRPr lang="en-US" dirty="0" smtClean="0"/>
-          </a:p>
-          <a:p>
-            <a:r>
-              <a:rPr lang="en-US" dirty="0" smtClean="0"/>
-              <a:t>    /* Start the state transition */</a:t>
-            </a:r>
-          </a:p>
-          <a:p>
-            <a:r>
-              <a:rPr lang="en-US" dirty="0" smtClean="0"/>
-              <a:t>    CSL_PSC_startStateTransition (CSL_PSC_PD_SRIO);</a:t>
-            </a:r>
-          </a:p>
-          <a:p>
-            <a:endParaRPr lang="en-US" dirty="0" smtClean="0"/>
-          </a:p>
-          <a:p>
-            <a:r>
-              <a:rPr lang="en-US" dirty="0" smtClean="0"/>
-              <a:t>    /* Wait until the state transition process is completed. */</a:t>
-            </a:r>
-            <a:endParaRPr lang="en-US" dirty="0"/>
-          </a:p>
-        </p:txBody>
-      </p:sp>
-      <p:sp>
-        <p:nvSpPr>
-          <p:cNvPr id="6" name="Slide Number Placeholder 5"/>
-          <p:cNvSpPr>
-            <a:spLocks noGrp="1"/>
-          </p:cNvSpPr>
-          <p:nvPr>
-            <p:ph type="sldNum" sz="quarter" idx="4"/>
-          </p:nvPr>
-        </p:nvSpPr>
-        <p:spPr/>
-        <p:txBody>
-          <a:bodyPr/>
-          <a:lstStyle/>
-          <a:p>
-            <a:fld id="{3144B24B-BAB1-431A-82C6-36E096187F50}" type="slidenum">
-              <a:rPr lang="en-US" smtClean="0"/>
-              <a:pPr/>
-              <a:t>54</a:t>
-            </a:fld>
-            <a:endParaRPr lang="en-US"/>
-          </a:p>
-        </p:txBody>
-      </p:sp>
-    </p:spTree>
-  </p:cSld>
-  <p:clrMapOvr>
-    <a:masterClrMapping/>
-  </p:clrMapOvr>
-</p:sld>
-</file>
-
-<file path=ppt/slides/slide55.xml><?xml version="1.0" encoding="utf-8"?>
-<p:sld xmlns:a="http://schemas.openxmlformats.org/drawingml/2006/main" xmlns:r="http://schemas.openxmlformats.org/officeDocument/2006/relationships" xmlns:p="http://schemas.openxmlformats.org/presentationml/2006/main">
-  <p:cSld>
-    <p:spTree>
-      <p:nvGrpSpPr>
-        <p:cNvPr id="1" name=""/>
-        <p:cNvGrpSpPr/>
-        <p:nvPr/>
-      </p:nvGrpSpPr>
-      <p:grpSpPr>
-        <a:xfrm>
-          <a:off x="0" y="0"/>
-          <a:ext cx="0" cy="0"/>
-          <a:chOff x="0" y="0"/>
-          <a:chExt cx="0" cy="0"/>
-        </a:xfrm>
-      </p:grpSpPr>
-      <p:sp>
-        <p:nvSpPr>
-          <p:cNvPr id="4" name="Title 3"/>
-          <p:cNvSpPr>
-            <a:spLocks noGrp="1"/>
-          </p:cNvSpPr>
-          <p:nvPr>
-            <p:ph type="title"/>
-          </p:nvPr>
-        </p:nvSpPr>
-        <p:spPr>
-          <a:xfrm>
-            <a:off x="457200" y="274638"/>
-            <a:ext cx="8229600" cy="715962"/>
-          </a:xfrm>
-        </p:spPr>
-        <p:txBody>
-          <a:bodyPr>
-            <a:normAutofit/>
-          </a:bodyPr>
-          <a:lstStyle/>
-          <a:p>
-            <a:r>
               <a:rPr lang="en-US" sz="3600" dirty="0" smtClean="0"/>
               <a:t>SRIO Handle to the Instance</a:t>
             </a:r>
@@ -37605,9 +37065,87 @@
             <a:fld id="{3144B24B-BAB1-431A-82C6-36E096187F50}" type="slidenum">
               <a:rPr lang="en-US" smtClean="0"/>
               <a:pPr/>
-              <a:t>55</a:t>
+              <a:t>54</a:t>
             </a:fld>
             <a:endParaRPr lang="en-US"/>
+          </a:p>
+        </p:txBody>
+      </p:sp>
+    </p:spTree>
+  </p:cSld>
+  <p:clrMapOvr>
+    <a:masterClrMapping/>
+  </p:clrMapOvr>
+</p:sld>
+</file>
+
+<file path=ppt/slides/slide55.xml><?xml version="1.0" encoding="utf-8"?>
+<p:sld xmlns:a="http://schemas.openxmlformats.org/drawingml/2006/main" xmlns:r="http://schemas.openxmlformats.org/officeDocument/2006/relationships" xmlns:p="http://schemas.openxmlformats.org/presentationml/2006/main">
+  <p:cSld>
+    <p:spTree>
+      <p:nvGrpSpPr>
+        <p:cNvPr id="1" name=""/>
+        <p:cNvGrpSpPr/>
+        <p:nvPr/>
+      </p:nvGrpSpPr>
+      <p:grpSpPr>
+        <a:xfrm>
+          <a:off x="0" y="0"/>
+          <a:ext cx="0" cy="0"/>
+          <a:chOff x="0" y="0"/>
+          <a:chExt cx="0" cy="0"/>
+        </a:xfrm>
+      </p:grpSpPr>
+      <p:sp>
+        <p:nvSpPr>
+          <p:cNvPr id="2" name="Title 1"/>
+          <p:cNvSpPr>
+            <a:spLocks noGrp="1"/>
+          </p:cNvSpPr>
+          <p:nvPr>
+            <p:ph type="ctrTitle"/>
+          </p:nvPr>
+        </p:nvSpPr>
+        <p:spPr/>
+        <p:txBody>
+          <a:bodyPr/>
+          <a:lstStyle/>
+          <a:p>
+            <a:pPr lvl="0"/>
+            <a:r>
+              <a:rPr lang="en-US" dirty="0" smtClean="0"/>
+              <a:t>DSP CorePac LLD Layer:</a:t>
+            </a:r>
+            <a:br>
+              <a:rPr lang="en-US" dirty="0" smtClean="0"/>
+            </a:br>
+            <a:r>
+              <a:rPr lang="en-US" dirty="0" smtClean="0"/>
+              <a:t>NWAL (Network Adaptation Layer) </a:t>
+            </a:r>
+          </a:p>
+        </p:txBody>
+      </p:sp>
+      <p:sp>
+        <p:nvSpPr>
+          <p:cNvPr id="3" name="Subtitle 2"/>
+          <p:cNvSpPr>
+            <a:spLocks noGrp="1"/>
+          </p:cNvSpPr>
+          <p:nvPr>
+            <p:ph type="subTitle" idx="1"/>
+          </p:nvPr>
+        </p:nvSpPr>
+        <p:spPr/>
+        <p:txBody>
+          <a:bodyPr/>
+          <a:lstStyle/>
+          <a:p>
+            <a:r>
+              <a:rPr lang="en-US" dirty="0" smtClean="0"/>
+              <a:t>KeyStone Peripherals Usage</a:t>
+            </a:r>
+            <a:endParaRPr lang="en-US" dirty="0"/>
           </a:p>
         </p:txBody>
       </p:sp>
@@ -37643,7 +37181,7 @@
             <a:spLocks noGrp="1"/>
           </p:cNvSpPr>
           <p:nvPr>
-            <p:ph type="ctrTitle"/>
+            <p:ph type="title"/>
           </p:nvPr>
         </p:nvSpPr>
         <p:spPr/>
@@ -37651,29 +37189,65 @@
           <a:bodyPr/>
           <a:lstStyle/>
           <a:p>
-            <a:pPr lvl="0"/>
-            <a:r>
-              <a:rPr lang="en-US" dirty="0" smtClean="0"/>
-              <a:t>DSP CorePac LLD Layer:</a:t>
-            </a:r>
-            <a:br>
-              <a:rPr lang="en-US" dirty="0" smtClean="0"/>
-            </a:br>
-            <a:r>
-              <a:rPr lang="en-US" dirty="0" smtClean="0"/>
-              <a:t>NWAL (Network Adaptation Layer) </a:t>
-            </a:r>
+            <a:r>
+              <a:rPr lang="en-US" sz="3600" b="1" dirty="0" smtClean="0"/>
+              <a:t>NETCP Configuration</a:t>
+            </a:r>
+            <a:endParaRPr lang="en-US" sz="3600" b="1" dirty="0"/>
           </a:p>
         </p:txBody>
       </p:sp>
       <p:sp>
         <p:nvSpPr>
-          <p:cNvPr id="3" name="Subtitle 2"/>
+          <p:cNvPr id="3" name="Content Placeholder 2"/>
           <p:cNvSpPr>
             <a:spLocks noGrp="1"/>
           </p:cNvSpPr>
           <p:nvPr>
-            <p:ph type="subTitle" idx="1"/>
+            <p:ph idx="1"/>
+          </p:nvPr>
+        </p:nvSpPr>
+        <p:spPr/>
+        <p:txBody>
+          <a:bodyPr>
+            <a:normAutofit fontScale="92500" lnSpcReduction="10000"/>
+          </a:bodyPr>
+          <a:lstStyle/>
+          <a:p>
+            <a:r>
+              <a:rPr lang="en-US" dirty="0" smtClean="0"/>
+              <a:t>NETCP is very sophisticated device that can offload all networking processing from CPU, but requires (of course) configuration.</a:t>
+            </a:r>
+          </a:p>
+          <a:p>
+            <a:r>
+              <a:rPr lang="en-US" dirty="0" smtClean="0"/>
+              <a:t>The DSP LLD does not hide all implementation details from the application; They require multiple LLD calls and explicit usage of Multicore Navigator to configure the NETCP.</a:t>
+            </a:r>
+          </a:p>
+          <a:p>
+            <a:r>
+              <a:rPr lang="en-US" dirty="0" smtClean="0"/>
+              <a:t>NWAL (Network Adaptation Layer) is higher layer driver library for easy configuration of the NETCP device.</a:t>
+            </a:r>
+          </a:p>
+          <a:p>
+            <a:r>
+              <a:rPr lang="en-US" dirty="0" smtClean="0"/>
+              <a:t>NETAPI is a user’s space library that supports networking.</a:t>
+            </a:r>
+            <a:endParaRPr lang="en-US" dirty="0"/>
+          </a:p>
+        </p:txBody>
+      </p:sp>
+      <p:sp>
+        <p:nvSpPr>
+          <p:cNvPr id="4" name="Slide Number Placeholder 3"/>
+          <p:cNvSpPr>
+            <a:spLocks noGrp="1"/>
+          </p:cNvSpPr>
+          <p:nvPr>
+            <p:ph type="sldNum" sz="quarter" idx="4"/>
           </p:nvPr>
         </p:nvSpPr>
         <p:spPr/>
@@ -37681,11 +37255,12 @@
           <a:bodyPr/>
           <a:lstStyle/>
           <a:p>
-            <a:r>
-              <a:rPr lang="en-US" dirty="0" smtClean="0"/>
-              <a:t>KeyStone Peripherals Usage</a:t>
-            </a:r>
-            <a:endParaRPr lang="en-US" dirty="0"/>
+            <a:fld id="{3144B24B-BAB1-431A-82C6-36E096187F50}" type="slidenum">
+              <a:rPr lang="en-US" smtClean="0"/>
+              <a:pPr/>
+              <a:t>56</a:t>
+            </a:fld>
+            <a:endParaRPr lang="en-US"/>
           </a:p>
         </p:txBody>
       </p:sp>
@@ -37724,14 +37299,21 @@
             <p:ph type="title"/>
           </p:nvPr>
         </p:nvSpPr>
-        <p:spPr/>
+        <p:spPr>
+          <a:xfrm>
+            <a:off x="457200" y="274638"/>
+            <a:ext cx="8229600" cy="715962"/>
+          </a:xfrm>
+        </p:spPr>
         <p:txBody>
-          <a:bodyPr/>
+          <a:bodyPr>
+            <a:normAutofit/>
+          </a:bodyPr>
           <a:lstStyle/>
           <a:p>
             <a:r>
               <a:rPr lang="en-US" sz="3600" b="1" dirty="0" smtClean="0"/>
-              <a:t>NETCP Configuration</a:t>
+              <a:t>NWAL </a:t>
             </a:r>
             <a:endParaRPr lang="en-US" sz="3600" b="1" dirty="0"/>
           </a:p>
@@ -37747,7 +37329,12 @@
             <p:ph idx="1"/>
           </p:nvPr>
         </p:nvSpPr>
-        <p:spPr/>
+        <p:spPr>
+          <a:xfrm>
+            <a:off x="362200" y="990600"/>
+            <a:ext cx="8401792" cy="5334000"/>
+          </a:xfrm>
+        </p:spPr>
         <p:txBody>
           <a:bodyPr>
             <a:normAutofit fontScale="92500" lnSpcReduction="10000"/>
@@ -37756,26 +37343,42 @@
           <a:p>
             <a:r>
               <a:rPr lang="en-US" dirty="0" smtClean="0"/>
-              <a:t>NETCP is very sophisticated device that can offload all networking processing from CPU, but requires (of course) configuration.</a:t>
+              <a:t>The Network Adaptation Layer (NWAL) provides high-level driver functionality abstracting NETCP LLD for PA and SA.</a:t>
             </a:r>
           </a:p>
           <a:p>
             <a:r>
               <a:rPr lang="en-US" dirty="0" smtClean="0"/>
-              <a:t>The DSP LLD does not hide all implementation details from the application; They require multiple LLD calls and explicit usage of Multicore Navigator to configure the NETCP.</a:t>
-            </a:r>
-          </a:p>
-          <a:p>
+              <a:t>NWAL supports NETCP functionality:</a:t>
+            </a:r>
+          </a:p>
+          <a:p>
+            <a:pPr lvl="1"/>
             <a:r>
               <a:rPr lang="en-US" dirty="0" smtClean="0"/>
-              <a:t>NWAL (Network Adaptation Layer) is higher layer driver library for easy configuration of the NETCP device.</a:t>
-            </a:r>
-          </a:p>
-          <a:p>
+              <a:t>Classification and routing  of ingress packages based on L2 (MAC), L3 (IP) and L4 (UDP - port) or L5 (GTPU ID)  </a:t>
+            </a:r>
+          </a:p>
+          <a:p>
+            <a:pPr lvl="1"/>
             <a:r>
               <a:rPr lang="en-US" dirty="0" smtClean="0"/>
-              <a:t>NETAPI is a user’s space library that supports networking.</a:t>
-            </a:r>
+              <a:t>MAC/IPSec/IP/UDP header generation for outgoing packets</a:t>
+            </a:r>
+          </a:p>
+          <a:p>
+            <a:r>
+              <a:rPr lang="en-US" dirty="0" smtClean="0"/>
+              <a:t>NWAL APIs provide both blocking/synchronous and non-blocking/asynchronous support for the NETCP configuration.</a:t>
+            </a:r>
+          </a:p>
+          <a:p>
+            <a:r>
+              <a:rPr lang="en-US" dirty="0" smtClean="0"/>
+              <a:t>NWAL is part of PDK release.</a:t>
+            </a:r>
+          </a:p>
+          <a:p>
             <a:endParaRPr lang="en-US" dirty="0"/>
           </a:p>
         </p:txBody>
@@ -37841,19 +37444,26 @@
         </p:nvSpPr>
         <p:spPr>
           <a:xfrm>
-            <a:off x="457200" y="274638"/>
-            <a:ext cx="8229600" cy="715962"/>
+            <a:off x="0" y="274638"/>
+            <a:ext cx="9144000" cy="960396"/>
           </a:xfrm>
         </p:spPr>
         <p:txBody>
           <a:bodyPr>
-            <a:normAutofit/>
+            <a:normAutofit fontScale="90000"/>
           </a:bodyPr>
           <a:lstStyle/>
           <a:p>
             <a:r>
               <a:rPr lang="en-US" sz="3600" b="1" dirty="0" smtClean="0"/>
-              <a:t>NWAL </a:t>
+              <a:t>NWAL: NETCP</a:t>
+            </a:r>
+            <a:br>
+              <a:rPr lang="en-US" sz="3600" b="1" dirty="0" smtClean="0"/>
+            </a:br>
+            <a:r>
+              <a:rPr lang="en-US" sz="3600" b="1" dirty="0" smtClean="0"/>
+              <a:t>Security Accelerator (SA) Configuration</a:t>
             </a:r>
             <a:endParaRPr lang="en-US" sz="3600" b="1" dirty="0"/>
           </a:p>
@@ -37869,53 +37479,25 @@
             <p:ph idx="1"/>
           </p:nvPr>
         </p:nvSpPr>
-        <p:spPr>
-          <a:xfrm>
-            <a:off x="362200" y="990600"/>
-            <a:ext cx="8401792" cy="5334000"/>
-          </a:xfrm>
-        </p:spPr>
+        <p:spPr/>
         <p:txBody>
           <a:bodyPr>
-            <a:normAutofit fontScale="92500" lnSpcReduction="10000"/>
+            <a:normAutofit/>
           </a:bodyPr>
           <a:lstStyle/>
           <a:p>
+            <a:endParaRPr lang="en-US" dirty="0" smtClean="0"/>
+          </a:p>
+          <a:p>
             <a:r>
               <a:rPr lang="en-US" dirty="0" smtClean="0"/>
-              <a:t>The Network Adaptation Layer (NWAL) provides high-level driver functionality abstracting NETCP LLD for PA and SA.</a:t>
+              <a:t>Unidirectional IPSec SA creation and deletion </a:t>
             </a:r>
           </a:p>
           <a:p>
             <a:r>
               <a:rPr lang="en-US" dirty="0" smtClean="0"/>
-              <a:t>NWAL supports NETCP functionality:</a:t>
-            </a:r>
-          </a:p>
-          <a:p>
-            <a:pPr lvl="1"/>
-            <a:r>
-              <a:rPr lang="en-US" dirty="0" smtClean="0"/>
-              <a:t>Classification and routing  of ingress packages based on L2 (MAC), L3 (IP) and L4 (UDP - port) or L5 (GTPU ID)  </a:t>
-            </a:r>
-          </a:p>
-          <a:p>
-            <a:pPr lvl="1"/>
-            <a:r>
-              <a:rPr lang="en-US" dirty="0" smtClean="0"/>
-              <a:t>MAC/IPSec/IP/UDP header generation for outgoing packets</a:t>
-            </a:r>
-          </a:p>
-          <a:p>
-            <a:r>
-              <a:rPr lang="en-US" dirty="0" smtClean="0"/>
-              <a:t>NWAL APIs provide both blocking/synchronous and non-blocking/asynchronous support for the NETCP configuration.</a:t>
-            </a:r>
-          </a:p>
-          <a:p>
-            <a:r>
-              <a:rPr lang="en-US" dirty="0" smtClean="0"/>
-              <a:t>NWAL is part of PDK release.</a:t>
+              <a:t>Unidirectional IPSec Security Policy creation and deletion </a:t>
             </a:r>
           </a:p>
           <a:p>
@@ -37984,26 +37566,19 @@
         </p:nvSpPr>
         <p:spPr>
           <a:xfrm>
-            <a:off x="0" y="274638"/>
-            <a:ext cx="9144000" cy="960396"/>
+            <a:off x="457200" y="274638"/>
+            <a:ext cx="8229600" cy="715962"/>
           </a:xfrm>
         </p:spPr>
         <p:txBody>
           <a:bodyPr>
-            <a:normAutofit fontScale="90000"/>
+            <a:normAutofit/>
           </a:bodyPr>
           <a:lstStyle/>
           <a:p>
             <a:r>
               <a:rPr lang="en-US" sz="3600" b="1" dirty="0" smtClean="0"/>
-              <a:t>NWAL: NETCP</a:t>
-            </a:r>
-            <a:br>
-              <a:rPr lang="en-US" sz="3600" b="1" dirty="0" smtClean="0"/>
-            </a:br>
-            <a:r>
-              <a:rPr lang="en-US" sz="3600" b="1" dirty="0" smtClean="0"/>
-              <a:t>Security Accelerator (SA) Configuration</a:t>
+              <a:t>NWAL Dependencies </a:t>
             </a:r>
             <a:endParaRPr lang="en-US" sz="3600" b="1" dirty="0"/>
           </a:p>
@@ -38026,18 +37601,15 @@
           </a:bodyPr>
           <a:lstStyle/>
           <a:p>
-            <a:endParaRPr lang="en-US" dirty="0" smtClean="0"/>
-          </a:p>
-          <a:p>
             <a:r>
               <a:rPr lang="en-US" dirty="0" smtClean="0"/>
-              <a:t>Unidirectional IPSec SA creation and deletion </a:t>
+              <a:t>Initialization of Queue Manager Subsystem (QMSS) </a:t>
             </a:r>
           </a:p>
           <a:p>
             <a:r>
               <a:rPr lang="en-US" dirty="0" smtClean="0"/>
-              <a:t>Unidirectional IPSec Security Policy creation and deletion </a:t>
+              <a:t>Initialization of memory buffer pool with packet DMA resources including descriptors </a:t>
             </a:r>
           </a:p>
           <a:p>
@@ -38280,118 +37852,6 @@
         </p:nvSpPr>
         <p:spPr>
           <a:xfrm>
-            <a:off x="457200" y="274638"/>
-            <a:ext cx="8229600" cy="715962"/>
-          </a:xfrm>
-        </p:spPr>
-        <p:txBody>
-          <a:bodyPr>
-            <a:normAutofit/>
-          </a:bodyPr>
-          <a:lstStyle/>
-          <a:p>
-            <a:r>
-              <a:rPr lang="en-US" sz="3600" b="1" dirty="0" smtClean="0"/>
-              <a:t>NWAL Dependencies </a:t>
-            </a:r>
-            <a:endParaRPr lang="en-US" sz="3600" b="1" dirty="0"/>
-          </a:p>
-        </p:txBody>
-      </p:sp>
-      <p:sp>
-        <p:nvSpPr>
-          <p:cNvPr id="3" name="Content Placeholder 2"/>
-          <p:cNvSpPr>
-            <a:spLocks noGrp="1"/>
-          </p:cNvSpPr>
-          <p:nvPr>
-            <p:ph idx="1"/>
-          </p:nvPr>
-        </p:nvSpPr>
-        <p:spPr/>
-        <p:txBody>
-          <a:bodyPr>
-            <a:normAutofit/>
-          </a:bodyPr>
-          <a:lstStyle/>
-          <a:p>
-            <a:r>
-              <a:rPr lang="en-US" dirty="0" smtClean="0"/>
-              <a:t>Initialization of Queue Manager Subsystem (QMSS) </a:t>
-            </a:r>
-          </a:p>
-          <a:p>
-            <a:r>
-              <a:rPr lang="en-US" dirty="0" smtClean="0"/>
-              <a:t>Initialization of memory buffer pool with packet DMA resources including descriptors </a:t>
-            </a:r>
-          </a:p>
-          <a:p>
-            <a:endParaRPr lang="en-US" dirty="0"/>
-          </a:p>
-        </p:txBody>
-      </p:sp>
-      <p:sp>
-        <p:nvSpPr>
-          <p:cNvPr id="4" name="Slide Number Placeholder 3"/>
-          <p:cNvSpPr>
-            <a:spLocks noGrp="1"/>
-          </p:cNvSpPr>
-          <p:nvPr>
-            <p:ph type="sldNum" sz="quarter" idx="4"/>
-          </p:nvPr>
-        </p:nvSpPr>
-        <p:spPr/>
-        <p:txBody>
-          <a:bodyPr/>
-          <a:lstStyle/>
-          <a:p>
-            <a:fld id="{3144B24B-BAB1-431A-82C6-36E096187F50}" type="slidenum">
-              <a:rPr lang="en-US" smtClean="0"/>
-              <a:pPr/>
-              <a:t>60</a:t>
-            </a:fld>
-            <a:endParaRPr lang="en-US"/>
-          </a:p>
-        </p:txBody>
-      </p:sp>
-    </p:spTree>
-  </p:cSld>
-  <p:clrMapOvr>
-    <a:masterClrMapping/>
-  </p:clrMapOvr>
-</p:sld>
-</file>
-
-<file path=ppt/slides/slide61.xml><?xml version="1.0" encoding="utf-8"?>
-<p:sld xmlns:a="http://schemas.openxmlformats.org/drawingml/2006/main" xmlns:r="http://schemas.openxmlformats.org/officeDocument/2006/relationships" xmlns:p="http://schemas.openxmlformats.org/presentationml/2006/main">
-  <p:cSld>
-    <p:spTree>
-      <p:nvGrpSpPr>
-        <p:cNvPr id="1" name=""/>
-        <p:cNvGrpSpPr/>
-        <p:nvPr/>
-      </p:nvGrpSpPr>
-      <p:grpSpPr>
-        <a:xfrm>
-          <a:off x="0" y="0"/>
-          <a:ext cx="0" cy="0"/>
-          <a:chOff x="0" y="0"/>
-          <a:chExt cx="0" cy="0"/>
-        </a:xfrm>
-      </p:grpSpPr>
-      <p:sp>
-        <p:nvSpPr>
-          <p:cNvPr id="2" name="Title 1"/>
-          <p:cNvSpPr>
-            <a:spLocks noGrp="1"/>
-          </p:cNvSpPr>
-          <p:nvPr>
-            <p:ph type="title"/>
-          </p:nvPr>
-        </p:nvSpPr>
-        <p:spPr>
-          <a:xfrm>
             <a:off x="457200" y="142240"/>
             <a:ext cx="8229600" cy="1168400"/>
           </a:xfrm>
@@ -38464,7 +37924,7 @@
             <a:fld id="{3144B24B-BAB1-431A-82C6-36E096187F50}" type="slidenum">
               <a:rPr lang="en-US" smtClean="0"/>
               <a:pPr/>
-              <a:t>61</a:t>
+              <a:t>60</a:t>
             </a:fld>
             <a:endParaRPr lang="en-US"/>
           </a:p>
@@ -38478,7 +37938,7 @@
 </p:sld>
 </file>
 
-<file path=ppt/slides/slide62.xml><?xml version="1.0" encoding="utf-8"?>
+<file path=ppt/slides/slide61.xml><?xml version="1.0" encoding="utf-8"?>
 <p:sld xmlns:a="http://schemas.openxmlformats.org/drawingml/2006/main" xmlns:r="http://schemas.openxmlformats.org/officeDocument/2006/relationships" xmlns:p="http://schemas.openxmlformats.org/presentationml/2006/main">
   <p:cSld>
     <p:spTree>
@@ -38575,7 +38035,7 @@
             <a:fld id="{3144B24B-BAB1-431A-82C6-36E096187F50}" type="slidenum">
               <a:rPr lang="en-US" smtClean="0"/>
               <a:pPr/>
-              <a:t>62</a:t>
+              <a:t>61</a:t>
             </a:fld>
             <a:endParaRPr lang="en-US"/>
           </a:p>
@@ -38589,210 +38049,7 @@
 </p:sld>
 </file>
 
-<file path=ppt/slides/slide63.xml><?xml version="1.0" encoding="utf-8"?>
-<p:sld xmlns:a="http://schemas.openxmlformats.org/drawingml/2006/main" xmlns:r="http://schemas.openxmlformats.org/officeDocument/2006/relationships" xmlns:p="http://schemas.openxmlformats.org/presentationml/2006/main">
-  <p:cSld>
-    <p:spTree>
-      <p:nvGrpSpPr>
-        <p:cNvPr id="1" name=""/>
-        <p:cNvGrpSpPr/>
-        <p:nvPr/>
-      </p:nvGrpSpPr>
-      <p:grpSpPr>
-        <a:xfrm>
-          <a:off x="0" y="0"/>
-          <a:ext cx="0" cy="0"/>
-          <a:chOff x="0" y="0"/>
-          <a:chExt cx="0" cy="0"/>
-        </a:xfrm>
-      </p:grpSpPr>
-      <p:sp>
-        <p:nvSpPr>
-          <p:cNvPr id="2" name="Title 1"/>
-          <p:cNvSpPr>
-            <a:spLocks noGrp="1"/>
-          </p:cNvSpPr>
-          <p:nvPr>
-            <p:ph type="ctrTitle"/>
-          </p:nvPr>
-        </p:nvSpPr>
-        <p:spPr/>
-        <p:txBody>
-          <a:bodyPr/>
-          <a:lstStyle/>
-          <a:p>
-            <a:pPr lvl="0"/>
-            <a:r>
-              <a:rPr lang="en-US" dirty="0" smtClean="0"/>
-              <a:t>ARM Kernel Drivers</a:t>
-            </a:r>
-          </a:p>
-        </p:txBody>
-      </p:sp>
-      <p:sp>
-        <p:nvSpPr>
-          <p:cNvPr id="3" name="Subtitle 2"/>
-          <p:cNvSpPr>
-            <a:spLocks noGrp="1"/>
-          </p:cNvSpPr>
-          <p:nvPr>
-            <p:ph type="subTitle" idx="1"/>
-          </p:nvPr>
-        </p:nvSpPr>
-        <p:spPr/>
-        <p:txBody>
-          <a:bodyPr/>
-          <a:lstStyle/>
-          <a:p>
-            <a:r>
-              <a:rPr lang="en-US" dirty="0" smtClean="0"/>
-              <a:t>KeyStone Peripherals Usage</a:t>
-            </a:r>
-            <a:endParaRPr lang="en-US" dirty="0"/>
-          </a:p>
-        </p:txBody>
-      </p:sp>
-    </p:spTree>
-  </p:cSld>
-  <p:clrMapOvr>
-    <a:masterClrMapping/>
-  </p:clrMapOvr>
-</p:sld>
-</file>
-
-<file path=ppt/slides/slide64.xml><?xml version="1.0" encoding="utf-8"?>
-<p:sld xmlns:a="http://schemas.openxmlformats.org/drawingml/2006/main" xmlns:r="http://schemas.openxmlformats.org/officeDocument/2006/relationships" xmlns:p="http://schemas.openxmlformats.org/presentationml/2006/main">
-  <p:cSld>
-    <p:spTree>
-      <p:nvGrpSpPr>
-        <p:cNvPr id="1" name=""/>
-        <p:cNvGrpSpPr/>
-        <p:nvPr/>
-      </p:nvGrpSpPr>
-      <p:grpSpPr>
-        <a:xfrm>
-          <a:off x="0" y="0"/>
-          <a:ext cx="0" cy="0"/>
-          <a:chOff x="0" y="0"/>
-          <a:chExt cx="0" cy="0"/>
-        </a:xfrm>
-      </p:grpSpPr>
-      <p:sp>
-        <p:nvSpPr>
-          <p:cNvPr id="3" name="Title 2"/>
-          <p:cNvSpPr>
-            <a:spLocks noGrp="1"/>
-          </p:cNvSpPr>
-          <p:nvPr>
-            <p:ph type="title"/>
-          </p:nvPr>
-        </p:nvSpPr>
-        <p:spPr>
-          <a:xfrm>
-            <a:off x="457200" y="274638"/>
-            <a:ext cx="8229600" cy="639762"/>
-          </a:xfrm>
-        </p:spPr>
-        <p:txBody>
-          <a:bodyPr>
-            <a:noAutofit/>
-          </a:bodyPr>
-          <a:lstStyle/>
-          <a:p>
-            <a:r>
-              <a:rPr lang="en-US" sz="3600" b="1" dirty="0" smtClean="0"/>
-              <a:t>What About Linux?</a:t>
-            </a:r>
-            <a:endParaRPr lang="en-US" sz="3600" b="1" dirty="0"/>
-          </a:p>
-        </p:txBody>
-      </p:sp>
-      <p:sp>
-        <p:nvSpPr>
-          <p:cNvPr id="4" name="Content Placeholder 3"/>
-          <p:cNvSpPr>
-            <a:spLocks noGrp="1"/>
-          </p:cNvSpPr>
-          <p:nvPr>
-            <p:ph idx="1"/>
-          </p:nvPr>
-        </p:nvSpPr>
-        <p:spPr/>
-        <p:txBody>
-          <a:bodyPr/>
-          <a:lstStyle/>
-          <a:p>
-            <a:r>
-              <a:rPr lang="en-US" dirty="0" smtClean="0"/>
-              <a:t>Device Tree and Resource Manager</a:t>
-            </a:r>
-          </a:p>
-          <a:p>
-            <a:r>
-              <a:rPr lang="en-US" dirty="0" smtClean="0"/>
-              <a:t>Linux Device Driver </a:t>
-            </a:r>
-          </a:p>
-          <a:p>
-            <a:pPr lvl="1"/>
-            <a:r>
-              <a:rPr lang="en-US" dirty="0" smtClean="0"/>
-              <a:t>Modularity</a:t>
-            </a:r>
-          </a:p>
-          <a:p>
-            <a:pPr lvl="1"/>
-            <a:r>
-              <a:rPr lang="en-US" dirty="0" smtClean="0"/>
-              <a:t>Standard interface</a:t>
-            </a:r>
-          </a:p>
-          <a:p>
-            <a:pPr lvl="1"/>
-            <a:r>
-              <a:rPr lang="en-US" dirty="0" smtClean="0"/>
-              <a:t>Standard structure</a:t>
-            </a:r>
-          </a:p>
-          <a:p>
-            <a:pPr lvl="1"/>
-            <a:endParaRPr lang="en-US" dirty="0"/>
-          </a:p>
-        </p:txBody>
-      </p:sp>
-      <p:sp>
-        <p:nvSpPr>
-          <p:cNvPr id="5" name="Slide Number Placeholder 4"/>
-          <p:cNvSpPr>
-            <a:spLocks noGrp="1"/>
-          </p:cNvSpPr>
-          <p:nvPr>
-            <p:ph type="sldNum" sz="quarter" idx="4"/>
-          </p:nvPr>
-        </p:nvSpPr>
-        <p:spPr/>
-        <p:txBody>
-          <a:bodyPr/>
-          <a:lstStyle/>
-          <a:p>
-            <a:fld id="{3144B24B-BAB1-431A-82C6-36E096187F50}" type="slidenum">
-              <a:rPr lang="en-US" smtClean="0"/>
-              <a:pPr/>
-              <a:t>64</a:t>
-            </a:fld>
-            <a:endParaRPr lang="en-US"/>
-          </a:p>
-        </p:txBody>
-      </p:sp>
-    </p:spTree>
-  </p:cSld>
-  <p:clrMapOvr>
-    <a:masterClrMapping/>
-  </p:clrMapOvr>
-</p:sld>
-</file>
-
-<file path=ppt/slides/slide65.xml><?xml version="1.0" encoding="utf-8"?>
+<file path=ppt/slides/slide62.xml><?xml version="1.0" encoding="utf-8"?>
 <p:sld xmlns:a="http://schemas.openxmlformats.org/drawingml/2006/main" xmlns:r="http://schemas.openxmlformats.org/officeDocument/2006/relationships" xmlns:p="http://schemas.openxmlformats.org/presentationml/2006/main">
   <p:cSld>
     <p:spTree>
@@ -38819,23 +38076,16 @@
             <p:ph type="title"/>
           </p:nvPr>
         </p:nvSpPr>
-        <p:spPr>
-          <a:xfrm>
-            <a:off x="457200" y="274638"/>
-            <a:ext cx="8229600" cy="639762"/>
-          </a:xfrm>
-        </p:spPr>
+        <p:spPr/>
         <p:txBody>
-          <a:bodyPr>
-            <a:noAutofit/>
-          </a:bodyPr>
+          <a:bodyPr/>
           <a:lstStyle/>
           <a:p>
             <a:r>
-              <a:rPr lang="en-US" sz="3600" b="1" dirty="0" smtClean="0"/>
-              <a:t>What are Linux Device Drivers?</a:t>
-            </a:r>
-            <a:endParaRPr lang="en-US" sz="3600" b="1" dirty="0"/>
+              <a:rPr lang="en-US" dirty="0" smtClean="0"/>
+              <a:t>For More Information</a:t>
+            </a:r>
+            <a:endParaRPr lang="en-US" dirty="0"/>
           </a:p>
         </p:txBody>
       </p:sp>
@@ -38849,49 +38099,60 @@
             <p:ph idx="1"/>
           </p:nvPr>
         </p:nvSpPr>
-        <p:spPr>
-          <a:xfrm>
-            <a:off x="457200" y="1600200"/>
-            <a:ext cx="8229600" cy="4953000"/>
-          </a:xfrm>
-        </p:spPr>
+        <p:spPr/>
         <p:txBody>
-          <a:bodyPr>
-            <a:normAutofit/>
-          </a:bodyPr>
+          <a:bodyPr/>
           <a:lstStyle/>
           <a:p>
             <a:r>
-              <a:rPr lang="en-US" sz="2800" dirty="0" smtClean="0"/>
-              <a:t>Link between standard interface and the hardware</a:t>
-            </a:r>
-          </a:p>
-          <a:p>
-            <a:r>
-              <a:rPr lang="en-US" sz="2800" dirty="0" smtClean="0"/>
-              <a:t>Hides the complexity of device operation from the user</a:t>
-            </a:r>
-          </a:p>
-          <a:p>
-            <a:r>
-              <a:rPr lang="en-US" sz="2800" dirty="0" smtClean="0"/>
-              <a:t>Provides standard API to use the device</a:t>
-            </a:r>
-          </a:p>
-          <a:p>
-            <a:r>
-              <a:rPr lang="en-US" sz="2800" dirty="0" smtClean="0"/>
-              <a:t>Maps the API to one or more functions that manipulate the specific hardware device.</a:t>
-            </a:r>
-          </a:p>
-          <a:p>
-            <a:r>
-              <a:rPr lang="en-US" sz="2800" dirty="0" smtClean="0"/>
-              <a:t>Linux kernel modularity scheme enables easy plugging of new device drivers to a kernel.</a:t>
-            </a:r>
-          </a:p>
-          <a:p>
-            <a:endParaRPr lang="en-US" dirty="0" smtClean="0"/>
+              <a:rPr lang="en-US" dirty="0" smtClean="0"/>
+              <a:t>Software downloads and device-specific Data Manuals for the KeyStone SoCs can be found at </a:t>
+            </a:r>
+            <a:r>
+              <a:rPr lang="en-US" dirty="0" smtClean="0">
+                <a:hlinkClick r:id="rId2"/>
+              </a:rPr>
+              <a:t>TI.com/multicore</a:t>
+            </a:r>
+            <a:r>
+              <a:rPr lang="en-US" dirty="0" smtClean="0"/>
+              <a:t>.</a:t>
+            </a:r>
+          </a:p>
+          <a:p>
+            <a:r>
+              <a:rPr lang="en-US" dirty="0" smtClean="0"/>
+              <a:t>For articles related to multicore software and tools, refer to the </a:t>
+            </a:r>
+            <a:r>
+              <a:rPr lang="en-US" dirty="0" smtClean="0">
+                <a:hlinkClick r:id="rId3"/>
+              </a:rPr>
+              <a:t>Embedded Processors Wiki for the KeyStone Device Architecture</a:t>
+            </a:r>
+            <a:r>
+              <a:rPr lang="en-US" dirty="0" smtClean="0"/>
+              <a:t>.</a:t>
+            </a:r>
+          </a:p>
+          <a:p>
+            <a:r>
+              <a:rPr lang="en-US" dirty="0" smtClean="0"/>
+              <a:t>For questions regarding topics covered in this training, visit the support forums at the</a:t>
+            </a:r>
+            <a:br>
+              <a:rPr lang="en-US" dirty="0" smtClean="0"/>
+            </a:br>
+            <a:r>
+              <a:rPr lang="en-US" dirty="0" smtClean="0">
+                <a:hlinkClick r:id="rId4"/>
+              </a:rPr>
+              <a:t>TI E2E Community</a:t>
+            </a:r>
+            <a:r>
+              <a:rPr lang="en-US" dirty="0" smtClean="0"/>
+              <a:t> website.</a:t>
+            </a:r>
           </a:p>
         </p:txBody>
       </p:sp>
@@ -38913,670 +38174,29 @@
             <a:fld id="{3144B24B-BAB1-431A-82C6-36E096187F50}" type="slidenum">
               <a:rPr lang="en-US" smtClean="0"/>
               <a:pPr/>
-              <a:t>65</a:t>
+              <a:t>62</a:t>
             </a:fld>
             <a:endParaRPr lang="en-US"/>
           </a:p>
         </p:txBody>
       </p:sp>
     </p:spTree>
+    <p:extLst>
+      <p:ext uri="{BB962C8B-B14F-4D97-AF65-F5344CB8AC3E}">
+        <p14:creationId xmlns="" xmlns:p14="http://schemas.microsoft.com/office/powerpoint/2010/main" val="1759977180"/>
+      </p:ext>
+    </p:extLst>
   </p:cSld>
   <p:clrMapOvr>
     <a:masterClrMapping/>
   </p:clrMapOvr>
-</p:sld>
-</file>
-
-<file path=ppt/slides/slide66.xml><?xml version="1.0" encoding="utf-8"?>
-<p:sld xmlns:a="http://schemas.openxmlformats.org/drawingml/2006/main" xmlns:r="http://schemas.openxmlformats.org/officeDocument/2006/relationships" xmlns:p="http://schemas.openxmlformats.org/presentationml/2006/main">
-  <p:cSld>
-    <p:spTree>
-      <p:nvGrpSpPr>
-        <p:cNvPr id="1" name=""/>
-        <p:cNvGrpSpPr/>
-        <p:nvPr/>
-      </p:nvGrpSpPr>
-      <p:grpSpPr>
-        <a:xfrm>
-          <a:off x="0" y="0"/>
-          <a:ext cx="0" cy="0"/>
-          <a:chOff x="0" y="0"/>
-          <a:chExt cx="0" cy="0"/>
-        </a:xfrm>
-      </p:grpSpPr>
-      <p:sp>
-        <p:nvSpPr>
-          <p:cNvPr id="2" name="Title 1"/>
-          <p:cNvSpPr>
-            <a:spLocks noGrp="1"/>
-          </p:cNvSpPr>
-          <p:nvPr>
-            <p:ph type="title"/>
-          </p:nvPr>
-        </p:nvSpPr>
-        <p:spPr>
-          <a:xfrm>
-            <a:off x="457200" y="193358"/>
-            <a:ext cx="8229600" cy="639762"/>
-          </a:xfrm>
-        </p:spPr>
-        <p:txBody>
-          <a:bodyPr>
-            <a:noAutofit/>
-          </a:bodyPr>
-          <a:lstStyle/>
-          <a:p>
-            <a:r>
-              <a:rPr lang="en-US" sz="3600" b="1" dirty="0" smtClean="0"/>
-              <a:t>Linux Application API</a:t>
-            </a:r>
-            <a:endParaRPr lang="en-US" sz="3600" b="1" dirty="0"/>
-          </a:p>
-        </p:txBody>
-      </p:sp>
-      <p:sp>
-        <p:nvSpPr>
-          <p:cNvPr id="5" name="TextBox 4"/>
-          <p:cNvSpPr txBox="1"/>
-          <p:nvPr/>
-        </p:nvSpPr>
-        <p:spPr>
-          <a:xfrm>
-            <a:off x="4892634" y="1296258"/>
-            <a:ext cx="4086101" cy="3754874"/>
-          </a:xfrm>
-          <a:prstGeom prst="rect">
-            <a:avLst/>
-          </a:prstGeom>
-          <a:noFill/>
-        </p:spPr>
-        <p:txBody>
-          <a:bodyPr wrap="square" rtlCol="0">
-            <a:spAutoFit/>
-          </a:bodyPr>
-          <a:lstStyle/>
-          <a:p>
-            <a:pPr marL="342900" indent="-342900">
-              <a:buFont typeface="Arial" pitchFamily="34" charset="0"/>
-              <a:buChar char="•"/>
-            </a:pPr>
-            <a:r>
-              <a:rPr lang="en-US" sz="2000" dirty="0" smtClean="0"/>
-              <a:t>Device drivers can be loaded during boot time or loaded (as modules) during run time</a:t>
-            </a:r>
-          </a:p>
-          <a:p>
-            <a:pPr marL="342900" indent="-342900">
-              <a:buFont typeface="Arial" pitchFamily="34" charset="0"/>
-              <a:buChar char="•"/>
-            </a:pPr>
-            <a:r>
-              <a:rPr lang="en-US" sz="2000" dirty="0" smtClean="0"/>
-              <a:t>Driver classification:</a:t>
-            </a:r>
-          </a:p>
-          <a:p>
-            <a:pPr marL="800100" lvl="1" indent="-342900">
-              <a:buFont typeface="Courier New" pitchFamily="49" charset="0"/>
-              <a:buChar char="o"/>
-            </a:pPr>
-            <a:r>
-              <a:rPr lang="en-US" sz="2000" dirty="0" smtClean="0"/>
-              <a:t>Character device</a:t>
-            </a:r>
-          </a:p>
-          <a:p>
-            <a:pPr marL="800100" lvl="1" indent="-342900">
-              <a:buFont typeface="Courier New" pitchFamily="49" charset="0"/>
-              <a:buChar char="o"/>
-            </a:pPr>
-            <a:r>
-              <a:rPr lang="en-US" sz="2000" dirty="0" smtClean="0"/>
-              <a:t>Block device</a:t>
-            </a:r>
-          </a:p>
-          <a:p>
-            <a:pPr marL="800100" lvl="1" indent="-342900">
-              <a:buFont typeface="Courier New" pitchFamily="49" charset="0"/>
-              <a:buChar char="o"/>
-            </a:pPr>
-            <a:r>
-              <a:rPr lang="en-US" sz="2000" dirty="0" smtClean="0"/>
-              <a:t>Network  interface</a:t>
-            </a:r>
-          </a:p>
-          <a:p>
-            <a:pPr marL="342900" indent="-342900">
-              <a:buFont typeface="Arial" pitchFamily="34" charset="0"/>
-              <a:buChar char="•"/>
-            </a:pPr>
-            <a:r>
-              <a:rPr lang="en-US" sz="2000" dirty="0" smtClean="0"/>
-              <a:t>Each type of drivers have standard API, for example, character devices will have open and close, read and write functions.</a:t>
-            </a:r>
-          </a:p>
-          <a:p>
-            <a:endParaRPr lang="en-US" dirty="0"/>
-          </a:p>
-        </p:txBody>
-      </p:sp>
-      <p:graphicFrame>
-        <p:nvGraphicFramePr>
-          <p:cNvPr id="7" name="Object 6"/>
-          <p:cNvGraphicFramePr>
-            <a:graphicFrameLocks noChangeAspect="1"/>
-          </p:cNvGraphicFramePr>
-          <p:nvPr/>
-        </p:nvGraphicFramePr>
-        <p:xfrm>
-          <a:off x="304799" y="833120"/>
-          <a:ext cx="4183791" cy="5454237"/>
-        </p:xfrm>
-        <a:graphic>
-          <a:graphicData uri="http://schemas.openxmlformats.org/presentationml/2006/ole">
-            <p:oleObj spid="_x0000_s4098" name="Visio" r:id="rId3" imgW="4511040" imgH="5882420" progId="Visio.Drawing.11">
-              <p:embed/>
-            </p:oleObj>
-          </a:graphicData>
-        </a:graphic>
-      </p:graphicFrame>
-      <p:sp>
-        <p:nvSpPr>
-          <p:cNvPr id="6" name="Slide Number Placeholder 5"/>
-          <p:cNvSpPr>
-            <a:spLocks noGrp="1"/>
-          </p:cNvSpPr>
-          <p:nvPr>
-            <p:ph type="sldNum" sz="quarter" idx="4"/>
-          </p:nvPr>
-        </p:nvSpPr>
-        <p:spPr/>
-        <p:txBody>
-          <a:bodyPr/>
-          <a:lstStyle/>
-          <a:p>
-            <a:fld id="{3144B24B-BAB1-431A-82C6-36E096187F50}" type="slidenum">
-              <a:rPr lang="en-US" smtClean="0"/>
-              <a:pPr/>
-              <a:t>66</a:t>
-            </a:fld>
-            <a:endParaRPr lang="en-US"/>
-          </a:p>
-        </p:txBody>
-      </p:sp>
-    </p:spTree>
-  </p:cSld>
-  <p:clrMapOvr>
-    <a:masterClrMapping/>
-  </p:clrMapOvr>
-</p:sld>
-</file>
-
-<file path=ppt/slides/slide67.xml><?xml version="1.0" encoding="utf-8"?>
-<p:sld xmlns:a="http://schemas.openxmlformats.org/drawingml/2006/main" xmlns:r="http://schemas.openxmlformats.org/officeDocument/2006/relationships" xmlns:p="http://schemas.openxmlformats.org/presentationml/2006/main">
-  <p:cSld>
-    <p:spTree>
-      <p:nvGrpSpPr>
-        <p:cNvPr id="1" name=""/>
-        <p:cNvGrpSpPr/>
-        <p:nvPr/>
-      </p:nvGrpSpPr>
-      <p:grpSpPr>
-        <a:xfrm>
-          <a:off x="0" y="0"/>
-          <a:ext cx="0" cy="0"/>
-          <a:chOff x="0" y="0"/>
-          <a:chExt cx="0" cy="0"/>
-        </a:xfrm>
-      </p:grpSpPr>
-      <p:sp>
-        <p:nvSpPr>
-          <p:cNvPr id="2" name="Title 1"/>
-          <p:cNvSpPr>
-            <a:spLocks noGrp="1"/>
-          </p:cNvSpPr>
-          <p:nvPr>
-            <p:ph type="title"/>
-          </p:nvPr>
-        </p:nvSpPr>
-        <p:spPr>
-          <a:xfrm>
-            <a:off x="457200" y="274638"/>
-            <a:ext cx="8229600" cy="1249362"/>
-          </a:xfrm>
-        </p:spPr>
-        <p:txBody>
-          <a:bodyPr>
-            <a:noAutofit/>
-          </a:bodyPr>
-          <a:lstStyle/>
-          <a:p>
-            <a:r>
-              <a:rPr lang="en-US" sz="3600" b="1" dirty="0" smtClean="0"/>
-              <a:t>KeyStone Drivers Structure</a:t>
-            </a:r>
-            <a:br>
-              <a:rPr lang="en-US" sz="3600" b="1" dirty="0" smtClean="0"/>
-            </a:br>
-            <a:r>
-              <a:rPr lang="en-US" sz="3600" b="1" dirty="0" smtClean="0"/>
-              <a:t>Example - SRIO</a:t>
-            </a:r>
-            <a:endParaRPr lang="en-US" sz="3600" b="1" dirty="0"/>
-          </a:p>
-        </p:txBody>
-      </p:sp>
-      <p:graphicFrame>
-        <p:nvGraphicFramePr>
-          <p:cNvPr id="6" name="Object 5"/>
-          <p:cNvGraphicFramePr>
-            <a:graphicFrameLocks noChangeAspect="1"/>
-          </p:cNvGraphicFramePr>
-          <p:nvPr/>
-        </p:nvGraphicFramePr>
-        <p:xfrm>
-          <a:off x="1186524" y="1818648"/>
-          <a:ext cx="6722423" cy="4405939"/>
-        </p:xfrm>
-        <a:graphic>
-          <a:graphicData uri="http://schemas.openxmlformats.org/presentationml/2006/ole">
-            <p:oleObj spid="_x0000_s5122" name="Visio" r:id="rId3" imgW="5311073" imgH="3482116" progId="Visio.Drawing.11">
-              <p:embed/>
-            </p:oleObj>
-          </a:graphicData>
-        </a:graphic>
-      </p:graphicFrame>
-      <p:sp>
-        <p:nvSpPr>
-          <p:cNvPr id="4" name="Slide Number Placeholder 3"/>
-          <p:cNvSpPr>
-            <a:spLocks noGrp="1"/>
-          </p:cNvSpPr>
-          <p:nvPr>
-            <p:ph type="sldNum" sz="quarter" idx="4"/>
-          </p:nvPr>
-        </p:nvSpPr>
-        <p:spPr/>
-        <p:txBody>
-          <a:bodyPr/>
-          <a:lstStyle/>
-          <a:p>
-            <a:fld id="{3144B24B-BAB1-431A-82C6-36E096187F50}" type="slidenum">
-              <a:rPr lang="en-US" smtClean="0"/>
-              <a:pPr/>
-              <a:t>67</a:t>
-            </a:fld>
-            <a:endParaRPr lang="en-US"/>
-          </a:p>
-        </p:txBody>
-      </p:sp>
-    </p:spTree>
-  </p:cSld>
-  <p:clrMapOvr>
-    <a:masterClrMapping/>
-  </p:clrMapOvr>
-</p:sld>
-</file>
-
-<file path=ppt/slides/slide68.xml><?xml version="1.0" encoding="utf-8"?>
-<p:sld xmlns:a="http://schemas.openxmlformats.org/drawingml/2006/main" xmlns:r="http://schemas.openxmlformats.org/officeDocument/2006/relationships" xmlns:p="http://schemas.openxmlformats.org/presentationml/2006/main">
-  <p:cSld>
-    <p:spTree>
-      <p:nvGrpSpPr>
-        <p:cNvPr id="1" name=""/>
-        <p:cNvGrpSpPr/>
-        <p:nvPr/>
-      </p:nvGrpSpPr>
-      <p:grpSpPr>
-        <a:xfrm>
-          <a:off x="0" y="0"/>
-          <a:ext cx="0" cy="0"/>
-          <a:chOff x="0" y="0"/>
-          <a:chExt cx="0" cy="0"/>
-        </a:xfrm>
-      </p:grpSpPr>
-      <p:sp>
-        <p:nvSpPr>
-          <p:cNvPr id="20482" name="Rectangle 7"/>
-          <p:cNvSpPr>
-            <a:spLocks noGrp="1" noChangeArrowheads="1"/>
-          </p:cNvSpPr>
-          <p:nvPr>
-            <p:ph type="sldNum" sz="quarter" idx="4"/>
-          </p:nvPr>
-        </p:nvSpPr>
-        <p:spPr>
-          <a:xfrm>
-            <a:off x="6553200" y="6356350"/>
-            <a:ext cx="2133600" cy="365125"/>
-          </a:xfrm>
-          <a:prstGeom prst="rect">
-            <a:avLst/>
-          </a:prstGeom>
-          <a:noFill/>
-        </p:spPr>
-        <p:txBody>
-          <a:bodyPr/>
-          <a:lstStyle/>
-          <a:p>
-            <a:fld id="{016D914D-62B6-455B-A4C2-36E03A8FD93C}" type="slidenum">
-              <a:rPr lang="en-US" smtClean="0"/>
-              <a:pPr/>
-              <a:t>68</a:t>
-            </a:fld>
-            <a:endParaRPr lang="en-US" smtClean="0"/>
-          </a:p>
-        </p:txBody>
-      </p:sp>
-      <p:sp>
-        <p:nvSpPr>
-          <p:cNvPr id="20483" name="Rectangle 2"/>
-          <p:cNvSpPr>
-            <a:spLocks noGrp="1" noChangeArrowheads="1"/>
-          </p:cNvSpPr>
-          <p:nvPr>
-            <p:ph type="title"/>
-          </p:nvPr>
-        </p:nvSpPr>
-        <p:spPr>
-          <a:xfrm>
-            <a:off x="304800" y="304800"/>
-            <a:ext cx="8458200" cy="990600"/>
-          </a:xfrm>
-        </p:spPr>
-        <p:txBody>
-          <a:bodyPr>
-            <a:normAutofit fontScale="90000"/>
-          </a:bodyPr>
-          <a:lstStyle/>
-          <a:p>
-            <a:r>
-              <a:rPr lang="en-US" sz="3600" dirty="0" smtClean="0"/>
-              <a:t>Linux Drivers</a:t>
-            </a:r>
-            <a:br>
-              <a:rPr lang="en-US" sz="3600" dirty="0" smtClean="0"/>
-            </a:br>
-            <a:r>
-              <a:rPr lang="en-US" sz="3100" dirty="0" smtClean="0"/>
-              <a:t>mcsdk_03_00_00_09/linux-keystone/drivers</a:t>
-            </a:r>
-            <a:br>
-              <a:rPr lang="en-US" sz="3100" dirty="0" smtClean="0"/>
-            </a:br>
-            <a:endParaRPr lang="en-US" sz="3100" dirty="0" smtClean="0"/>
-          </a:p>
-        </p:txBody>
-      </p:sp>
-      <p:sp>
-        <p:nvSpPr>
-          <p:cNvPr id="20484" name="Content Placeholder 1"/>
-          <p:cNvSpPr>
-            <a:spLocks noGrp="1"/>
-          </p:cNvSpPr>
-          <p:nvPr>
-            <p:ph idx="1"/>
-          </p:nvPr>
-        </p:nvSpPr>
-        <p:spPr>
-          <a:xfrm>
-            <a:off x="457200" y="1447800"/>
-            <a:ext cx="8467725" cy="4800600"/>
-          </a:xfrm>
-        </p:spPr>
-        <p:txBody>
-          <a:bodyPr>
-            <a:normAutofit/>
-          </a:bodyPr>
-          <a:lstStyle/>
-          <a:p>
-            <a:pPr>
-              <a:buFont typeface="Arial" pitchFamily="34" charset="0"/>
-              <a:buChar char="•"/>
-            </a:pPr>
-            <a:r>
-              <a:rPr lang="en-US" sz="1800" dirty="0" smtClean="0"/>
-              <a:t>GIC IRQ chip driver</a:t>
-            </a:r>
-          </a:p>
-          <a:p>
-            <a:pPr>
-              <a:buFont typeface="Arial" pitchFamily="34" charset="0"/>
-              <a:buChar char="•"/>
-            </a:pPr>
-            <a:r>
-              <a:rPr lang="en-US" sz="1800" dirty="0" smtClean="0"/>
-              <a:t>Keystone IPC IRQ chip driver</a:t>
-            </a:r>
-          </a:p>
-          <a:p>
-            <a:pPr>
-              <a:buFont typeface="Arial" pitchFamily="34" charset="0"/>
-              <a:buChar char="•"/>
-            </a:pPr>
-            <a:r>
-              <a:rPr lang="en-US" sz="1800" dirty="0" smtClean="0"/>
-              <a:t>AEMIF driver</a:t>
-            </a:r>
-          </a:p>
-          <a:p>
-            <a:pPr>
-              <a:buFont typeface="Arial" pitchFamily="34" charset="0"/>
-              <a:buChar char="•"/>
-            </a:pPr>
-            <a:r>
-              <a:rPr lang="en-US" sz="1800" dirty="0" smtClean="0"/>
-              <a:t>NAND driver</a:t>
-            </a:r>
-          </a:p>
-          <a:p>
-            <a:pPr>
-              <a:buFont typeface="Arial" pitchFamily="34" charset="0"/>
-              <a:buChar char="•"/>
-            </a:pPr>
-            <a:r>
-              <a:rPr lang="en-US" sz="1800" dirty="0" smtClean="0"/>
-              <a:t>SPI and SPI NOR flash drivers</a:t>
-            </a:r>
-          </a:p>
-          <a:p>
-            <a:pPr>
-              <a:buFont typeface="Arial" pitchFamily="34" charset="0"/>
-              <a:buChar char="•"/>
-            </a:pPr>
-            <a:r>
-              <a:rPr lang="en-US" sz="1800" dirty="0" smtClean="0"/>
-              <a:t>I2C and EEPROM drivers</a:t>
-            </a:r>
-          </a:p>
-          <a:p>
-            <a:pPr>
-              <a:buFont typeface="Arial" pitchFamily="34" charset="0"/>
-              <a:buChar char="•"/>
-            </a:pPr>
-            <a:r>
-              <a:rPr lang="en-US" sz="1800" dirty="0" smtClean="0"/>
-              <a:t>Keystone GPIO driver</a:t>
-            </a:r>
-          </a:p>
-          <a:p>
-            <a:pPr>
-              <a:buFont typeface="Arial" pitchFamily="34" charset="0"/>
-              <a:buChar char="•"/>
-            </a:pPr>
-            <a:r>
-              <a:rPr lang="en-US" sz="1800" dirty="0" smtClean="0"/>
-              <a:t>Keystone IPC GPIO driver</a:t>
-            </a:r>
-          </a:p>
-          <a:p>
-            <a:pPr>
-              <a:buFont typeface="Arial" pitchFamily="34" charset="0"/>
-              <a:buChar char="•"/>
-            </a:pPr>
-            <a:r>
-              <a:rPr lang="en-US" sz="1800" dirty="0" smtClean="0"/>
-              <a:t>Network driver (NetCP), PktDMA, Packet Accelerator</a:t>
-            </a:r>
-          </a:p>
-          <a:p>
-            <a:pPr>
-              <a:buFont typeface="Arial" pitchFamily="34" charset="0"/>
-              <a:buChar char="•"/>
-            </a:pPr>
-            <a:r>
-              <a:rPr lang="en-US" sz="1800" dirty="0" smtClean="0"/>
-              <a:t>SGMII driver</a:t>
-            </a:r>
-          </a:p>
-          <a:p>
-            <a:pPr>
-              <a:buFont typeface="Arial" pitchFamily="34" charset="0"/>
-              <a:buChar char="•"/>
-            </a:pPr>
-            <a:r>
-              <a:rPr lang="en-US" sz="1800" dirty="0" smtClean="0"/>
-              <a:t>QoS driver</a:t>
-            </a:r>
-          </a:p>
-          <a:p>
-            <a:pPr>
-              <a:buFont typeface="Arial" pitchFamily="34" charset="0"/>
-              <a:buChar char="•"/>
-            </a:pPr>
-            <a:r>
-              <a:rPr lang="en-US" sz="1800" dirty="0" smtClean="0"/>
-              <a:t>USB driver</a:t>
-            </a:r>
-          </a:p>
-          <a:p>
-            <a:pPr>
-              <a:buFont typeface="Arial" pitchFamily="34" charset="0"/>
-              <a:buChar char="•"/>
-            </a:pPr>
-            <a:r>
-              <a:rPr lang="en-US" sz="1800" dirty="0" smtClean="0"/>
-              <a:t>10Gig Ethernet driver (not validated due to test hardware)</a:t>
-            </a:r>
-          </a:p>
-          <a:p>
-            <a:pPr>
-              <a:buFont typeface="Arial" pitchFamily="34" charset="0"/>
-              <a:buChar char="•"/>
-            </a:pPr>
-            <a:r>
-              <a:rPr lang="en-US" sz="1800" dirty="0" smtClean="0"/>
-              <a:t>PCIe driver</a:t>
-            </a:r>
-          </a:p>
-          <a:p>
-            <a:pPr>
-              <a:buFont typeface="Wingdings" pitchFamily="2" charset="2"/>
-              <a:buChar char="q"/>
-            </a:pPr>
-            <a:endParaRPr lang="en-US" sz="2000" dirty="0" smtClean="0"/>
-          </a:p>
-          <a:p>
-            <a:pPr>
-              <a:buFontTx/>
-              <a:buNone/>
-            </a:pPr>
-            <a:endParaRPr lang="en-US" sz="2000" dirty="0" smtClean="0"/>
-          </a:p>
-          <a:p>
-            <a:pPr>
-              <a:buFont typeface="Wingdings" pitchFamily="2" charset="2"/>
-              <a:buChar char="q"/>
-            </a:pPr>
-            <a:endParaRPr lang="en-US" sz="2400" dirty="0" smtClean="0"/>
-          </a:p>
-        </p:txBody>
-      </p:sp>
-    </p:spTree>
-  </p:cSld>
-  <p:clrMapOvr>
-    <a:masterClrMapping/>
-  </p:clrMapOvr>
-</p:sld>
-</file>
-
-<file path=ppt/slides/slide69.xml><?xml version="1.0" encoding="utf-8"?>
-<p:sld xmlns:a="http://schemas.openxmlformats.org/drawingml/2006/main" xmlns:r="http://schemas.openxmlformats.org/officeDocument/2006/relationships" xmlns:p="http://schemas.openxmlformats.org/presentationml/2006/main" show="0">
-  <p:cSld>
-    <p:spTree>
-      <p:nvGrpSpPr>
-        <p:cNvPr id="1" name=""/>
-        <p:cNvGrpSpPr/>
-        <p:nvPr/>
-      </p:nvGrpSpPr>
-      <p:grpSpPr>
-        <a:xfrm>
-          <a:off x="0" y="0"/>
-          <a:ext cx="0" cy="0"/>
-          <a:chOff x="0" y="0"/>
-          <a:chExt cx="0" cy="0"/>
-        </a:xfrm>
-      </p:grpSpPr>
-      <p:sp>
-        <p:nvSpPr>
-          <p:cNvPr id="2" name="Title 1"/>
-          <p:cNvSpPr>
-            <a:spLocks noGrp="1"/>
-          </p:cNvSpPr>
-          <p:nvPr>
-            <p:ph type="title"/>
-          </p:nvPr>
-        </p:nvSpPr>
-        <p:spPr>
-          <a:xfrm>
-            <a:off x="533400" y="2667000"/>
-            <a:ext cx="8229600" cy="944562"/>
-          </a:xfrm>
-        </p:spPr>
-        <p:txBody>
-          <a:bodyPr>
-            <a:normAutofit/>
-          </a:bodyPr>
-          <a:lstStyle/>
-          <a:p>
-            <a:r>
-              <a:rPr lang="en-US" sz="3600" dirty="0" smtClean="0"/>
-              <a:t>Backup – PktLib Utility Libraries</a:t>
-            </a:r>
-            <a:endParaRPr lang="en-US" sz="3600" dirty="0"/>
-          </a:p>
-        </p:txBody>
-      </p:sp>
-      <p:sp>
-        <p:nvSpPr>
-          <p:cNvPr id="3" name="Slide Number Placeholder 2"/>
-          <p:cNvSpPr>
-            <a:spLocks noGrp="1"/>
-          </p:cNvSpPr>
-          <p:nvPr>
-            <p:ph type="sldNum" sz="quarter" idx="4"/>
-          </p:nvPr>
-        </p:nvSpPr>
-        <p:spPr/>
-        <p:txBody>
-          <a:bodyPr/>
-          <a:lstStyle/>
-          <a:p>
-            <a:fld id="{3144B24B-BAB1-431A-82C6-36E096187F50}" type="slidenum">
-              <a:rPr lang="en-US" smtClean="0"/>
-              <a:pPr/>
-              <a:t>69</a:t>
-            </a:fld>
-            <a:endParaRPr lang="en-US"/>
-          </a:p>
-        </p:txBody>
-      </p:sp>
-    </p:spTree>
-  </p:cSld>
-  <p:clrMapOvr>
-    <a:masterClrMapping/>
-  </p:clrMapOvr>
-  <p:transition/>
+  <p:timing>
+    <p:tnLst>
+      <p:par>
+        <p:cTn id="1" dur="indefinite" restart="never" nodeType="tmRoot"/>
+      </p:par>
+    </p:tnLst>
+  </p:timing>
 </p:sld>
 </file>
 
@@ -39724,746 +38344,6 @@
   <p:clrMapOvr>
     <a:masterClrMapping/>
   </p:clrMapOvr>
-</p:sld>
-</file>
-
-<file path=ppt/slides/slide70.xml><?xml version="1.0" encoding="utf-8"?>
-<p:sld xmlns:a="http://schemas.openxmlformats.org/drawingml/2006/main" xmlns:r="http://schemas.openxmlformats.org/officeDocument/2006/relationships" xmlns:p="http://schemas.openxmlformats.org/presentationml/2006/main" show="0">
-  <p:cSld>
-    <p:spTree>
-      <p:nvGrpSpPr>
-        <p:cNvPr id="1" name=""/>
-        <p:cNvGrpSpPr/>
-        <p:nvPr/>
-      </p:nvGrpSpPr>
-      <p:grpSpPr>
-        <a:xfrm>
-          <a:off x="0" y="0"/>
-          <a:ext cx="0" cy="0"/>
-          <a:chOff x="0" y="0"/>
-          <a:chExt cx="0" cy="0"/>
-        </a:xfrm>
-      </p:grpSpPr>
-      <p:sp>
-        <p:nvSpPr>
-          <p:cNvPr id="2" name="Title 1"/>
-          <p:cNvSpPr>
-            <a:spLocks noGrp="1"/>
-          </p:cNvSpPr>
-          <p:nvPr>
-            <p:ph type="title"/>
-          </p:nvPr>
-        </p:nvSpPr>
-        <p:spPr>
-          <a:xfrm>
-            <a:off x="457200" y="76200"/>
-            <a:ext cx="8229600" cy="838200"/>
-          </a:xfrm>
-        </p:spPr>
-        <p:txBody>
-          <a:bodyPr/>
-          <a:lstStyle/>
-          <a:p>
-            <a:r>
-              <a:rPr lang="en-US" sz="3600" dirty="0" smtClean="0"/>
-              <a:t>Packet Library (PktLib)</a:t>
-            </a:r>
-            <a:endParaRPr lang="en-US" sz="3600" dirty="0"/>
-          </a:p>
-        </p:txBody>
-      </p:sp>
-      <p:sp>
-        <p:nvSpPr>
-          <p:cNvPr id="3" name="Content Placeholder 2"/>
-          <p:cNvSpPr>
-            <a:spLocks noGrp="1"/>
-          </p:cNvSpPr>
-          <p:nvPr>
-            <p:ph idx="1"/>
-          </p:nvPr>
-        </p:nvSpPr>
-        <p:spPr>
-          <a:xfrm>
-            <a:off x="304800" y="1905000"/>
-            <a:ext cx="8229600" cy="3429000"/>
-          </a:xfrm>
-        </p:spPr>
-        <p:txBody>
-          <a:bodyPr/>
-          <a:lstStyle/>
-          <a:p>
-            <a:r>
-              <a:rPr lang="en-US" dirty="0" smtClean="0"/>
-              <a:t>Purpose: High-level library to allocate packets and manipulate packets used by different types of channels.</a:t>
-            </a:r>
-          </a:p>
-          <a:p>
-            <a:r>
-              <a:rPr lang="en-US" dirty="0" smtClean="0"/>
-              <a:t>Enhance capabilities of packet manipulation</a:t>
-            </a:r>
-          </a:p>
-          <a:p>
-            <a:r>
-              <a:rPr lang="en-US" dirty="0" smtClean="0"/>
-              <a:t>Enhance Heap manipulation</a:t>
-            </a:r>
-          </a:p>
-          <a:p>
-            <a:pPr>
-              <a:buNone/>
-            </a:pPr>
-            <a:endParaRPr lang="en-US" dirty="0" smtClean="0"/>
-          </a:p>
-          <a:p>
-            <a:pPr lvl="1"/>
-            <a:endParaRPr lang="en-US" dirty="0" smtClean="0"/>
-          </a:p>
-          <a:p>
-            <a:endParaRPr lang="en-US" dirty="0"/>
-          </a:p>
-        </p:txBody>
-      </p:sp>
-      <p:sp>
-        <p:nvSpPr>
-          <p:cNvPr id="4" name="Slide Number Placeholder 3"/>
-          <p:cNvSpPr>
-            <a:spLocks noGrp="1"/>
-          </p:cNvSpPr>
-          <p:nvPr>
-            <p:ph type="sldNum" sz="quarter" idx="4"/>
-          </p:nvPr>
-        </p:nvSpPr>
-        <p:spPr/>
-        <p:txBody>
-          <a:bodyPr/>
-          <a:lstStyle/>
-          <a:p>
-            <a:fld id="{3144B24B-BAB1-431A-82C6-36E096187F50}" type="slidenum">
-              <a:rPr lang="en-US" smtClean="0"/>
-              <a:pPr/>
-              <a:t>70</a:t>
-            </a:fld>
-            <a:endParaRPr lang="en-US"/>
-          </a:p>
-        </p:txBody>
-      </p:sp>
-    </p:spTree>
-  </p:cSld>
-  <p:clrMapOvr>
-    <a:masterClrMapping/>
-  </p:clrMapOvr>
-  <p:transition/>
-</p:sld>
-</file>
-
-<file path=ppt/slides/slide71.xml><?xml version="1.0" encoding="utf-8"?>
-<p:sld xmlns:a="http://schemas.openxmlformats.org/drawingml/2006/main" xmlns:r="http://schemas.openxmlformats.org/officeDocument/2006/relationships" xmlns:p="http://schemas.openxmlformats.org/presentationml/2006/main" show="0">
-  <p:cSld>
-    <p:spTree>
-      <p:nvGrpSpPr>
-        <p:cNvPr id="1" name=""/>
-        <p:cNvGrpSpPr/>
-        <p:nvPr/>
-      </p:nvGrpSpPr>
-      <p:grpSpPr>
-        <a:xfrm>
-          <a:off x="0" y="0"/>
-          <a:ext cx="0" cy="0"/>
-          <a:chOff x="0" y="0"/>
-          <a:chExt cx="0" cy="0"/>
-        </a:xfrm>
-      </p:grpSpPr>
-      <p:sp>
-        <p:nvSpPr>
-          <p:cNvPr id="2" name="Title 1"/>
-          <p:cNvSpPr>
-            <a:spLocks noGrp="1"/>
-          </p:cNvSpPr>
-          <p:nvPr>
-            <p:ph type="title"/>
-          </p:nvPr>
-        </p:nvSpPr>
-        <p:spPr>
-          <a:xfrm>
-            <a:off x="457200" y="76200"/>
-            <a:ext cx="8229600" cy="838200"/>
-          </a:xfrm>
-        </p:spPr>
-        <p:txBody>
-          <a:bodyPr/>
-          <a:lstStyle/>
-          <a:p>
-            <a:r>
-              <a:rPr lang="en-US" sz="3600" dirty="0" smtClean="0"/>
-              <a:t>Heap Allocation</a:t>
-            </a:r>
-            <a:endParaRPr lang="en-US" sz="3600" dirty="0"/>
-          </a:p>
-        </p:txBody>
-      </p:sp>
-      <p:sp>
-        <p:nvSpPr>
-          <p:cNvPr id="3" name="Content Placeholder 2"/>
-          <p:cNvSpPr>
-            <a:spLocks noGrp="1"/>
-          </p:cNvSpPr>
-          <p:nvPr>
-            <p:ph idx="1"/>
-          </p:nvPr>
-        </p:nvSpPr>
-        <p:spPr>
-          <a:xfrm>
-            <a:off x="228600" y="1066800"/>
-            <a:ext cx="8229600" cy="5029200"/>
-          </a:xfrm>
-        </p:spPr>
-        <p:txBody>
-          <a:bodyPr/>
-          <a:lstStyle/>
-          <a:p>
-            <a:r>
-              <a:rPr lang="en-US" dirty="0" smtClean="0"/>
-              <a:t>Heap creation supports shared heaps and private heaps.</a:t>
-            </a:r>
-          </a:p>
-          <a:p>
-            <a:r>
-              <a:rPr lang="en-US" dirty="0" smtClean="0"/>
-              <a:t>Heap is identified by name. It contains Data buffer Packets or Zero Buffer Packets</a:t>
-            </a:r>
-          </a:p>
-          <a:p>
-            <a:r>
-              <a:rPr lang="en-US" dirty="0" smtClean="0"/>
-              <a:t>Heap size is determined by application.</a:t>
-            </a:r>
-          </a:p>
-          <a:p>
-            <a:r>
-              <a:rPr lang="en-US" dirty="0" smtClean="0"/>
-              <a:t>Typical pktlib functions:</a:t>
-            </a:r>
-          </a:p>
-          <a:p>
-            <a:pPr lvl="1"/>
-            <a:r>
-              <a:rPr lang="en-US" dirty="0" smtClean="0"/>
-              <a:t>Pktlib_createHeap</a:t>
-            </a:r>
-          </a:p>
-          <a:p>
-            <a:pPr lvl="1"/>
-            <a:r>
-              <a:rPr lang="en-US" dirty="0" smtClean="0"/>
-              <a:t>Pktlib_findHeapbyName</a:t>
-            </a:r>
-          </a:p>
-          <a:p>
-            <a:pPr lvl="1"/>
-            <a:r>
-              <a:rPr lang="en-US" dirty="0" smtClean="0"/>
-              <a:t>Pktlib_allocPacket</a:t>
-            </a:r>
-          </a:p>
-          <a:p>
-            <a:pPr lvl="1">
-              <a:buNone/>
-            </a:pPr>
-            <a:endParaRPr lang="en-US" dirty="0" smtClean="0"/>
-          </a:p>
-          <a:p>
-            <a:pPr>
-              <a:buNone/>
-            </a:pPr>
-            <a:endParaRPr lang="en-US" dirty="0" smtClean="0"/>
-          </a:p>
-          <a:p>
-            <a:pPr lvl="1"/>
-            <a:endParaRPr lang="en-US" dirty="0" smtClean="0"/>
-          </a:p>
-          <a:p>
-            <a:endParaRPr lang="en-US" dirty="0"/>
-          </a:p>
-        </p:txBody>
-      </p:sp>
-      <p:sp>
-        <p:nvSpPr>
-          <p:cNvPr id="4" name="Slide Number Placeholder 3"/>
-          <p:cNvSpPr>
-            <a:spLocks noGrp="1"/>
-          </p:cNvSpPr>
-          <p:nvPr>
-            <p:ph type="sldNum" sz="quarter" idx="4"/>
-          </p:nvPr>
-        </p:nvSpPr>
-        <p:spPr/>
-        <p:txBody>
-          <a:bodyPr/>
-          <a:lstStyle/>
-          <a:p>
-            <a:fld id="{3144B24B-BAB1-431A-82C6-36E096187F50}" type="slidenum">
-              <a:rPr lang="en-US" smtClean="0"/>
-              <a:pPr/>
-              <a:t>71</a:t>
-            </a:fld>
-            <a:endParaRPr lang="en-US"/>
-          </a:p>
-        </p:txBody>
-      </p:sp>
-    </p:spTree>
-  </p:cSld>
-  <p:clrMapOvr>
-    <a:masterClrMapping/>
-  </p:clrMapOvr>
-  <p:transition/>
-</p:sld>
-</file>
-
-<file path=ppt/slides/slide72.xml><?xml version="1.0" encoding="utf-8"?>
-<p:sld xmlns:a="http://schemas.openxmlformats.org/drawingml/2006/main" xmlns:r="http://schemas.openxmlformats.org/officeDocument/2006/relationships" xmlns:p="http://schemas.openxmlformats.org/presentationml/2006/main" show="0">
-  <p:cSld>
-    <p:spTree>
-      <p:nvGrpSpPr>
-        <p:cNvPr id="1" name=""/>
-        <p:cNvGrpSpPr/>
-        <p:nvPr/>
-      </p:nvGrpSpPr>
-      <p:grpSpPr>
-        <a:xfrm>
-          <a:off x="0" y="0"/>
-          <a:ext cx="0" cy="0"/>
-          <a:chOff x="0" y="0"/>
-          <a:chExt cx="0" cy="0"/>
-        </a:xfrm>
-      </p:grpSpPr>
-      <p:sp>
-        <p:nvSpPr>
-          <p:cNvPr id="2" name="Title 1"/>
-          <p:cNvSpPr>
-            <a:spLocks noGrp="1"/>
-          </p:cNvSpPr>
-          <p:nvPr>
-            <p:ph type="title"/>
-          </p:nvPr>
-        </p:nvSpPr>
-        <p:spPr>
-          <a:xfrm>
-            <a:off x="457200" y="76200"/>
-            <a:ext cx="8229600" cy="838200"/>
-          </a:xfrm>
-        </p:spPr>
-        <p:txBody>
-          <a:bodyPr/>
-          <a:lstStyle/>
-          <a:p>
-            <a:r>
-              <a:rPr lang="en-US" sz="3600" dirty="0" smtClean="0"/>
-              <a:t>Packet Manipulations</a:t>
-            </a:r>
-            <a:endParaRPr lang="en-US" sz="3600" dirty="0"/>
-          </a:p>
-        </p:txBody>
-      </p:sp>
-      <p:sp>
-        <p:nvSpPr>
-          <p:cNvPr id="3" name="Content Placeholder 2"/>
-          <p:cNvSpPr>
-            <a:spLocks noGrp="1"/>
-          </p:cNvSpPr>
-          <p:nvPr>
-            <p:ph idx="1"/>
-          </p:nvPr>
-        </p:nvSpPr>
-        <p:spPr>
-          <a:xfrm>
-            <a:off x="228600" y="1066800"/>
-            <a:ext cx="8229600" cy="5029200"/>
-          </a:xfrm>
-        </p:spPr>
-        <p:txBody>
-          <a:bodyPr/>
-          <a:lstStyle/>
-          <a:p>
-            <a:r>
-              <a:rPr lang="en-US" dirty="0" smtClean="0"/>
-              <a:t>Merge multiple packets into one (linked) packet</a:t>
-            </a:r>
-          </a:p>
-          <a:p>
-            <a:r>
-              <a:rPr lang="en-US" dirty="0" smtClean="0"/>
-              <a:t>Clone packet</a:t>
-            </a:r>
-          </a:p>
-          <a:p>
-            <a:r>
-              <a:rPr lang="en-US" dirty="0" smtClean="0"/>
-              <a:t>Split Packet into multiple packets</a:t>
-            </a:r>
-          </a:p>
-          <a:p>
-            <a:r>
-              <a:rPr lang="en-US" dirty="0" smtClean="0"/>
-              <a:t>Typical pktlib functions:</a:t>
-            </a:r>
-          </a:p>
-          <a:p>
-            <a:pPr lvl="1"/>
-            <a:r>
-              <a:rPr lang="en-US" dirty="0" smtClean="0"/>
-              <a:t>Pktlib_packetMerge</a:t>
-            </a:r>
-          </a:p>
-          <a:p>
-            <a:pPr lvl="1"/>
-            <a:r>
-              <a:rPr lang="en-US" dirty="0" smtClean="0"/>
-              <a:t>Pktlib_clonePacket</a:t>
-            </a:r>
-          </a:p>
-          <a:p>
-            <a:pPr lvl="1"/>
-            <a:r>
-              <a:rPr lang="en-US" dirty="0" smtClean="0"/>
-              <a:t>Pktlib_splitPacket</a:t>
-            </a:r>
-          </a:p>
-          <a:p>
-            <a:endParaRPr lang="en-US" dirty="0" smtClean="0"/>
-          </a:p>
-          <a:p>
-            <a:pPr>
-              <a:buNone/>
-            </a:pPr>
-            <a:endParaRPr lang="en-US" dirty="0" smtClean="0"/>
-          </a:p>
-          <a:p>
-            <a:pPr lvl="1"/>
-            <a:endParaRPr lang="en-US" dirty="0" smtClean="0"/>
-          </a:p>
-          <a:p>
-            <a:endParaRPr lang="en-US" dirty="0"/>
-          </a:p>
-        </p:txBody>
-      </p:sp>
-      <p:sp>
-        <p:nvSpPr>
-          <p:cNvPr id="4" name="Slide Number Placeholder 3"/>
-          <p:cNvSpPr>
-            <a:spLocks noGrp="1"/>
-          </p:cNvSpPr>
-          <p:nvPr>
-            <p:ph type="sldNum" sz="quarter" idx="4"/>
-          </p:nvPr>
-        </p:nvSpPr>
-        <p:spPr/>
-        <p:txBody>
-          <a:bodyPr/>
-          <a:lstStyle/>
-          <a:p>
-            <a:fld id="{3144B24B-BAB1-431A-82C6-36E096187F50}" type="slidenum">
-              <a:rPr lang="en-US" smtClean="0"/>
-              <a:pPr/>
-              <a:t>72</a:t>
-            </a:fld>
-            <a:endParaRPr lang="en-US"/>
-          </a:p>
-        </p:txBody>
-      </p:sp>
-    </p:spTree>
-  </p:cSld>
-  <p:clrMapOvr>
-    <a:masterClrMapping/>
-  </p:clrMapOvr>
-  <p:transition/>
-</p:sld>
-</file>
-
-<file path=ppt/slides/slide73.xml><?xml version="1.0" encoding="utf-8"?>
-<p:sld xmlns:a="http://schemas.openxmlformats.org/drawingml/2006/main" xmlns:r="http://schemas.openxmlformats.org/officeDocument/2006/relationships" xmlns:p="http://schemas.openxmlformats.org/presentationml/2006/main" show="0">
-  <p:cSld>
-    <p:spTree>
-      <p:nvGrpSpPr>
-        <p:cNvPr id="1" name=""/>
-        <p:cNvGrpSpPr/>
-        <p:nvPr/>
-      </p:nvGrpSpPr>
-      <p:grpSpPr>
-        <a:xfrm>
-          <a:off x="0" y="0"/>
-          <a:ext cx="0" cy="0"/>
-          <a:chOff x="0" y="0"/>
-          <a:chExt cx="0" cy="0"/>
-        </a:xfrm>
-      </p:grpSpPr>
-      <p:sp>
-        <p:nvSpPr>
-          <p:cNvPr id="2" name="Title 1"/>
-          <p:cNvSpPr>
-            <a:spLocks noGrp="1"/>
-          </p:cNvSpPr>
-          <p:nvPr>
-            <p:ph type="title"/>
-          </p:nvPr>
-        </p:nvSpPr>
-        <p:spPr>
-          <a:xfrm>
-            <a:off x="457200" y="76200"/>
-            <a:ext cx="8229600" cy="838200"/>
-          </a:xfrm>
-        </p:spPr>
-        <p:txBody>
-          <a:bodyPr/>
-          <a:lstStyle/>
-          <a:p>
-            <a:r>
-              <a:rPr lang="en-US" sz="3600" dirty="0" smtClean="0"/>
-              <a:t>PktLib: Additional Features</a:t>
-            </a:r>
-            <a:endParaRPr lang="en-US" sz="3600" dirty="0"/>
-          </a:p>
-        </p:txBody>
-      </p:sp>
-      <p:sp>
-        <p:nvSpPr>
-          <p:cNvPr id="3" name="Content Placeholder 2"/>
-          <p:cNvSpPr>
-            <a:spLocks noGrp="1"/>
-          </p:cNvSpPr>
-          <p:nvPr>
-            <p:ph idx="1"/>
-          </p:nvPr>
-        </p:nvSpPr>
-        <p:spPr>
-          <a:xfrm>
-            <a:off x="228600" y="1905000"/>
-            <a:ext cx="8229600" cy="4191000"/>
-          </a:xfrm>
-        </p:spPr>
-        <p:txBody>
-          <a:bodyPr/>
-          <a:lstStyle/>
-          <a:p>
-            <a:r>
-              <a:rPr lang="en-US" dirty="0" smtClean="0"/>
-              <a:t>Clean up and garbage collection (especially for clone packets and split packets)</a:t>
-            </a:r>
-          </a:p>
-          <a:p>
-            <a:r>
-              <a:rPr lang="en-US" dirty="0" smtClean="0"/>
-              <a:t>Heap statistics</a:t>
-            </a:r>
-          </a:p>
-          <a:p>
-            <a:r>
-              <a:rPr lang="en-US" dirty="0" smtClean="0"/>
-              <a:t>Cache coherency</a:t>
-            </a:r>
-          </a:p>
-          <a:p>
-            <a:endParaRPr lang="en-US" dirty="0" smtClean="0"/>
-          </a:p>
-          <a:p>
-            <a:endParaRPr lang="en-US" dirty="0" smtClean="0"/>
-          </a:p>
-          <a:p>
-            <a:pPr>
-              <a:buNone/>
-            </a:pPr>
-            <a:endParaRPr lang="en-US" dirty="0" smtClean="0"/>
-          </a:p>
-          <a:p>
-            <a:pPr lvl="1"/>
-            <a:endParaRPr lang="en-US" dirty="0" smtClean="0"/>
-          </a:p>
-          <a:p>
-            <a:endParaRPr lang="en-US" dirty="0"/>
-          </a:p>
-        </p:txBody>
-      </p:sp>
-      <p:sp>
-        <p:nvSpPr>
-          <p:cNvPr id="4" name="Slide Number Placeholder 3"/>
-          <p:cNvSpPr>
-            <a:spLocks noGrp="1"/>
-          </p:cNvSpPr>
-          <p:nvPr>
-            <p:ph type="sldNum" sz="quarter" idx="4"/>
-          </p:nvPr>
-        </p:nvSpPr>
-        <p:spPr/>
-        <p:txBody>
-          <a:bodyPr/>
-          <a:lstStyle/>
-          <a:p>
-            <a:fld id="{3144B24B-BAB1-431A-82C6-36E096187F50}" type="slidenum">
-              <a:rPr lang="en-US" smtClean="0"/>
-              <a:pPr/>
-              <a:t>73</a:t>
-            </a:fld>
-            <a:endParaRPr lang="en-US"/>
-          </a:p>
-        </p:txBody>
-      </p:sp>
-    </p:spTree>
-  </p:cSld>
-  <p:clrMapOvr>
-    <a:masterClrMapping/>
-  </p:clrMapOvr>
-  <p:transition/>
-</p:sld>
-</file>
-
-<file path=ppt/slides/slide74.xml><?xml version="1.0" encoding="utf-8"?>
-<p:sld xmlns:a="http://schemas.openxmlformats.org/drawingml/2006/main" xmlns:r="http://schemas.openxmlformats.org/officeDocument/2006/relationships" xmlns:p="http://schemas.openxmlformats.org/presentationml/2006/main">
-  <p:cSld>
-    <p:spTree>
-      <p:nvGrpSpPr>
-        <p:cNvPr id="1" name=""/>
-        <p:cNvGrpSpPr/>
-        <p:nvPr/>
-      </p:nvGrpSpPr>
-      <p:grpSpPr>
-        <a:xfrm>
-          <a:off x="0" y="0"/>
-          <a:ext cx="0" cy="0"/>
-          <a:chOff x="0" y="0"/>
-          <a:chExt cx="0" cy="0"/>
-        </a:xfrm>
-      </p:grpSpPr>
-      <p:sp>
-        <p:nvSpPr>
-          <p:cNvPr id="2" name="Title 1"/>
-          <p:cNvSpPr>
-            <a:spLocks noGrp="1"/>
-          </p:cNvSpPr>
-          <p:nvPr>
-            <p:ph type="title"/>
-          </p:nvPr>
-        </p:nvSpPr>
-        <p:spPr/>
-        <p:txBody>
-          <a:bodyPr/>
-          <a:lstStyle/>
-          <a:p>
-            <a:r>
-              <a:rPr lang="en-US" dirty="0" smtClean="0"/>
-              <a:t>For More Information</a:t>
-            </a:r>
-            <a:endParaRPr lang="en-US" dirty="0"/>
-          </a:p>
-        </p:txBody>
-      </p:sp>
-      <p:sp>
-        <p:nvSpPr>
-          <p:cNvPr id="3" name="Content Placeholder 2"/>
-          <p:cNvSpPr>
-            <a:spLocks noGrp="1"/>
-          </p:cNvSpPr>
-          <p:nvPr>
-            <p:ph idx="1"/>
-          </p:nvPr>
-        </p:nvSpPr>
-        <p:spPr/>
-        <p:txBody>
-          <a:bodyPr/>
-          <a:lstStyle/>
-          <a:p>
-            <a:r>
-              <a:rPr lang="en-US" dirty="0" smtClean="0"/>
-              <a:t>Software downloads and device-specific Data Manuals for the KeyStone SoCs can be found at </a:t>
-            </a:r>
-            <a:r>
-              <a:rPr lang="en-US" dirty="0" smtClean="0">
-                <a:hlinkClick r:id="rId2"/>
-              </a:rPr>
-              <a:t>TI.com/multicore</a:t>
-            </a:r>
-            <a:r>
-              <a:rPr lang="en-US" dirty="0" smtClean="0"/>
-              <a:t>.</a:t>
-            </a:r>
-          </a:p>
-          <a:p>
-            <a:r>
-              <a:rPr lang="en-US" dirty="0" smtClean="0"/>
-              <a:t>For articles related to multicore software and tools, refer to the </a:t>
-            </a:r>
-            <a:r>
-              <a:rPr lang="en-US" dirty="0" smtClean="0">
-                <a:hlinkClick r:id="rId3"/>
-              </a:rPr>
-              <a:t>Embedded Processors Wiki for the KeyStone Device Architecture</a:t>
-            </a:r>
-            <a:r>
-              <a:rPr lang="en-US" dirty="0" smtClean="0"/>
-              <a:t>.</a:t>
-            </a:r>
-          </a:p>
-          <a:p>
-            <a:r>
-              <a:rPr lang="en-US" dirty="0" smtClean="0"/>
-              <a:t>For questions regarding topics covered in this training, visit the support forums at the</a:t>
-            </a:r>
-            <a:br>
-              <a:rPr lang="en-US" dirty="0" smtClean="0"/>
-            </a:br>
-            <a:r>
-              <a:rPr lang="en-US" dirty="0" smtClean="0">
-                <a:hlinkClick r:id="rId4"/>
-              </a:rPr>
-              <a:t>TI E2E Community</a:t>
-            </a:r>
-            <a:r>
-              <a:rPr lang="en-US" dirty="0" smtClean="0"/>
-              <a:t> website.</a:t>
-            </a:r>
-          </a:p>
-        </p:txBody>
-      </p:sp>
-      <p:sp>
-        <p:nvSpPr>
-          <p:cNvPr id="4" name="Slide Number Placeholder 3"/>
-          <p:cNvSpPr>
-            <a:spLocks noGrp="1"/>
-          </p:cNvSpPr>
-          <p:nvPr>
-            <p:ph type="sldNum" sz="quarter" idx="4"/>
-          </p:nvPr>
-        </p:nvSpPr>
-        <p:spPr/>
-        <p:txBody>
-          <a:bodyPr/>
-          <a:lstStyle/>
-          <a:p>
-            <a:fld id="{3144B24B-BAB1-431A-82C6-36E096187F50}" type="slidenum">
-              <a:rPr lang="en-US" smtClean="0"/>
-              <a:pPr/>
-              <a:t>74</a:t>
-            </a:fld>
-            <a:endParaRPr lang="en-US"/>
-          </a:p>
-        </p:txBody>
-      </p:sp>
-    </p:spTree>
-    <p:extLst>
-      <p:ext uri="{BB962C8B-B14F-4D97-AF65-F5344CB8AC3E}">
-        <p14:creationId xmlns:p14="http://schemas.microsoft.com/office/powerpoint/2010/main" xmlns="" val="1759977180"/>
-      </p:ext>
-    </p:extLst>
-  </p:cSld>
-  <p:clrMapOvr>
-    <a:masterClrMapping/>
-  </p:clrMapOvr>
-  <p:timing>
-    <p:tnLst>
-      <p:par>
-        <p:cTn id="1" dur="indefinite" restart="never" nodeType="tmRoot"/>
-      </p:par>
-    </p:tnLst>
-  </p:timing>
 </p:sld>
 </file>
 

--- a/slides/KeyStone Peripherals Usage.pptx
+++ b/slides/KeyStone Peripherals Usage.pptx
@@ -260,7 +260,7 @@
             <a:fld id="{792E6ECC-D4E1-4AE4-A1EA-2A7A85AB2673}" type="datetimeFigureOut">
               <a:rPr lang="en-US" smtClean="0"/>
               <a:pPr/>
-              <a:t>1/29/2014</a:t>
+              <a:t>11/20/2014</a:t>
             </a:fld>
             <a:endParaRPr lang="en-US"/>
           </a:p>
@@ -334,6 +334,11 @@
         </p:txBody>
       </p:sp>
     </p:spTree>
+    <p:extLst>
+      <p:ext uri="{BB962C8B-B14F-4D97-AF65-F5344CB8AC3E}">
+        <p14:creationId xmlns:p14="http://schemas.microsoft.com/office/powerpoint/2010/main" val="1892849427"/>
+      </p:ext>
+    </p:extLst>
   </p:cSld>
   <p:clrMap bg1="lt1" tx1="dk1" bg2="lt2" tx2="dk2" accent1="accent1" accent2="accent2" accent3="accent3" accent4="accent4" accent5="accent5" accent6="accent6" hlink="hlink" folHlink="folHlink"/>
 </p:handoutMaster>
@@ -422,7 +427,7 @@
             <a:fld id="{C676C751-4C04-614B-9B76-AAC11CF48BFD}" type="datetimeFigureOut">
               <a:rPr lang="en-US" smtClean="0"/>
               <a:pPr/>
-              <a:t>1/29/2014</a:t>
+              <a:t>11/20/2014</a:t>
             </a:fld>
             <a:endParaRPr lang="en-US" dirty="0"/>
           </a:p>
@@ -591,7 +596,7 @@
     </p:spTree>
     <p:extLst>
       <p:ext uri="{BB962C8B-B14F-4D97-AF65-F5344CB8AC3E}">
-        <p14:creationId xmlns="" xmlns:p14="http://schemas.microsoft.com/office/powerpoint/2010/main" val="967372434"/>
+        <p14:creationId xmlns:p14="http://schemas.microsoft.com/office/powerpoint/2010/main" val="967372434"/>
       </p:ext>
     </p:extLst>
   </p:cSld>
@@ -1048,7 +1053,7 @@
     </p:spTree>
     <p:extLst>
       <p:ext uri="{BB962C8B-B14F-4D97-AF65-F5344CB8AC3E}">
-        <p14:creationId xmlns="" xmlns:p14="http://schemas.microsoft.com/office/powerpoint/2010/main" val="1932138566"/>
+        <p14:creationId xmlns:p14="http://schemas.microsoft.com/office/powerpoint/2010/main" val="1932138566"/>
       </p:ext>
     </p:extLst>
   </p:cSld>
@@ -1921,7 +1926,7 @@
     </p:spTree>
     <p:extLst>
       <p:ext uri="{BB962C8B-B14F-4D97-AF65-F5344CB8AC3E}">
-        <p14:creationId xmlns="" xmlns:p14="http://schemas.microsoft.com/office/powerpoint/2010/main" val="3856102171"/>
+        <p14:creationId xmlns:p14="http://schemas.microsoft.com/office/powerpoint/2010/main" val="3856102171"/>
       </p:ext>
     </p:extLst>
   </p:cSld>
@@ -2346,11 +2351,7 @@
           <a:p>
             <a:r>
               <a:rPr lang="en-US" dirty="0" smtClean="0"/>
-              <a:t>KeyStone Peripherals </a:t>
-            </a:r>
-            <a:r>
-              <a:rPr lang="en-US" dirty="0" smtClean="0"/>
-              <a:t>Usage</a:t>
+              <a:t>KeyStone Peripherals Usage</a:t>
             </a:r>
             <a:br>
               <a:rPr lang="en-US" dirty="0" smtClean="0"/>
@@ -2406,7 +2407,7 @@
 </file>
 
 <file path=ppt/slides/slide10.xml><?xml version="1.0" encoding="utf-8"?>
-<p:sld xmlns:a="http://schemas.openxmlformats.org/drawingml/2006/main" xmlns:r="http://schemas.openxmlformats.org/officeDocument/2006/relationships" xmlns:p="http://schemas.openxmlformats.org/presentationml/2006/main">
+<p:sld xmlns:a="http://schemas.openxmlformats.org/drawingml/2006/main" xmlns:r="http://schemas.openxmlformats.org/officeDocument/2006/relationships" xmlns:p="http://schemas.openxmlformats.org/presentationml/2006/main" show="0">
   <p:cSld>
     <p:spTree>
       <p:nvGrpSpPr>
@@ -2570,11 +2571,19 @@
   <p:clrMapOvr>
     <a:masterClrMapping/>
   </p:clrMapOvr>
+  <mc:AlternateContent xmlns:mc="http://schemas.openxmlformats.org/markup-compatibility/2006">
+    <mc:Choice xmlns:p14="http://schemas.microsoft.com/office/powerpoint/2010/main" Requires="p14">
+      <p:transition spd="slow" p14:dur="2000"/>
+    </mc:Choice>
+    <mc:Fallback>
+      <p:transition spd="slow"/>
+    </mc:Fallback>
+  </mc:AlternateContent>
 </p:sld>
 </file>
 
 <file path=ppt/slides/slide11.xml><?xml version="1.0" encoding="utf-8"?>
-<p:sld xmlns:a="http://schemas.openxmlformats.org/drawingml/2006/main" xmlns:r="http://schemas.openxmlformats.org/officeDocument/2006/relationships" xmlns:p="http://schemas.openxmlformats.org/presentationml/2006/main">
+<p:sld xmlns:a="http://schemas.openxmlformats.org/drawingml/2006/main" xmlns:r="http://schemas.openxmlformats.org/officeDocument/2006/relationships" xmlns:p="http://schemas.openxmlformats.org/presentationml/2006/main" show="0">
   <p:cSld>
     <p:spTree>
       <p:nvGrpSpPr>
@@ -2789,11 +2798,19 @@
   <p:clrMapOvr>
     <a:masterClrMapping/>
   </p:clrMapOvr>
+  <mc:AlternateContent xmlns:mc="http://schemas.openxmlformats.org/markup-compatibility/2006">
+    <mc:Choice xmlns:p14="http://schemas.microsoft.com/office/powerpoint/2010/main" Requires="p14">
+      <p:transition spd="slow" p14:dur="2000"/>
+    </mc:Choice>
+    <mc:Fallback>
+      <p:transition spd="slow"/>
+    </mc:Fallback>
+  </mc:AlternateContent>
 </p:sld>
 </file>
 
 <file path=ppt/slides/slide12.xml><?xml version="1.0" encoding="utf-8"?>
-<p:sld xmlns:a="http://schemas.openxmlformats.org/drawingml/2006/main" xmlns:r="http://schemas.openxmlformats.org/officeDocument/2006/relationships" xmlns:p="http://schemas.openxmlformats.org/presentationml/2006/main">
+<p:sld xmlns:a="http://schemas.openxmlformats.org/drawingml/2006/main" xmlns:r="http://schemas.openxmlformats.org/officeDocument/2006/relationships" xmlns:p="http://schemas.openxmlformats.org/presentationml/2006/main" show="0">
   <p:cSld>
     <p:spTree>
       <p:nvGrpSpPr>
@@ -4710,6 +4727,14 @@
   <p:clrMapOvr>
     <a:masterClrMapping/>
   </p:clrMapOvr>
+  <mc:AlternateContent xmlns:mc="http://schemas.openxmlformats.org/markup-compatibility/2006">
+    <mc:Choice xmlns:p14="http://schemas.microsoft.com/office/powerpoint/2010/main" Requires="p14">
+      <p:transition spd="slow" p14:dur="2000"/>
+    </mc:Choice>
+    <mc:Fallback>
+      <p:transition spd="slow"/>
+    </mc:Fallback>
+  </mc:AlternateContent>
   <p:timing>
     <p:tnLst>
       <p:par>
@@ -4721,7 +4746,7 @@
 </file>
 
 <file path=ppt/slides/slide13.xml><?xml version="1.0" encoding="utf-8"?>
-<p:sld xmlns:a="http://schemas.openxmlformats.org/drawingml/2006/main" xmlns:r="http://schemas.openxmlformats.org/officeDocument/2006/relationships" xmlns:p="http://schemas.openxmlformats.org/presentationml/2006/main">
+<p:sld xmlns:a="http://schemas.openxmlformats.org/drawingml/2006/main" xmlns:r="http://schemas.openxmlformats.org/officeDocument/2006/relationships" xmlns:p="http://schemas.openxmlformats.org/presentationml/2006/main" show="0">
   <p:cSld>
     <p:spTree>
       <p:nvGrpSpPr>
@@ -4850,6 +4875,14 @@
   <p:clrMapOvr>
     <a:masterClrMapping/>
   </p:clrMapOvr>
+  <mc:AlternateContent xmlns:mc="http://schemas.openxmlformats.org/markup-compatibility/2006">
+    <mc:Choice xmlns:p14="http://schemas.microsoft.com/office/powerpoint/2010/main" Requires="p14">
+      <p:transition spd="slow" p14:dur="2000"/>
+    </mc:Choice>
+    <mc:Fallback>
+      <p:transition spd="slow"/>
+    </mc:Fallback>
+  </mc:AlternateContent>
   <p:timing>
     <p:tnLst>
       <p:par>
@@ -4861,7 +4894,7 @@
 </file>
 
 <file path=ppt/slides/slide14.xml><?xml version="1.0" encoding="utf-8"?>
-<p:sld xmlns:a="http://schemas.openxmlformats.org/drawingml/2006/main" xmlns:r="http://schemas.openxmlformats.org/officeDocument/2006/relationships" xmlns:p="http://schemas.openxmlformats.org/presentationml/2006/main">
+<p:sld xmlns:a="http://schemas.openxmlformats.org/drawingml/2006/main" xmlns:r="http://schemas.openxmlformats.org/officeDocument/2006/relationships" xmlns:p="http://schemas.openxmlformats.org/presentationml/2006/main" show="0">
   <p:cSld>
     <p:spTree>
       <p:nvGrpSpPr>
@@ -5022,6 +5055,14 @@
   <p:clrMapOvr>
     <a:masterClrMapping/>
   </p:clrMapOvr>
+  <mc:AlternateContent xmlns:mc="http://schemas.openxmlformats.org/markup-compatibility/2006">
+    <mc:Choice xmlns:p14="http://schemas.microsoft.com/office/powerpoint/2010/main" Requires="p14">
+      <p:transition spd="slow" p14:dur="2000"/>
+    </mc:Choice>
+    <mc:Fallback>
+      <p:transition spd="slow"/>
+    </mc:Fallback>
+  </mc:AlternateContent>
   <p:timing>
     <p:tnLst>
       <p:par>
@@ -5033,7 +5074,7 @@
 </file>
 
 <file path=ppt/slides/slide15.xml><?xml version="1.0" encoding="utf-8"?>
-<p:sld xmlns:a="http://schemas.openxmlformats.org/drawingml/2006/main" xmlns:r="http://schemas.openxmlformats.org/officeDocument/2006/relationships" xmlns:p="http://schemas.openxmlformats.org/presentationml/2006/main">
+<p:sld xmlns:a="http://schemas.openxmlformats.org/drawingml/2006/main" xmlns:r="http://schemas.openxmlformats.org/officeDocument/2006/relationships" xmlns:p="http://schemas.openxmlformats.org/presentationml/2006/main" show="0">
   <p:cSld>
     <p:spTree>
       <p:nvGrpSpPr>
@@ -5210,6 +5251,14 @@
   <p:clrMapOvr>
     <a:masterClrMapping/>
   </p:clrMapOvr>
+  <mc:AlternateContent xmlns:mc="http://schemas.openxmlformats.org/markup-compatibility/2006">
+    <mc:Choice xmlns:p14="http://schemas.microsoft.com/office/powerpoint/2010/main" Requires="p14">
+      <p:transition spd="slow" p14:dur="2000"/>
+    </mc:Choice>
+    <mc:Fallback>
+      <p:transition spd="slow"/>
+    </mc:Fallback>
+  </mc:AlternateContent>
   <p:timing>
     <p:tnLst>
       <p:par>
@@ -5221,7 +5270,7 @@
 </file>
 
 <file path=ppt/slides/slide16.xml><?xml version="1.0" encoding="utf-8"?>
-<p:sld xmlns:a="http://schemas.openxmlformats.org/drawingml/2006/main" xmlns:r="http://schemas.openxmlformats.org/officeDocument/2006/relationships" xmlns:p="http://schemas.openxmlformats.org/presentationml/2006/main">
+<p:sld xmlns:a="http://schemas.openxmlformats.org/drawingml/2006/main" xmlns:r="http://schemas.openxmlformats.org/officeDocument/2006/relationships" xmlns:p="http://schemas.openxmlformats.org/presentationml/2006/main" show="0">
   <p:cSld>
     <p:spTree>
       <p:nvGrpSpPr>
@@ -5397,6 +5446,14 @@
   <p:clrMapOvr>
     <a:masterClrMapping/>
   </p:clrMapOvr>
+  <mc:AlternateContent xmlns:mc="http://schemas.openxmlformats.org/markup-compatibility/2006">
+    <mc:Choice xmlns:p14="http://schemas.microsoft.com/office/powerpoint/2010/main" Requires="p14">
+      <p:transition spd="slow" p14:dur="2000"/>
+    </mc:Choice>
+    <mc:Fallback>
+      <p:transition spd="slow"/>
+    </mc:Fallback>
+  </mc:AlternateContent>
   <p:timing>
     <p:tnLst>
       <p:par>
@@ -5408,7 +5465,7 @@
 </file>
 
 <file path=ppt/slides/slide17.xml><?xml version="1.0" encoding="utf-8"?>
-<p:sld xmlns:a="http://schemas.openxmlformats.org/drawingml/2006/main" xmlns:r="http://schemas.openxmlformats.org/officeDocument/2006/relationships" xmlns:p="http://schemas.openxmlformats.org/presentationml/2006/main">
+<p:sld xmlns:a="http://schemas.openxmlformats.org/drawingml/2006/main" xmlns:r="http://schemas.openxmlformats.org/officeDocument/2006/relationships" xmlns:p="http://schemas.openxmlformats.org/presentationml/2006/main" show="0">
   <p:cSld>
     <p:spTree>
       <p:nvGrpSpPr>
@@ -9251,11 +9308,19 @@
   <p:clrMapOvr>
     <a:masterClrMapping/>
   </p:clrMapOvr>
+  <mc:AlternateContent xmlns:mc="http://schemas.openxmlformats.org/markup-compatibility/2006">
+    <mc:Choice xmlns:p14="http://schemas.microsoft.com/office/powerpoint/2010/main" Requires="p14">
+      <p:transition spd="slow" p14:dur="2000"/>
+    </mc:Choice>
+    <mc:Fallback>
+      <p:transition spd="slow"/>
+    </mc:Fallback>
+  </mc:AlternateContent>
 </p:sld>
 </file>
 
 <file path=ppt/slides/slide18.xml><?xml version="1.0" encoding="utf-8"?>
-<p:sld xmlns:a="http://schemas.openxmlformats.org/drawingml/2006/main" xmlns:r="http://schemas.openxmlformats.org/officeDocument/2006/relationships" xmlns:p="http://schemas.openxmlformats.org/presentationml/2006/main">
+<p:sld xmlns:a="http://schemas.openxmlformats.org/drawingml/2006/main" xmlns:r="http://schemas.openxmlformats.org/officeDocument/2006/relationships" xmlns:p="http://schemas.openxmlformats.org/presentationml/2006/main" show="0">
   <p:cSld>
     <p:spTree>
       <p:nvGrpSpPr>
@@ -10582,11 +10647,19 @@
   <p:clrMapOvr>
     <a:masterClrMapping/>
   </p:clrMapOvr>
+  <mc:AlternateContent xmlns:mc="http://schemas.openxmlformats.org/markup-compatibility/2006">
+    <mc:Choice xmlns:p14="http://schemas.microsoft.com/office/powerpoint/2010/main" Requires="p14">
+      <p:transition spd="slow" p14:dur="2000"/>
+    </mc:Choice>
+    <mc:Fallback>
+      <p:transition spd="slow"/>
+    </mc:Fallback>
+  </mc:AlternateContent>
 </p:sld>
 </file>
 
 <file path=ppt/slides/slide19.xml><?xml version="1.0" encoding="utf-8"?>
-<p:sld xmlns:a="http://schemas.openxmlformats.org/drawingml/2006/main" xmlns:r="http://schemas.openxmlformats.org/officeDocument/2006/relationships" xmlns:p="http://schemas.openxmlformats.org/presentationml/2006/main">
+<p:sld xmlns:a="http://schemas.openxmlformats.org/drawingml/2006/main" xmlns:r="http://schemas.openxmlformats.org/officeDocument/2006/relationships" xmlns:p="http://schemas.openxmlformats.org/presentationml/2006/main" show="0">
   <p:cSld>
     <p:spTree>
       <p:nvGrpSpPr>
@@ -10732,6 +10805,14 @@
   <p:clrMapOvr>
     <a:masterClrMapping/>
   </p:clrMapOvr>
+  <mc:AlternateContent xmlns:mc="http://schemas.openxmlformats.org/markup-compatibility/2006">
+    <mc:Choice xmlns:p14="http://schemas.microsoft.com/office/powerpoint/2010/main" Requires="p14">
+      <p:transition spd="slow" p14:dur="2000"/>
+    </mc:Choice>
+    <mc:Fallback>
+      <p:transition spd="slow"/>
+    </mc:Fallback>
+  </mc:AlternateContent>
 </p:sld>
 </file>
 
@@ -10910,7 +10991,7 @@
 </file>
 
 <file path=ppt/slides/slide20.xml><?xml version="1.0" encoding="utf-8"?>
-<p:sld xmlns:a="http://schemas.openxmlformats.org/drawingml/2006/main" xmlns:r="http://schemas.openxmlformats.org/officeDocument/2006/relationships" xmlns:p="http://schemas.openxmlformats.org/presentationml/2006/main">
+<p:sld xmlns:a="http://schemas.openxmlformats.org/drawingml/2006/main" xmlns:r="http://schemas.openxmlformats.org/officeDocument/2006/relationships" xmlns:p="http://schemas.openxmlformats.org/presentationml/2006/main" show="0">
   <p:cSld>
     <p:spTree>
       <p:nvGrpSpPr>
@@ -11077,11 +11158,19 @@
   <p:clrMapOvr>
     <a:masterClrMapping/>
   </p:clrMapOvr>
+  <mc:AlternateContent xmlns:mc="http://schemas.openxmlformats.org/markup-compatibility/2006">
+    <mc:Choice xmlns:p14="http://schemas.microsoft.com/office/powerpoint/2010/main" Requires="p14">
+      <p:transition spd="slow" p14:dur="2000"/>
+    </mc:Choice>
+    <mc:Fallback>
+      <p:transition spd="slow"/>
+    </mc:Fallback>
+  </mc:AlternateContent>
 </p:sld>
 </file>
 
 <file path=ppt/slides/slide21.xml><?xml version="1.0" encoding="utf-8"?>
-<p:sld xmlns:a="http://schemas.openxmlformats.org/drawingml/2006/main" xmlns:r="http://schemas.openxmlformats.org/officeDocument/2006/relationships" xmlns:p="http://schemas.openxmlformats.org/presentationml/2006/main">
+<p:sld xmlns:a="http://schemas.openxmlformats.org/drawingml/2006/main" xmlns:r="http://schemas.openxmlformats.org/officeDocument/2006/relationships" xmlns:p="http://schemas.openxmlformats.org/presentationml/2006/main" show="0">
   <p:cSld>
     <p:spTree>
       <p:nvGrpSpPr>
@@ -11532,6 +11621,14 @@
   <p:clrMapOvr>
     <a:masterClrMapping/>
   </p:clrMapOvr>
+  <mc:AlternateContent xmlns:mc="http://schemas.openxmlformats.org/markup-compatibility/2006">
+    <mc:Choice xmlns:p14="http://schemas.microsoft.com/office/powerpoint/2010/main" Requires="p14">
+      <p:transition spd="slow" p14:dur="2000"/>
+    </mc:Choice>
+    <mc:Fallback>
+      <p:transition spd="slow"/>
+    </mc:Fallback>
+  </mc:AlternateContent>
 </p:sld>
 </file>
 
@@ -11870,9 +11967,59 @@
         </p:xfrm>
         <a:graphic>
           <a:graphicData uri="http://schemas.openxmlformats.org/presentationml/2006/ole">
-            <p:oleObj spid="_x0000_s1026" name="Visio" r:id="rId3" imgW="4511040" imgH="5882420" progId="Visio.Drawing.11">
-              <p:embed/>
-            </p:oleObj>
+            <mc:AlternateContent xmlns:mc="http://schemas.openxmlformats.org/markup-compatibility/2006">
+              <mc:Choice xmlns:v="urn:schemas-microsoft-com:vml" Requires="v">
+                <p:oleObj spid="_x0000_s1027" name="Visio" r:id="rId3" imgW="4511040" imgH="5882420" progId="Visio.Drawing.11">
+                  <p:embed/>
+                </p:oleObj>
+              </mc:Choice>
+              <mc:Fallback>
+                <p:oleObj name="Visio" r:id="rId3" imgW="4511040" imgH="5882420" progId="Visio.Drawing.11">
+                  <p:embed/>
+                  <p:pic>
+                    <p:nvPicPr>
+                      <p:cNvPr id="0" name="Object 4"/>
+                      <p:cNvPicPr>
+                        <a:picLocks noChangeAspect="1" noChangeArrowheads="1"/>
+                      </p:cNvPicPr>
+                      <p:nvPr/>
+                    </p:nvPicPr>
+                    <p:blipFill>
+                      <a:blip r:embed="rId4">
+                        <a:extLst>
+                          <a:ext uri="{28A0092B-C50C-407E-A947-70E740481C1C}">
+                            <a14:useLocalDpi xmlns:a14="http://schemas.microsoft.com/office/drawing/2010/main" val="0"/>
+                          </a:ext>
+                        </a:extLst>
+                      </a:blip>
+                      <a:srcRect/>
+                      <a:stretch>
+                        <a:fillRect/>
+                      </a:stretch>
+                    </p:blipFill>
+                    <p:spPr bwMode="auto">
+                      <a:xfrm>
+                        <a:off x="228600" y="1143000"/>
+                        <a:ext cx="3927166" cy="5119687"/>
+                      </a:xfrm>
+                      <a:prstGeom prst="rect">
+                        <a:avLst/>
+                      </a:prstGeom>
+                      <a:noFill/>
+                      <a:extLst>
+                        <a:ext uri="{909E8E84-426E-40DD-AFC4-6F175D3DCCD1}">
+                          <a14:hiddenFill xmlns:a14="http://schemas.microsoft.com/office/drawing/2010/main">
+                            <a:solidFill>
+                              <a:srgbClr val="FFFFFF"/>
+                            </a:solidFill>
+                          </a14:hiddenFill>
+                        </a:ext>
+                      </a:extLst>
+                    </p:spPr>
+                  </p:pic>
+                </p:oleObj>
+              </mc:Fallback>
+            </mc:AlternateContent>
           </a:graphicData>
         </a:graphic>
       </p:graphicFrame>
@@ -13973,9 +14120,59 @@
         </p:xfrm>
         <a:graphic>
           <a:graphicData uri="http://schemas.openxmlformats.org/presentationml/2006/ole">
-            <p:oleObj spid="_x0000_s2050" name="Visio" r:id="rId3" imgW="4511040" imgH="5882420" progId="Visio.Drawing.11">
-              <p:embed/>
-            </p:oleObj>
+            <mc:AlternateContent xmlns:mc="http://schemas.openxmlformats.org/markup-compatibility/2006">
+              <mc:Choice xmlns:v="urn:schemas-microsoft-com:vml" Requires="v">
+                <p:oleObj spid="_x0000_s2051" name="Visio" r:id="rId3" imgW="4511040" imgH="5882420" progId="Visio.Drawing.11">
+                  <p:embed/>
+                </p:oleObj>
+              </mc:Choice>
+              <mc:Fallback>
+                <p:oleObj name="Visio" r:id="rId3" imgW="4511040" imgH="5882420" progId="Visio.Drawing.11">
+                  <p:embed/>
+                  <p:pic>
+                    <p:nvPicPr>
+                      <p:cNvPr id="0" name="Object 2"/>
+                      <p:cNvPicPr>
+                        <a:picLocks noChangeAspect="1" noChangeArrowheads="1"/>
+                      </p:cNvPicPr>
+                      <p:nvPr/>
+                    </p:nvPicPr>
+                    <p:blipFill>
+                      <a:blip r:embed="rId4">
+                        <a:extLst>
+                          <a:ext uri="{28A0092B-C50C-407E-A947-70E740481C1C}">
+                            <a14:useLocalDpi xmlns:a14="http://schemas.microsoft.com/office/drawing/2010/main" val="0"/>
+                          </a:ext>
+                        </a:extLst>
+                      </a:blip>
+                      <a:srcRect/>
+                      <a:stretch>
+                        <a:fillRect/>
+                      </a:stretch>
+                    </p:blipFill>
+                    <p:spPr bwMode="auto">
+                      <a:xfrm>
+                        <a:off x="1" y="844986"/>
+                        <a:ext cx="4381994" cy="5712628"/>
+                      </a:xfrm>
+                      <a:prstGeom prst="rect">
+                        <a:avLst/>
+                      </a:prstGeom>
+                      <a:noFill/>
+                      <a:extLst>
+                        <a:ext uri="{909E8E84-426E-40DD-AFC4-6F175D3DCCD1}">
+                          <a14:hiddenFill xmlns:a14="http://schemas.microsoft.com/office/drawing/2010/main">
+                            <a:solidFill>
+                              <a:srgbClr val="FFFFFF"/>
+                            </a:solidFill>
+                          </a14:hiddenFill>
+                        </a:ext>
+                      </a:extLst>
+                    </p:spPr>
+                  </p:pic>
+                </p:oleObj>
+              </mc:Fallback>
+            </mc:AlternateContent>
           </a:graphicData>
         </a:graphic>
       </p:graphicFrame>
@@ -14072,9 +14269,59 @@
         </p:xfrm>
         <a:graphic>
           <a:graphicData uri="http://schemas.openxmlformats.org/presentationml/2006/ole">
-            <p:oleObj spid="_x0000_s3074" name="Visio" r:id="rId3" imgW="5542858" imgH="5768232" progId="Visio.Drawing.11">
-              <p:embed/>
-            </p:oleObj>
+            <mc:AlternateContent xmlns:mc="http://schemas.openxmlformats.org/markup-compatibility/2006">
+              <mc:Choice xmlns:v="urn:schemas-microsoft-com:vml" Requires="v">
+                <p:oleObj spid="_x0000_s3075" name="Visio" r:id="rId3" imgW="5542858" imgH="5768232" progId="Visio.Drawing.11">
+                  <p:embed/>
+                </p:oleObj>
+              </mc:Choice>
+              <mc:Fallback>
+                <p:oleObj name="Visio" r:id="rId3" imgW="5542858" imgH="5768232" progId="Visio.Drawing.11">
+                  <p:embed/>
+                  <p:pic>
+                    <p:nvPicPr>
+                      <p:cNvPr id="0" name="Object 2"/>
+                      <p:cNvPicPr>
+                        <a:picLocks noChangeAspect="1" noChangeArrowheads="1"/>
+                      </p:cNvPicPr>
+                      <p:nvPr/>
+                    </p:nvPicPr>
+                    <p:blipFill>
+                      <a:blip r:embed="rId4">
+                        <a:extLst>
+                          <a:ext uri="{28A0092B-C50C-407E-A947-70E740481C1C}">
+                            <a14:useLocalDpi xmlns:a14="http://schemas.microsoft.com/office/drawing/2010/main" val="0"/>
+                          </a:ext>
+                        </a:extLst>
+                      </a:blip>
+                      <a:srcRect/>
+                      <a:stretch>
+                        <a:fillRect/>
+                      </a:stretch>
+                    </p:blipFill>
+                    <p:spPr bwMode="auto">
+                      <a:xfrm>
+                        <a:off x="1752600" y="990600"/>
+                        <a:ext cx="4918486" cy="5118494"/>
+                      </a:xfrm>
+                      <a:prstGeom prst="rect">
+                        <a:avLst/>
+                      </a:prstGeom>
+                      <a:noFill/>
+                      <a:extLst>
+                        <a:ext uri="{909E8E84-426E-40DD-AFC4-6F175D3DCCD1}">
+                          <a14:hiddenFill xmlns:a14="http://schemas.microsoft.com/office/drawing/2010/main">
+                            <a:solidFill>
+                              <a:srgbClr val="FFFFFF"/>
+                            </a:solidFill>
+                          </a14:hiddenFill>
+                        </a:ext>
+                      </a:extLst>
+                    </p:spPr>
+                  </p:pic>
+                </p:oleObj>
+              </mc:Fallback>
+            </mc:AlternateContent>
           </a:graphicData>
         </a:graphic>
       </p:graphicFrame>
@@ -38183,7 +38430,7 @@
     </p:spTree>
     <p:extLst>
       <p:ext uri="{BB962C8B-B14F-4D97-AF65-F5344CB8AC3E}">
-        <p14:creationId xmlns="" xmlns:p14="http://schemas.microsoft.com/office/powerpoint/2010/main" val="1759977180"/>
+        <p14:creationId xmlns:p14="http://schemas.microsoft.com/office/powerpoint/2010/main" val="1759977180"/>
       </p:ext>
     </p:extLst>
   </p:cSld>
@@ -38501,7 +38748,7 @@
 </file>
 
 <file path=ppt/slides/slide9.xml><?xml version="1.0" encoding="utf-8"?>
-<p:sld xmlns:a="http://schemas.openxmlformats.org/drawingml/2006/main" xmlns:r="http://schemas.openxmlformats.org/officeDocument/2006/relationships" xmlns:p="http://schemas.openxmlformats.org/presentationml/2006/main">
+<p:sld xmlns:a="http://schemas.openxmlformats.org/drawingml/2006/main" xmlns:r="http://schemas.openxmlformats.org/officeDocument/2006/relationships" xmlns:p="http://schemas.openxmlformats.org/presentationml/2006/main" show="0">
   <p:cSld>
     <p:spTree>
       <p:nvGrpSpPr>
@@ -38569,6 +38816,14 @@
   <p:clrMapOvr>
     <a:masterClrMapping/>
   </p:clrMapOvr>
+  <mc:AlternateContent xmlns:mc="http://schemas.openxmlformats.org/markup-compatibility/2006">
+    <mc:Choice xmlns:p14="http://schemas.microsoft.com/office/powerpoint/2010/main" Requires="p14">
+      <p:transition spd="slow" p14:dur="2000"/>
+    </mc:Choice>
+    <mc:Fallback>
+      <p:transition spd="slow"/>
+    </mc:Fallback>
+  </mc:AlternateContent>
 </p:sld>
 </file>
 
